--- a/documents/projectmanagement/Praesentationen/Vorstellung_Zwischenpräsentation_Karsten.pptx
+++ b/documents/projectmanagement/Praesentationen/Vorstellung_Zwischenpräsentation_Karsten.pptx
@@ -157,7 +157,7 @@
 </file>
 
 <file path=ppt/charts/chart1.xml><?xml version="1.0" encoding="utf-8"?>
-<c:chartSpace xmlns:c="http://schemas.openxmlformats.org/drawingml/2006/chart" xmlns:a="http://schemas.openxmlformats.org/drawingml/2006/main" xmlns:r="http://schemas.openxmlformats.org/officeDocument/2006/relationships">
+<c:chartSpace xmlns:c="http://schemas.openxmlformats.org/drawingml/2006/chart" xmlns:a="http://schemas.openxmlformats.org/drawingml/2006/main" xmlns:r="http://schemas.openxmlformats.org/officeDocument/2006/relationships" xmlns:c16r2="http://schemas.microsoft.com/office/drawing/2015/06/chart">
   <c:date1904 val="0"/>
   <c:lang val="de-DE"/>
   <c:roundedCorners val="0"/>
@@ -269,7 +269,7 @@
             <c:showPercent val="0"/>
             <c:showBubbleSize val="0"/>
             <c:showLeaderLines val="0"/>
-            <c:extLst xmlns:c16r2="http://schemas.microsoft.com/office/drawing/2015/06/chart">
+            <c:extLst>
               <c:ext xmlns:c15="http://schemas.microsoft.com/office/drawing/2012/chart" uri="{CE6537A1-D6FC-4f65-9D91-7224C49458BB}">
                 <c15:showLeaderLines val="0"/>
               </c:ext>
@@ -328,7 +328,7 @@
               </c:numCache>
             </c:numRef>
           </c:val>
-          <c:extLst xmlns:c16r2="http://schemas.microsoft.com/office/drawing/2015/06/chart">
+          <c:extLst>
             <c:ext xmlns:c16="http://schemas.microsoft.com/office/drawing/2014/chart" uri="{C3380CC4-5D6E-409C-BE32-E72D297353CC}">
               <c16:uniqueId val="{00000000-68E7-42C2-9F48-6A113CFE58BE}"/>
             </c:ext>
@@ -416,7 +416,7 @@
             <c:showPercent val="0"/>
             <c:showBubbleSize val="0"/>
             <c:showLeaderLines val="0"/>
-            <c:extLst xmlns:c16r2="http://schemas.microsoft.com/office/drawing/2015/06/chart">
+            <c:extLst>
               <c:ext xmlns:c15="http://schemas.microsoft.com/office/drawing/2012/chart" uri="{CE6537A1-D6FC-4f65-9D91-7224C49458BB}">
                 <c15:showLeaderLines val="0"/>
               </c:ext>
@@ -475,7 +475,7 @@
               </c:numCache>
             </c:numRef>
           </c:val>
-          <c:extLst xmlns:c16r2="http://schemas.microsoft.com/office/drawing/2015/06/chart">
+          <c:extLst>
             <c:ext xmlns:c16="http://schemas.microsoft.com/office/drawing/2014/chart" uri="{C3380CC4-5D6E-409C-BE32-E72D297353CC}">
               <c16:uniqueId val="{00000001-68E7-42C2-9F48-6A113CFE58BE}"/>
             </c:ext>
@@ -528,7 +528,7 @@
               </c:numCache>
             </c:numRef>
           </c:val>
-          <c:extLst xmlns:c16r2="http://schemas.microsoft.com/office/drawing/2015/06/chart">
+          <c:extLst>
             <c:ext xmlns:c16="http://schemas.microsoft.com/office/drawing/2014/chart" uri="{C3380CC4-5D6E-409C-BE32-E72D297353CC}">
               <c16:uniqueId val="{00000002-68E7-42C2-9F48-6A113CFE58BE}"/>
             </c:ext>
@@ -611,7 +611,7 @@
 </file>
 
 <file path=ppt/charts/chart2.xml><?xml version="1.0" encoding="utf-8"?>
-<c:chartSpace xmlns:c="http://schemas.openxmlformats.org/drawingml/2006/chart" xmlns:a="http://schemas.openxmlformats.org/drawingml/2006/main" xmlns:r="http://schemas.openxmlformats.org/officeDocument/2006/relationships">
+<c:chartSpace xmlns:c="http://schemas.openxmlformats.org/drawingml/2006/chart" xmlns:a="http://schemas.openxmlformats.org/drawingml/2006/main" xmlns:r="http://schemas.openxmlformats.org/officeDocument/2006/relationships" xmlns:c16r2="http://schemas.microsoft.com/office/drawing/2015/06/chart">
   <c:date1904 val="0"/>
   <c:lang val="de-DE"/>
   <c:roundedCorners val="0"/>
@@ -664,7 +664,7 @@
                 </a:solidFill>
               </a:ln>
             </c:spPr>
-            <c:extLst xmlns:c16r2="http://schemas.microsoft.com/office/drawing/2015/06/chart">
+            <c:extLst>
               <c:ext xmlns:c16="http://schemas.microsoft.com/office/drawing/2014/chart" uri="{C3380CC4-5D6E-409C-BE32-E72D297353CC}">
                 <c16:uniqueId val="{00000001-7762-4204-8453-A391D8A5C4A8}"/>
               </c:ext>
@@ -683,7 +683,7 @@
                 </a:solidFill>
               </a:ln>
             </c:spPr>
-            <c:extLst xmlns:c16r2="http://schemas.microsoft.com/office/drawing/2015/06/chart">
+            <c:extLst>
               <c:ext xmlns:c16="http://schemas.microsoft.com/office/drawing/2014/chart" uri="{C3380CC4-5D6E-409C-BE32-E72D297353CC}">
                 <c16:uniqueId val="{00000003-7762-4204-8453-A391D8A5C4A8}"/>
               </c:ext>
@@ -702,7 +702,7 @@
                 </a:solidFill>
               </a:ln>
             </c:spPr>
-            <c:extLst xmlns:c16r2="http://schemas.microsoft.com/office/drawing/2015/06/chart">
+            <c:extLst>
               <c:ext xmlns:c16="http://schemas.microsoft.com/office/drawing/2014/chart" uri="{C3380CC4-5D6E-409C-BE32-E72D297353CC}">
                 <c16:uniqueId val="{00000005-7762-4204-8453-A391D8A5C4A8}"/>
               </c:ext>
@@ -721,7 +721,7 @@
                 </a:solidFill>
               </a:ln>
             </c:spPr>
-            <c:extLst xmlns:c16r2="http://schemas.microsoft.com/office/drawing/2015/06/chart">
+            <c:extLst>
               <c:ext xmlns:c16="http://schemas.microsoft.com/office/drawing/2014/chart" uri="{C3380CC4-5D6E-409C-BE32-E72D297353CC}">
                 <c16:uniqueId val="{00000007-7762-4204-8453-A391D8A5C4A8}"/>
               </c:ext>
@@ -740,7 +740,7 @@
                 </a:solidFill>
               </a:ln>
             </c:spPr>
-            <c:extLst xmlns:c16r2="http://schemas.microsoft.com/office/drawing/2015/06/chart">
+            <c:extLst>
               <c:ext xmlns:c16="http://schemas.microsoft.com/office/drawing/2014/chart" uri="{C3380CC4-5D6E-409C-BE32-E72D297353CC}">
                 <c16:uniqueId val="{00000009-7762-4204-8453-A391D8A5C4A8}"/>
               </c:ext>
@@ -760,7 +760,7 @@
                 </a:solidFill>
               </a:ln>
             </c:spPr>
-            <c:extLst xmlns:c16r2="http://schemas.microsoft.com/office/drawing/2015/06/chart">
+            <c:extLst>
               <c:ext xmlns:c16="http://schemas.microsoft.com/office/drawing/2014/chart" uri="{C3380CC4-5D6E-409C-BE32-E72D297353CC}">
                 <c16:uniqueId val="{0000000B-7762-4204-8453-A391D8A5C4A8}"/>
               </c:ext>
@@ -782,7 +782,7 @@
                 </a:solidFill>
               </a:ln>
             </c:spPr>
-            <c:extLst xmlns:c16r2="http://schemas.microsoft.com/office/drawing/2015/06/chart">
+            <c:extLst>
               <c:ext xmlns:c16="http://schemas.microsoft.com/office/drawing/2014/chart" uri="{C3380CC4-5D6E-409C-BE32-E72D297353CC}">
                 <c16:uniqueId val="{0000000D-7762-4204-8453-A391D8A5C4A8}"/>
               </c:ext>
@@ -801,7 +801,7 @@
                 </a:solidFill>
               </a:ln>
             </c:spPr>
-            <c:extLst xmlns:c16r2="http://schemas.microsoft.com/office/drawing/2015/06/chart">
+            <c:extLst>
               <c:ext xmlns:c16="http://schemas.microsoft.com/office/drawing/2014/chart" uri="{C3380CC4-5D6E-409C-BE32-E72D297353CC}">
                 <c16:uniqueId val="{0000000F-7762-4204-8453-A391D8A5C4A8}"/>
               </c:ext>
@@ -866,7 +866,7 @@
               </c:numCache>
             </c:numRef>
           </c:val>
-          <c:extLst xmlns:c16r2="http://schemas.microsoft.com/office/drawing/2015/06/chart">
+          <c:extLst>
             <c:ext xmlns:c16="http://schemas.microsoft.com/office/drawing/2014/chart" uri="{C3380CC4-5D6E-409C-BE32-E72D297353CC}">
               <c16:uniqueId val="{00000010-7762-4204-8453-A391D8A5C4A8}"/>
             </c:ext>
@@ -6931,13 +6931,6 @@
         </dgm:presLayoutVars>
       </dgm:prSet>
       <dgm:spPr/>
-      <dgm:t>
-        <a:bodyPr/>
-        <a:lstStyle/>
-        <a:p>
-          <a:endParaRPr lang="de-DE"/>
-        </a:p>
-      </dgm:t>
     </dgm:pt>
     <dgm:pt modelId="{BB20D88C-7D7D-4EF2-AF1B-221070122E98}" type="pres">
       <dgm:prSet presAssocID="{0F09778F-BBEF-40B3-B985-E6DBF854759D}" presName="hierRoot1" presStyleCnt="0">
@@ -6959,13 +6952,6 @@
         </dgm:presLayoutVars>
       </dgm:prSet>
       <dgm:spPr/>
-      <dgm:t>
-        <a:bodyPr/>
-        <a:lstStyle/>
-        <a:p>
-          <a:endParaRPr lang="de-DE"/>
-        </a:p>
-      </dgm:t>
     </dgm:pt>
     <dgm:pt modelId="{C11E0B58-073B-4A2B-BBC5-C01BFBEA3428}" type="pres">
       <dgm:prSet presAssocID="{0F09778F-BBEF-40B3-B985-E6DBF854759D}" presName="titleText1" presStyleLbl="fgAcc0" presStyleIdx="0" presStyleCnt="1">
@@ -6975,24 +6961,10 @@
         </dgm:presLayoutVars>
       </dgm:prSet>
       <dgm:spPr/>
-      <dgm:t>
-        <a:bodyPr/>
-        <a:lstStyle/>
-        <a:p>
-          <a:endParaRPr lang="de-DE"/>
-        </a:p>
-      </dgm:t>
     </dgm:pt>
     <dgm:pt modelId="{F844D984-EFDC-4B39-9025-690279C86CA2}" type="pres">
       <dgm:prSet presAssocID="{0F09778F-BBEF-40B3-B985-E6DBF854759D}" presName="rootConnector1" presStyleLbl="node1" presStyleIdx="0" presStyleCnt="4"/>
       <dgm:spPr/>
-      <dgm:t>
-        <a:bodyPr/>
-        <a:lstStyle/>
-        <a:p>
-          <a:endParaRPr lang="de-DE"/>
-        </a:p>
-      </dgm:t>
     </dgm:pt>
     <dgm:pt modelId="{9BBEE396-BE17-4700-982F-2CC4F4BB8ABB}" type="pres">
       <dgm:prSet presAssocID="{0F09778F-BBEF-40B3-B985-E6DBF854759D}" presName="hierChild2" presStyleCnt="0"/>
@@ -7001,13 +6973,6 @@
     <dgm:pt modelId="{99C91090-6E27-4464-89C0-997C0F06F599}" type="pres">
       <dgm:prSet presAssocID="{E2D8F2D1-985F-4FB0-9117-FA61BCC43327}" presName="Name37" presStyleLbl="parChTrans1D2" presStyleIdx="0" presStyleCnt="4"/>
       <dgm:spPr/>
-      <dgm:t>
-        <a:bodyPr/>
-        <a:lstStyle/>
-        <a:p>
-          <a:endParaRPr lang="de-DE"/>
-        </a:p>
-      </dgm:t>
     </dgm:pt>
     <dgm:pt modelId="{ED176194-5E34-4E6D-8B10-3DF5B560B062}" type="pres">
       <dgm:prSet presAssocID="{8FB384A4-B9BF-4EC5-9C1C-B6BFEC622841}" presName="hierRoot2" presStyleCnt="0">
@@ -7029,13 +6994,6 @@
         </dgm:presLayoutVars>
       </dgm:prSet>
       <dgm:spPr/>
-      <dgm:t>
-        <a:bodyPr/>
-        <a:lstStyle/>
-        <a:p>
-          <a:endParaRPr lang="de-DE"/>
-        </a:p>
-      </dgm:t>
     </dgm:pt>
     <dgm:pt modelId="{79751DA8-13B7-4D83-ACA4-8878A25675F6}" type="pres">
       <dgm:prSet presAssocID="{8FB384A4-B9BF-4EC5-9C1C-B6BFEC622841}" presName="titleText2" presStyleLbl="fgAcc1" presStyleIdx="0" presStyleCnt="4">
@@ -7045,24 +7003,10 @@
         </dgm:presLayoutVars>
       </dgm:prSet>
       <dgm:spPr/>
-      <dgm:t>
-        <a:bodyPr/>
-        <a:lstStyle/>
-        <a:p>
-          <a:endParaRPr lang="de-DE"/>
-        </a:p>
-      </dgm:t>
     </dgm:pt>
     <dgm:pt modelId="{5754D3EB-A4B5-4F8E-ACEE-5BE5839A8702}" type="pres">
       <dgm:prSet presAssocID="{8FB384A4-B9BF-4EC5-9C1C-B6BFEC622841}" presName="rootConnector" presStyleLbl="node2" presStyleIdx="0" presStyleCnt="0"/>
       <dgm:spPr/>
-      <dgm:t>
-        <a:bodyPr/>
-        <a:lstStyle/>
-        <a:p>
-          <a:endParaRPr lang="de-DE"/>
-        </a:p>
-      </dgm:t>
     </dgm:pt>
     <dgm:pt modelId="{A3FC9434-0B84-4C2C-8667-3B5EF3DC629B}" type="pres">
       <dgm:prSet presAssocID="{8FB384A4-B9BF-4EC5-9C1C-B6BFEC622841}" presName="hierChild4" presStyleCnt="0"/>
@@ -7075,13 +7019,6 @@
     <dgm:pt modelId="{3FF96185-B363-4A39-AD01-53645593D8A4}" type="pres">
       <dgm:prSet presAssocID="{E9C74C32-28B6-4CFF-AAF5-AF42CCD95C5F}" presName="Name37" presStyleLbl="parChTrans1D2" presStyleIdx="1" presStyleCnt="4"/>
       <dgm:spPr/>
-      <dgm:t>
-        <a:bodyPr/>
-        <a:lstStyle/>
-        <a:p>
-          <a:endParaRPr lang="de-DE"/>
-        </a:p>
-      </dgm:t>
     </dgm:pt>
     <dgm:pt modelId="{B2D59023-D456-4A26-ADAE-C5A4E4BA8DA8}" type="pres">
       <dgm:prSet presAssocID="{E66688AD-2279-489D-8DF6-D8D10FC6BEBE}" presName="hierRoot2" presStyleCnt="0">
@@ -7103,13 +7040,6 @@
         </dgm:presLayoutVars>
       </dgm:prSet>
       <dgm:spPr/>
-      <dgm:t>
-        <a:bodyPr/>
-        <a:lstStyle/>
-        <a:p>
-          <a:endParaRPr lang="de-DE"/>
-        </a:p>
-      </dgm:t>
     </dgm:pt>
     <dgm:pt modelId="{A6E6D66C-F143-430D-BA5B-A7922A31C720}" type="pres">
       <dgm:prSet presAssocID="{E66688AD-2279-489D-8DF6-D8D10FC6BEBE}" presName="titleText2" presStyleLbl="fgAcc1" presStyleIdx="1" presStyleCnt="4">
@@ -7119,24 +7049,10 @@
         </dgm:presLayoutVars>
       </dgm:prSet>
       <dgm:spPr/>
-      <dgm:t>
-        <a:bodyPr/>
-        <a:lstStyle/>
-        <a:p>
-          <a:endParaRPr lang="de-DE"/>
-        </a:p>
-      </dgm:t>
     </dgm:pt>
     <dgm:pt modelId="{C018365D-E358-4743-AAF2-CB7AF1FB0701}" type="pres">
       <dgm:prSet presAssocID="{E66688AD-2279-489D-8DF6-D8D10FC6BEBE}" presName="rootConnector" presStyleLbl="node2" presStyleIdx="0" presStyleCnt="0"/>
       <dgm:spPr/>
-      <dgm:t>
-        <a:bodyPr/>
-        <a:lstStyle/>
-        <a:p>
-          <a:endParaRPr lang="de-DE"/>
-        </a:p>
-      </dgm:t>
     </dgm:pt>
     <dgm:pt modelId="{CD834D7C-B613-4934-91A9-0A79441ECE01}" type="pres">
       <dgm:prSet presAssocID="{E66688AD-2279-489D-8DF6-D8D10FC6BEBE}" presName="hierChild4" presStyleCnt="0"/>
@@ -7149,13 +7065,6 @@
     <dgm:pt modelId="{C1AAD226-9BF2-492F-A8C9-045E664A4F5B}" type="pres">
       <dgm:prSet presAssocID="{F6A2B9C7-7C7F-49A7-92DD-083ED8C3EEFA}" presName="Name37" presStyleLbl="parChTrans1D2" presStyleIdx="2" presStyleCnt="4"/>
       <dgm:spPr/>
-      <dgm:t>
-        <a:bodyPr/>
-        <a:lstStyle/>
-        <a:p>
-          <a:endParaRPr lang="de-DE"/>
-        </a:p>
-      </dgm:t>
     </dgm:pt>
     <dgm:pt modelId="{1EB8B713-8CE5-4696-91CF-7A739B1EE670}" type="pres">
       <dgm:prSet presAssocID="{C5A982D7-B10A-48DB-A994-070FFA042A59}" presName="hierRoot2" presStyleCnt="0">
@@ -7177,13 +7086,6 @@
         </dgm:presLayoutVars>
       </dgm:prSet>
       <dgm:spPr/>
-      <dgm:t>
-        <a:bodyPr/>
-        <a:lstStyle/>
-        <a:p>
-          <a:endParaRPr lang="de-DE"/>
-        </a:p>
-      </dgm:t>
     </dgm:pt>
     <dgm:pt modelId="{ABE1D576-D2DF-442A-A70C-FD84633ED43D}" type="pres">
       <dgm:prSet presAssocID="{C5A982D7-B10A-48DB-A994-070FFA042A59}" presName="titleText2" presStyleLbl="fgAcc1" presStyleIdx="2" presStyleCnt="4">
@@ -7193,24 +7095,10 @@
         </dgm:presLayoutVars>
       </dgm:prSet>
       <dgm:spPr/>
-      <dgm:t>
-        <a:bodyPr/>
-        <a:lstStyle/>
-        <a:p>
-          <a:endParaRPr lang="de-DE"/>
-        </a:p>
-      </dgm:t>
     </dgm:pt>
     <dgm:pt modelId="{D42DBD0F-F1BF-4F55-9DA5-1A32E25F8999}" type="pres">
       <dgm:prSet presAssocID="{C5A982D7-B10A-48DB-A994-070FFA042A59}" presName="rootConnector" presStyleLbl="node2" presStyleIdx="0" presStyleCnt="0"/>
       <dgm:spPr/>
-      <dgm:t>
-        <a:bodyPr/>
-        <a:lstStyle/>
-        <a:p>
-          <a:endParaRPr lang="de-DE"/>
-        </a:p>
-      </dgm:t>
     </dgm:pt>
     <dgm:pt modelId="{4FC27DF5-9A5A-411F-8B0D-C55AA0879A49}" type="pres">
       <dgm:prSet presAssocID="{C5A982D7-B10A-48DB-A994-070FFA042A59}" presName="hierChild4" presStyleCnt="0"/>
@@ -7223,13 +7111,6 @@
     <dgm:pt modelId="{1D074A26-9B81-4881-8190-4CD463733753}" type="pres">
       <dgm:prSet presAssocID="{7C7CD673-F1F5-4AD6-A4EF-B2C014BCF8FE}" presName="Name37" presStyleLbl="parChTrans1D2" presStyleIdx="3" presStyleCnt="4"/>
       <dgm:spPr/>
-      <dgm:t>
-        <a:bodyPr/>
-        <a:lstStyle/>
-        <a:p>
-          <a:endParaRPr lang="de-DE"/>
-        </a:p>
-      </dgm:t>
     </dgm:pt>
     <dgm:pt modelId="{C40108FC-0137-4712-8F9F-42015DBCBBE6}" type="pres">
       <dgm:prSet presAssocID="{625FC5B7-CB32-4AC2-B0C9-9F2291C899B4}" presName="hierRoot2" presStyleCnt="0">
@@ -7251,13 +7132,6 @@
         </dgm:presLayoutVars>
       </dgm:prSet>
       <dgm:spPr/>
-      <dgm:t>
-        <a:bodyPr/>
-        <a:lstStyle/>
-        <a:p>
-          <a:endParaRPr lang="de-DE"/>
-        </a:p>
-      </dgm:t>
     </dgm:pt>
     <dgm:pt modelId="{CDA81E17-E728-46F3-AD2E-E6AD46D9BBD8}" type="pres">
       <dgm:prSet presAssocID="{625FC5B7-CB32-4AC2-B0C9-9F2291C899B4}" presName="titleText2" presStyleLbl="fgAcc1" presStyleIdx="3" presStyleCnt="4">
@@ -7267,24 +7141,10 @@
         </dgm:presLayoutVars>
       </dgm:prSet>
       <dgm:spPr/>
-      <dgm:t>
-        <a:bodyPr/>
-        <a:lstStyle/>
-        <a:p>
-          <a:endParaRPr lang="de-DE"/>
-        </a:p>
-      </dgm:t>
     </dgm:pt>
     <dgm:pt modelId="{AA417ABE-CB46-4973-8E11-1381D382E711}" type="pres">
       <dgm:prSet presAssocID="{625FC5B7-CB32-4AC2-B0C9-9F2291C899B4}" presName="rootConnector" presStyleLbl="node2" presStyleIdx="0" presStyleCnt="0"/>
       <dgm:spPr/>
-      <dgm:t>
-        <a:bodyPr/>
-        <a:lstStyle/>
-        <a:p>
-          <a:endParaRPr lang="de-DE"/>
-        </a:p>
-      </dgm:t>
     </dgm:pt>
     <dgm:pt modelId="{50C78DB7-7513-4002-90E1-B86A6572163A}" type="pres">
       <dgm:prSet presAssocID="{625FC5B7-CB32-4AC2-B0C9-9F2291C899B4}" presName="hierChild4" presStyleCnt="0"/>
@@ -7578,35 +7438,14 @@
         </dgm:presLayoutVars>
       </dgm:prSet>
       <dgm:spPr/>
-      <dgm:t>
-        <a:bodyPr/>
-        <a:lstStyle/>
-        <a:p>
-          <a:endParaRPr lang="de-DE"/>
-        </a:p>
-      </dgm:t>
     </dgm:pt>
     <dgm:pt modelId="{CDFC9BC9-18E0-46C4-855F-D6D43C6F42CE}" type="pres">
       <dgm:prSet presAssocID="{67B0C7C9-29A4-4A33-ABF6-27D6DD264A26}" presName="sibTrans" presStyleLbl="sibTrans2D1" presStyleIdx="0" presStyleCnt="4"/>
       <dgm:spPr/>
-      <dgm:t>
-        <a:bodyPr/>
-        <a:lstStyle/>
-        <a:p>
-          <a:endParaRPr lang="de-DE"/>
-        </a:p>
-      </dgm:t>
     </dgm:pt>
     <dgm:pt modelId="{A60DF141-9675-41CE-846F-FFF96525AF1A}" type="pres">
       <dgm:prSet presAssocID="{67B0C7C9-29A4-4A33-ABF6-27D6DD264A26}" presName="connectorText" presStyleLbl="sibTrans2D1" presStyleIdx="0" presStyleCnt="4"/>
       <dgm:spPr/>
-      <dgm:t>
-        <a:bodyPr/>
-        <a:lstStyle/>
-        <a:p>
-          <a:endParaRPr lang="de-DE"/>
-        </a:p>
-      </dgm:t>
     </dgm:pt>
     <dgm:pt modelId="{95A1D884-B507-477E-8FA7-EC26F36D96CB}" type="pres">
       <dgm:prSet presAssocID="{C25B03C4-0051-448D-8229-16EE6859C555}" presName="node" presStyleLbl="node1" presStyleIdx="1" presStyleCnt="5">
@@ -7615,35 +7454,14 @@
         </dgm:presLayoutVars>
       </dgm:prSet>
       <dgm:spPr/>
-      <dgm:t>
-        <a:bodyPr/>
-        <a:lstStyle/>
-        <a:p>
-          <a:endParaRPr lang="de-DE"/>
-        </a:p>
-      </dgm:t>
     </dgm:pt>
     <dgm:pt modelId="{D089CC68-5571-41C6-AE4F-9EC473A665E3}" type="pres">
       <dgm:prSet presAssocID="{8E323399-BDA5-4F69-9DFD-E9325D43AD51}" presName="sibTrans" presStyleLbl="sibTrans2D1" presStyleIdx="1" presStyleCnt="4"/>
       <dgm:spPr/>
-      <dgm:t>
-        <a:bodyPr/>
-        <a:lstStyle/>
-        <a:p>
-          <a:endParaRPr lang="de-DE"/>
-        </a:p>
-      </dgm:t>
     </dgm:pt>
     <dgm:pt modelId="{BA176905-4783-402D-8D7A-5E1653F05E13}" type="pres">
       <dgm:prSet presAssocID="{8E323399-BDA5-4F69-9DFD-E9325D43AD51}" presName="connectorText" presStyleLbl="sibTrans2D1" presStyleIdx="1" presStyleCnt="4"/>
       <dgm:spPr/>
-      <dgm:t>
-        <a:bodyPr/>
-        <a:lstStyle/>
-        <a:p>
-          <a:endParaRPr lang="de-DE"/>
-        </a:p>
-      </dgm:t>
     </dgm:pt>
     <dgm:pt modelId="{BB174CA1-7CD2-46AD-B29C-B9F5BB7EA064}" type="pres">
       <dgm:prSet presAssocID="{6382B778-7381-439D-A2A1-6122F4DF9632}" presName="node" presStyleLbl="node1" presStyleIdx="2" presStyleCnt="5">
@@ -7652,35 +7470,14 @@
         </dgm:presLayoutVars>
       </dgm:prSet>
       <dgm:spPr/>
-      <dgm:t>
-        <a:bodyPr/>
-        <a:lstStyle/>
-        <a:p>
-          <a:endParaRPr lang="de-DE"/>
-        </a:p>
-      </dgm:t>
     </dgm:pt>
     <dgm:pt modelId="{ACE42F0E-8FA7-49AA-9A82-364EA1F509A1}" type="pres">
       <dgm:prSet presAssocID="{2BC67C2E-C495-4D91-925A-8D698E0396F2}" presName="sibTrans" presStyleLbl="sibTrans2D1" presStyleIdx="2" presStyleCnt="4"/>
       <dgm:spPr/>
-      <dgm:t>
-        <a:bodyPr/>
-        <a:lstStyle/>
-        <a:p>
-          <a:endParaRPr lang="de-DE"/>
-        </a:p>
-      </dgm:t>
     </dgm:pt>
     <dgm:pt modelId="{FDEE9D0D-E0FD-4F1A-B204-FAE08DC0C6DC}" type="pres">
       <dgm:prSet presAssocID="{2BC67C2E-C495-4D91-925A-8D698E0396F2}" presName="connectorText" presStyleLbl="sibTrans2D1" presStyleIdx="2" presStyleCnt="4"/>
       <dgm:spPr/>
-      <dgm:t>
-        <a:bodyPr/>
-        <a:lstStyle/>
-        <a:p>
-          <a:endParaRPr lang="de-DE"/>
-        </a:p>
-      </dgm:t>
     </dgm:pt>
     <dgm:pt modelId="{8A1D632A-105E-48A3-9429-E62C2379FEF7}" type="pres">
       <dgm:prSet presAssocID="{827D6214-358D-424B-9F54-AF23819BC946}" presName="node" presStyleLbl="node1" presStyleIdx="3" presStyleCnt="5">
@@ -7689,35 +7486,14 @@
         </dgm:presLayoutVars>
       </dgm:prSet>
       <dgm:spPr/>
-      <dgm:t>
-        <a:bodyPr/>
-        <a:lstStyle/>
-        <a:p>
-          <a:endParaRPr lang="de-DE"/>
-        </a:p>
-      </dgm:t>
     </dgm:pt>
     <dgm:pt modelId="{4B1E4722-2BAD-48CF-AB15-4DDDCDE143CE}" type="pres">
       <dgm:prSet presAssocID="{951E90CF-25EF-4FC8-A2C2-AA0DE1D80379}" presName="sibTrans" presStyleLbl="sibTrans2D1" presStyleIdx="3" presStyleCnt="4"/>
       <dgm:spPr/>
-      <dgm:t>
-        <a:bodyPr/>
-        <a:lstStyle/>
-        <a:p>
-          <a:endParaRPr lang="de-DE"/>
-        </a:p>
-      </dgm:t>
     </dgm:pt>
     <dgm:pt modelId="{0B814EE3-D208-48F4-8633-767EADAC3B97}" type="pres">
       <dgm:prSet presAssocID="{951E90CF-25EF-4FC8-A2C2-AA0DE1D80379}" presName="connectorText" presStyleLbl="sibTrans2D1" presStyleIdx="3" presStyleCnt="4"/>
       <dgm:spPr/>
-      <dgm:t>
-        <a:bodyPr/>
-        <a:lstStyle/>
-        <a:p>
-          <a:endParaRPr lang="de-DE"/>
-        </a:p>
-      </dgm:t>
     </dgm:pt>
     <dgm:pt modelId="{490552E8-260E-47EF-A3BC-019A6D67A44E}" type="pres">
       <dgm:prSet presAssocID="{46C56666-60C9-46EC-B86B-C38D49853D78}" presName="node" presStyleLbl="node1" presStyleIdx="4" presStyleCnt="5">
@@ -7726,13 +7502,6 @@
         </dgm:presLayoutVars>
       </dgm:prSet>
       <dgm:spPr/>
-      <dgm:t>
-        <a:bodyPr/>
-        <a:lstStyle/>
-        <a:p>
-          <a:endParaRPr lang="de-DE"/>
-        </a:p>
-      </dgm:t>
     </dgm:pt>
   </dgm:ptLst>
   <dgm:cxnLst>
@@ -8092,13 +7861,6 @@
         </dgm:presLayoutVars>
       </dgm:prSet>
       <dgm:spPr/>
-      <dgm:t>
-        <a:bodyPr/>
-        <a:lstStyle/>
-        <a:p>
-          <a:endParaRPr lang="de-DE"/>
-        </a:p>
-      </dgm:t>
     </dgm:pt>
     <dgm:pt modelId="{CEFF2CFB-273E-478A-A7ED-9A366736D953}" type="pres">
       <dgm:prSet presAssocID="{926E0FEA-AD3A-4E7F-AF48-3351C9411E92}" presName="hierFlow" presStyleCnt="0"/>
@@ -8129,13 +7891,6 @@
         </dgm:presLayoutVars>
       </dgm:prSet>
       <dgm:spPr/>
-      <dgm:t>
-        <a:bodyPr/>
-        <a:lstStyle/>
-        <a:p>
-          <a:endParaRPr lang="de-DE"/>
-        </a:p>
-      </dgm:t>
     </dgm:pt>
     <dgm:pt modelId="{57B655DE-E407-4642-996B-826F04A76F97}" type="pres">
       <dgm:prSet presAssocID="{95DABF58-E9DC-4580-9207-A565857A6EE8}" presName="hierChild2" presStyleCnt="0"/>
@@ -8144,13 +7899,6 @@
     <dgm:pt modelId="{B1C268A3-EE64-46D5-87FC-2308E8B31979}" type="pres">
       <dgm:prSet presAssocID="{4AFF8D6C-A4C4-4668-83BD-E910A814EB04}" presName="Name19" presStyleLbl="parChTrans1D2" presStyleIdx="0" presStyleCnt="1"/>
       <dgm:spPr/>
-      <dgm:t>
-        <a:bodyPr/>
-        <a:lstStyle/>
-        <a:p>
-          <a:endParaRPr lang="de-DE"/>
-        </a:p>
-      </dgm:t>
     </dgm:pt>
     <dgm:pt modelId="{E4881482-5A38-49E2-91FA-9BCD8E8415B8}" type="pres">
       <dgm:prSet presAssocID="{4DCB251E-76E5-407A-9152-C1B44BA1F2CC}" presName="Name21" presStyleCnt="0"/>
@@ -8159,13 +7907,6 @@
     <dgm:pt modelId="{9B58E77F-1383-4BEC-8928-FD9B0FFCE2D4}" type="pres">
       <dgm:prSet presAssocID="{4DCB251E-76E5-407A-9152-C1B44BA1F2CC}" presName="level2Shape" presStyleLbl="node2" presStyleIdx="0" presStyleCnt="1" custScaleX="122606" custScaleY="64967" custLinFactNeighborY="2621"/>
       <dgm:spPr/>
-      <dgm:t>
-        <a:bodyPr/>
-        <a:lstStyle/>
-        <a:p>
-          <a:endParaRPr lang="de-DE"/>
-        </a:p>
-      </dgm:t>
     </dgm:pt>
     <dgm:pt modelId="{AA14C8AD-0B3B-45D0-9AE8-15CD77898DC8}" type="pres">
       <dgm:prSet presAssocID="{4DCB251E-76E5-407A-9152-C1B44BA1F2CC}" presName="hierChild3" presStyleCnt="0"/>
@@ -8174,13 +7915,6 @@
     <dgm:pt modelId="{ACEA7FE6-7A02-47CA-8A4D-764ABFD377A8}" type="pres">
       <dgm:prSet presAssocID="{6886F47C-32C0-4898-A412-3AD55DF3D524}" presName="Name19" presStyleLbl="parChTrans1D3" presStyleIdx="0" presStyleCnt="1"/>
       <dgm:spPr/>
-      <dgm:t>
-        <a:bodyPr/>
-        <a:lstStyle/>
-        <a:p>
-          <a:endParaRPr lang="de-DE"/>
-        </a:p>
-      </dgm:t>
     </dgm:pt>
     <dgm:pt modelId="{211041F9-227B-4BD3-AA08-B0D7881DBDCD}" type="pres">
       <dgm:prSet presAssocID="{4CEC5FDF-424B-4E8B-968C-54C0BF866E9D}" presName="Name21" presStyleCnt="0"/>
@@ -8189,13 +7923,6 @@
     <dgm:pt modelId="{B1922731-AD91-44DE-ACD9-44F95FE5E7B5}" type="pres">
       <dgm:prSet presAssocID="{4CEC5FDF-424B-4E8B-968C-54C0BF866E9D}" presName="level2Shape" presStyleLbl="node3" presStyleIdx="0" presStyleCnt="1" custScaleX="122606" custScaleY="64967" custLinFactNeighborX="-245" custLinFactNeighborY="8660"/>
       <dgm:spPr/>
-      <dgm:t>
-        <a:bodyPr/>
-        <a:lstStyle/>
-        <a:p>
-          <a:endParaRPr lang="de-DE"/>
-        </a:p>
-      </dgm:t>
     </dgm:pt>
     <dgm:pt modelId="{7BC6F7B1-4FB9-4182-BAAE-E325DA389D87}" type="pres">
       <dgm:prSet presAssocID="{4CEC5FDF-424B-4E8B-968C-54C0BF866E9D}" presName="hierChild3" presStyleCnt="0"/>
@@ -8204,13 +7931,6 @@
     <dgm:pt modelId="{E3876E12-9F8C-4240-8F2C-C014D10C0DC2}" type="pres">
       <dgm:prSet presAssocID="{BB458C25-C4CC-428E-8095-CD0AE706BF44}" presName="Name19" presStyleLbl="parChTrans1D4" presStyleIdx="0" presStyleCnt="1"/>
       <dgm:spPr/>
-      <dgm:t>
-        <a:bodyPr/>
-        <a:lstStyle/>
-        <a:p>
-          <a:endParaRPr lang="de-DE"/>
-        </a:p>
-      </dgm:t>
     </dgm:pt>
     <dgm:pt modelId="{BE1973F2-089B-4617-BDDD-65EE59091C0A}" type="pres">
       <dgm:prSet presAssocID="{3C8988AD-DED4-4F32-8D4C-C68C017EA5E7}" presName="Name21" presStyleCnt="0"/>
@@ -8219,13 +7939,6 @@
     <dgm:pt modelId="{57B817E0-E0D2-4C3B-96C5-440DDF1CCC56}" type="pres">
       <dgm:prSet presAssocID="{3C8988AD-DED4-4F32-8D4C-C68C017EA5E7}" presName="level2Shape" presStyleLbl="node4" presStyleIdx="0" presStyleCnt="1" custScaleX="122726" custScaleY="65281" custLinFactNeighborX="-141" custLinFactNeighborY="14684"/>
       <dgm:spPr/>
-      <dgm:t>
-        <a:bodyPr/>
-        <a:lstStyle/>
-        <a:p>
-          <a:endParaRPr lang="de-DE"/>
-        </a:p>
-      </dgm:t>
     </dgm:pt>
     <dgm:pt modelId="{89C2FF58-C961-46AE-AE20-DEDB9F27ADD3}" type="pres">
       <dgm:prSet presAssocID="{3C8988AD-DED4-4F32-8D4C-C68C017EA5E7}" presName="hierChild3" presStyleCnt="0"/>
@@ -8242,13 +7955,6 @@
     <dgm:pt modelId="{747057C4-883E-4012-8E66-4802241FD32C}" type="pres">
       <dgm:prSet presAssocID="{4D8F5BC8-BA1D-4197-8790-1E51FEEE69DC}" presName="bgRect" presStyleLbl="bgShp" presStyleIdx="0" presStyleCnt="4"/>
       <dgm:spPr/>
-      <dgm:t>
-        <a:bodyPr/>
-        <a:lstStyle/>
-        <a:p>
-          <a:endParaRPr lang="de-DE"/>
-        </a:p>
-      </dgm:t>
     </dgm:pt>
     <dgm:pt modelId="{F1E4EA33-8495-49ED-90D9-7E6671523324}" type="pres">
       <dgm:prSet presAssocID="{4D8F5BC8-BA1D-4197-8790-1E51FEEE69DC}" presName="bgRectTx" presStyleLbl="bgShp" presStyleIdx="0" presStyleCnt="4">
@@ -8257,13 +7963,6 @@
         </dgm:presLayoutVars>
       </dgm:prSet>
       <dgm:spPr/>
-      <dgm:t>
-        <a:bodyPr/>
-        <a:lstStyle/>
-        <a:p>
-          <a:endParaRPr lang="de-DE"/>
-        </a:p>
-      </dgm:t>
     </dgm:pt>
     <dgm:pt modelId="{D536FC77-B0D4-4470-B259-984B9C555B91}" type="pres">
       <dgm:prSet presAssocID="{4D8F5BC8-BA1D-4197-8790-1E51FEEE69DC}" presName="spComp" presStyleCnt="0"/>
@@ -8280,13 +7979,6 @@
     <dgm:pt modelId="{F0E32CA4-6831-4764-A3A4-A040A84BCF6B}" type="pres">
       <dgm:prSet presAssocID="{E35A7076-0D3E-4476-9369-242EEFD26C38}" presName="bgRect" presStyleLbl="bgShp" presStyleIdx="1" presStyleCnt="4"/>
       <dgm:spPr/>
-      <dgm:t>
-        <a:bodyPr/>
-        <a:lstStyle/>
-        <a:p>
-          <a:endParaRPr lang="de-DE"/>
-        </a:p>
-      </dgm:t>
     </dgm:pt>
     <dgm:pt modelId="{2086E560-F69F-419F-920B-2F21B7B2937D}" type="pres">
       <dgm:prSet presAssocID="{E35A7076-0D3E-4476-9369-242EEFD26C38}" presName="bgRectTx" presStyleLbl="bgShp" presStyleIdx="1" presStyleCnt="4">
@@ -8295,13 +7987,6 @@
         </dgm:presLayoutVars>
       </dgm:prSet>
       <dgm:spPr/>
-      <dgm:t>
-        <a:bodyPr/>
-        <a:lstStyle/>
-        <a:p>
-          <a:endParaRPr lang="de-DE"/>
-        </a:p>
-      </dgm:t>
     </dgm:pt>
     <dgm:pt modelId="{39A13254-B364-4DAD-B140-C114A69DCEB7}" type="pres">
       <dgm:prSet presAssocID="{E35A7076-0D3E-4476-9369-242EEFD26C38}" presName="spComp" presStyleCnt="0"/>
@@ -8318,13 +8003,6 @@
     <dgm:pt modelId="{094B87F5-4ED7-4E39-86B3-CD66B90D9A56}" type="pres">
       <dgm:prSet presAssocID="{C1165B77-9345-4430-8AA1-B146C86E5FF9}" presName="bgRect" presStyleLbl="bgShp" presStyleIdx="2" presStyleCnt="4"/>
       <dgm:spPr/>
-      <dgm:t>
-        <a:bodyPr/>
-        <a:lstStyle/>
-        <a:p>
-          <a:endParaRPr lang="de-DE"/>
-        </a:p>
-      </dgm:t>
     </dgm:pt>
     <dgm:pt modelId="{F5D4032B-2332-4D08-B38B-3674888BC178}" type="pres">
       <dgm:prSet presAssocID="{C1165B77-9345-4430-8AA1-B146C86E5FF9}" presName="bgRectTx" presStyleLbl="bgShp" presStyleIdx="2" presStyleCnt="4">
@@ -8333,13 +8011,6 @@
         </dgm:presLayoutVars>
       </dgm:prSet>
       <dgm:spPr/>
-      <dgm:t>
-        <a:bodyPr/>
-        <a:lstStyle/>
-        <a:p>
-          <a:endParaRPr lang="de-DE"/>
-        </a:p>
-      </dgm:t>
     </dgm:pt>
     <dgm:pt modelId="{11C63BA6-B64F-4B2E-964C-05463C055898}" type="pres">
       <dgm:prSet presAssocID="{C1165B77-9345-4430-8AA1-B146C86E5FF9}" presName="spComp" presStyleCnt="0"/>
@@ -8356,13 +8027,6 @@
     <dgm:pt modelId="{FFD2D732-4275-4857-A664-5C8279F281CE}" type="pres">
       <dgm:prSet presAssocID="{97F93B90-2CAB-4F9F-BBD4-1CA2505F2629}" presName="bgRect" presStyleLbl="bgShp" presStyleIdx="3" presStyleCnt="4"/>
       <dgm:spPr/>
-      <dgm:t>
-        <a:bodyPr/>
-        <a:lstStyle/>
-        <a:p>
-          <a:endParaRPr lang="de-DE"/>
-        </a:p>
-      </dgm:t>
     </dgm:pt>
     <dgm:pt modelId="{3124EE76-5341-4C95-A8A4-0B051B50E190}" type="pres">
       <dgm:prSet presAssocID="{97F93B90-2CAB-4F9F-BBD4-1CA2505F2629}" presName="bgRectTx" presStyleLbl="bgShp" presStyleIdx="3" presStyleCnt="4">
@@ -8371,40 +8035,33 @@
         </dgm:presLayoutVars>
       </dgm:prSet>
       <dgm:spPr/>
-      <dgm:t>
-        <a:bodyPr/>
-        <a:lstStyle/>
-        <a:p>
-          <a:endParaRPr lang="de-DE"/>
-        </a:p>
-      </dgm:t>
     </dgm:pt>
   </dgm:ptLst>
   <dgm:cxnLst>
-    <dgm:cxn modelId="{7C69FFC9-5E9C-4C9C-96BA-E055A0A0FF33}" type="presOf" srcId="{BB458C25-C4CC-428E-8095-CD0AE706BF44}" destId="{E3876E12-9F8C-4240-8F2C-C014D10C0DC2}" srcOrd="0" destOrd="0" presId="urn:microsoft.com/office/officeart/2005/8/layout/hierarchy6"/>
-    <dgm:cxn modelId="{6639DE83-4C4E-4937-BE10-89A99FC09CA3}" srcId="{926E0FEA-AD3A-4E7F-AF48-3351C9411E92}" destId="{4D8F5BC8-BA1D-4197-8790-1E51FEEE69DC}" srcOrd="1" destOrd="0" parTransId="{98A9DE40-A574-4946-992F-26302B6056EA}" sibTransId="{D179E58F-D372-4701-B7D0-0D074EE9E4E2}"/>
-    <dgm:cxn modelId="{AED3ED22-7B39-4AED-9F85-AC5E8A1F60A3}" type="presOf" srcId="{E35A7076-0D3E-4476-9369-242EEFD26C38}" destId="{2086E560-F69F-419F-920B-2F21B7B2937D}" srcOrd="1" destOrd="0" presId="urn:microsoft.com/office/officeart/2005/8/layout/hierarchy6"/>
-    <dgm:cxn modelId="{E4B1C783-6078-4741-926D-E99935271F7C}" srcId="{926E0FEA-AD3A-4E7F-AF48-3351C9411E92}" destId="{95DABF58-E9DC-4580-9207-A565857A6EE8}" srcOrd="0" destOrd="0" parTransId="{0EC60D1F-539D-4805-99F9-79CA28025A16}" sibTransId="{EA20DB27-DD17-4EED-B443-799BC28C6BBF}"/>
+    <dgm:cxn modelId="{553D2C93-AC1A-4ECF-82EF-8891E6EE4BB1}" srcId="{95DABF58-E9DC-4580-9207-A565857A6EE8}" destId="{4DCB251E-76E5-407A-9152-C1B44BA1F2CC}" srcOrd="0" destOrd="0" parTransId="{4AFF8D6C-A4C4-4668-83BD-E910A814EB04}" sibTransId="{7B74D237-E2D3-45CA-8E77-EAFC97315A58}"/>
+    <dgm:cxn modelId="{622F5971-1CF0-4B97-B0C8-C05FD88AA445}" srcId="{4DCB251E-76E5-407A-9152-C1B44BA1F2CC}" destId="{4CEC5FDF-424B-4E8B-968C-54C0BF866E9D}" srcOrd="0" destOrd="0" parTransId="{6886F47C-32C0-4898-A412-3AD55DF3D524}" sibTransId="{7EDCD810-E451-4E2F-B941-08522F0CEF7F}"/>
     <dgm:cxn modelId="{BBD2B6A2-6433-409C-BD6F-1F9F4A864DED}" type="presOf" srcId="{4CEC5FDF-424B-4E8B-968C-54C0BF866E9D}" destId="{B1922731-AD91-44DE-ACD9-44F95FE5E7B5}" srcOrd="0" destOrd="0" presId="urn:microsoft.com/office/officeart/2005/8/layout/hierarchy6"/>
-    <dgm:cxn modelId="{F6B7E1E6-D263-451D-B34D-E5BEB20BD5B7}" type="presOf" srcId="{C1165B77-9345-4430-8AA1-B146C86E5FF9}" destId="{F5D4032B-2332-4D08-B38B-3674888BC178}" srcOrd="1" destOrd="0" presId="urn:microsoft.com/office/officeart/2005/8/layout/hierarchy6"/>
-    <dgm:cxn modelId="{F8F955BC-1CBA-4B5A-8016-577D745771EE}" srcId="{926E0FEA-AD3A-4E7F-AF48-3351C9411E92}" destId="{C1165B77-9345-4430-8AA1-B146C86E5FF9}" srcOrd="3" destOrd="0" parTransId="{5C5F9E4E-5B38-4E13-8EB6-8D5E566BEC45}" sibTransId="{739F9C26-0B8D-48C0-96AE-060699B1C7CD}"/>
-    <dgm:cxn modelId="{91AF756F-5C96-4F65-8DB1-8E0A7A743B1E}" type="presOf" srcId="{C1165B77-9345-4430-8AA1-B146C86E5FF9}" destId="{094B87F5-4ED7-4E39-86B3-CD66B90D9A56}" srcOrd="0" destOrd="0" presId="urn:microsoft.com/office/officeart/2005/8/layout/hierarchy6"/>
-    <dgm:cxn modelId="{7952B6C4-DB90-473A-9327-3036DBCBD1E2}" type="presOf" srcId="{4DCB251E-76E5-407A-9152-C1B44BA1F2CC}" destId="{9B58E77F-1383-4BEC-8928-FD9B0FFCE2D4}" srcOrd="0" destOrd="0" presId="urn:microsoft.com/office/officeart/2005/8/layout/hierarchy6"/>
-    <dgm:cxn modelId="{50E5F65C-AB9E-4360-A427-79CC343FB41E}" type="presOf" srcId="{4D8F5BC8-BA1D-4197-8790-1E51FEEE69DC}" destId="{747057C4-883E-4012-8E66-4802241FD32C}" srcOrd="0" destOrd="0" presId="urn:microsoft.com/office/officeart/2005/8/layout/hierarchy6"/>
-    <dgm:cxn modelId="{772B055D-726F-459C-A4D4-EBCC522530C0}" type="presOf" srcId="{6886F47C-32C0-4898-A412-3AD55DF3D524}" destId="{ACEA7FE6-7A02-47CA-8A4D-764ABFD377A8}" srcOrd="0" destOrd="0" presId="urn:microsoft.com/office/officeart/2005/8/layout/hierarchy6"/>
-    <dgm:cxn modelId="{32756A66-BBD8-4A38-AE64-BF70E996B787}" type="presOf" srcId="{95DABF58-E9DC-4580-9207-A565857A6EE8}" destId="{1F1A9EFB-A5CD-4033-88DD-329F25ECE298}" srcOrd="0" destOrd="0" presId="urn:microsoft.com/office/officeart/2005/8/layout/hierarchy6"/>
-    <dgm:cxn modelId="{8A1F60A6-8324-4268-A14D-DE159CFB1BAD}" type="presOf" srcId="{4AFF8D6C-A4C4-4668-83BD-E910A814EB04}" destId="{B1C268A3-EE64-46D5-87FC-2308E8B31979}" srcOrd="0" destOrd="0" presId="urn:microsoft.com/office/officeart/2005/8/layout/hierarchy6"/>
-    <dgm:cxn modelId="{622F5971-1CF0-4B97-B0C8-C05FD88AA445}" srcId="{4DCB251E-76E5-407A-9152-C1B44BA1F2CC}" destId="{4CEC5FDF-424B-4E8B-968C-54C0BF866E9D}" srcOrd="0" destOrd="0" parTransId="{6886F47C-32C0-4898-A412-3AD55DF3D524}" sibTransId="{7EDCD810-E451-4E2F-B941-08522F0CEF7F}"/>
-    <dgm:cxn modelId="{8511EC58-F81B-4B97-A074-6F159561FA3A}" type="presOf" srcId="{926E0FEA-AD3A-4E7F-AF48-3351C9411E92}" destId="{792C3DA7-78F1-49E0-B659-BA9B78CC988D}" srcOrd="0" destOrd="0" presId="urn:microsoft.com/office/officeart/2005/8/layout/hierarchy6"/>
-    <dgm:cxn modelId="{95DD6AED-E066-4C5C-BB5F-CFCBABB6586C}" type="presOf" srcId="{E35A7076-0D3E-4476-9369-242EEFD26C38}" destId="{F0E32CA4-6831-4764-A3A4-A040A84BCF6B}" srcOrd="0" destOrd="0" presId="urn:microsoft.com/office/officeart/2005/8/layout/hierarchy6"/>
     <dgm:cxn modelId="{70520075-25A6-49FE-8E9B-A83C41F4107D}" srcId="{926E0FEA-AD3A-4E7F-AF48-3351C9411E92}" destId="{E35A7076-0D3E-4476-9369-242EEFD26C38}" srcOrd="2" destOrd="0" parTransId="{1FCE5E32-EBEF-46F5-8BFF-8BB554FBD8DF}" sibTransId="{4DA3A5CF-3D87-40FF-BFD7-3D5C8FFDF149}"/>
     <dgm:cxn modelId="{78AD8EE8-51C8-444F-AC2B-DDF0DBEC74CC}" type="presOf" srcId="{97F93B90-2CAB-4F9F-BBD4-1CA2505F2629}" destId="{FFD2D732-4275-4857-A664-5C8279F281CE}" srcOrd="0" destOrd="0" presId="urn:microsoft.com/office/officeart/2005/8/layout/hierarchy6"/>
+    <dgm:cxn modelId="{8A1F60A6-8324-4268-A14D-DE159CFB1BAD}" type="presOf" srcId="{4AFF8D6C-A4C4-4668-83BD-E910A814EB04}" destId="{B1C268A3-EE64-46D5-87FC-2308E8B31979}" srcOrd="0" destOrd="0" presId="urn:microsoft.com/office/officeart/2005/8/layout/hierarchy6"/>
+    <dgm:cxn modelId="{6639DE83-4C4E-4937-BE10-89A99FC09CA3}" srcId="{926E0FEA-AD3A-4E7F-AF48-3351C9411E92}" destId="{4D8F5BC8-BA1D-4197-8790-1E51FEEE69DC}" srcOrd="1" destOrd="0" parTransId="{98A9DE40-A574-4946-992F-26302B6056EA}" sibTransId="{D179E58F-D372-4701-B7D0-0D074EE9E4E2}"/>
+    <dgm:cxn modelId="{FF81B498-5FFF-4249-83F7-9CD06DD5E7FE}" type="presOf" srcId="{97F93B90-2CAB-4F9F-BBD4-1CA2505F2629}" destId="{3124EE76-5341-4C95-A8A4-0B051B50E190}" srcOrd="1" destOrd="0" presId="urn:microsoft.com/office/officeart/2005/8/layout/hierarchy6"/>
+    <dgm:cxn modelId="{7952B6C4-DB90-473A-9327-3036DBCBD1E2}" type="presOf" srcId="{4DCB251E-76E5-407A-9152-C1B44BA1F2CC}" destId="{9B58E77F-1383-4BEC-8928-FD9B0FFCE2D4}" srcOrd="0" destOrd="0" presId="urn:microsoft.com/office/officeart/2005/8/layout/hierarchy6"/>
+    <dgm:cxn modelId="{91AF756F-5C96-4F65-8DB1-8E0A7A743B1E}" type="presOf" srcId="{C1165B77-9345-4430-8AA1-B146C86E5FF9}" destId="{094B87F5-4ED7-4E39-86B3-CD66B90D9A56}" srcOrd="0" destOrd="0" presId="urn:microsoft.com/office/officeart/2005/8/layout/hierarchy6"/>
+    <dgm:cxn modelId="{32756A66-BBD8-4A38-AE64-BF70E996B787}" type="presOf" srcId="{95DABF58-E9DC-4580-9207-A565857A6EE8}" destId="{1F1A9EFB-A5CD-4033-88DD-329F25ECE298}" srcOrd="0" destOrd="0" presId="urn:microsoft.com/office/officeart/2005/8/layout/hierarchy6"/>
+    <dgm:cxn modelId="{50E5F65C-AB9E-4360-A427-79CC343FB41E}" type="presOf" srcId="{4D8F5BC8-BA1D-4197-8790-1E51FEEE69DC}" destId="{747057C4-883E-4012-8E66-4802241FD32C}" srcOrd="0" destOrd="0" presId="urn:microsoft.com/office/officeart/2005/8/layout/hierarchy6"/>
+    <dgm:cxn modelId="{F6B7E1E6-D263-451D-B34D-E5BEB20BD5B7}" type="presOf" srcId="{C1165B77-9345-4430-8AA1-B146C86E5FF9}" destId="{F5D4032B-2332-4D08-B38B-3674888BC178}" srcOrd="1" destOrd="0" presId="urn:microsoft.com/office/officeart/2005/8/layout/hierarchy6"/>
+    <dgm:cxn modelId="{7C69FFC9-5E9C-4C9C-96BA-E055A0A0FF33}" type="presOf" srcId="{BB458C25-C4CC-428E-8095-CD0AE706BF44}" destId="{E3876E12-9F8C-4240-8F2C-C014D10C0DC2}" srcOrd="0" destOrd="0" presId="urn:microsoft.com/office/officeart/2005/8/layout/hierarchy6"/>
+    <dgm:cxn modelId="{F8F955BC-1CBA-4B5A-8016-577D745771EE}" srcId="{926E0FEA-AD3A-4E7F-AF48-3351C9411E92}" destId="{C1165B77-9345-4430-8AA1-B146C86E5FF9}" srcOrd="3" destOrd="0" parTransId="{5C5F9E4E-5B38-4E13-8EB6-8D5E566BEC45}" sibTransId="{739F9C26-0B8D-48C0-96AE-060699B1C7CD}"/>
+    <dgm:cxn modelId="{AED3ED22-7B39-4AED-9F85-AC5E8A1F60A3}" type="presOf" srcId="{E35A7076-0D3E-4476-9369-242EEFD26C38}" destId="{2086E560-F69F-419F-920B-2F21B7B2937D}" srcOrd="1" destOrd="0" presId="urn:microsoft.com/office/officeart/2005/8/layout/hierarchy6"/>
+    <dgm:cxn modelId="{772B055D-726F-459C-A4D4-EBCC522530C0}" type="presOf" srcId="{6886F47C-32C0-4898-A412-3AD55DF3D524}" destId="{ACEA7FE6-7A02-47CA-8A4D-764ABFD377A8}" srcOrd="0" destOrd="0" presId="urn:microsoft.com/office/officeart/2005/8/layout/hierarchy6"/>
+    <dgm:cxn modelId="{DA4B51B0-FB7B-4FC5-A223-F7DF6F1F8DB7}" srcId="{926E0FEA-AD3A-4E7F-AF48-3351C9411E92}" destId="{97F93B90-2CAB-4F9F-BBD4-1CA2505F2629}" srcOrd="4" destOrd="0" parTransId="{34A0EFA2-F187-4BAB-86DF-9580FE0CBA08}" sibTransId="{51E24CBA-E30A-4D21-A76D-17D678AD8D11}"/>
+    <dgm:cxn modelId="{64F58B32-69A2-49A3-842B-5A7ED6BDEE38}" srcId="{4CEC5FDF-424B-4E8B-968C-54C0BF866E9D}" destId="{3C8988AD-DED4-4F32-8D4C-C68C017EA5E7}" srcOrd="0" destOrd="0" parTransId="{BB458C25-C4CC-428E-8095-CD0AE706BF44}" sibTransId="{9A204EE3-5B2A-493D-A332-1458F8C65988}"/>
     <dgm:cxn modelId="{559803D4-3253-4B74-9D6B-4F1B2785F66D}" type="presOf" srcId="{3C8988AD-DED4-4F32-8D4C-C68C017EA5E7}" destId="{57B817E0-E0D2-4C3B-96C5-440DDF1CCC56}" srcOrd="0" destOrd="0" presId="urn:microsoft.com/office/officeart/2005/8/layout/hierarchy6"/>
+    <dgm:cxn modelId="{E4B1C783-6078-4741-926D-E99935271F7C}" srcId="{926E0FEA-AD3A-4E7F-AF48-3351C9411E92}" destId="{95DABF58-E9DC-4580-9207-A565857A6EE8}" srcOrd="0" destOrd="0" parTransId="{0EC60D1F-539D-4805-99F9-79CA28025A16}" sibTransId="{EA20DB27-DD17-4EED-B443-799BC28C6BBF}"/>
     <dgm:cxn modelId="{81E01D12-A0A0-467E-8E9C-E246CEE0A705}" type="presOf" srcId="{4D8F5BC8-BA1D-4197-8790-1E51FEEE69DC}" destId="{F1E4EA33-8495-49ED-90D9-7E6671523324}" srcOrd="1" destOrd="0" presId="urn:microsoft.com/office/officeart/2005/8/layout/hierarchy6"/>
-    <dgm:cxn modelId="{553D2C93-AC1A-4ECF-82EF-8891E6EE4BB1}" srcId="{95DABF58-E9DC-4580-9207-A565857A6EE8}" destId="{4DCB251E-76E5-407A-9152-C1B44BA1F2CC}" srcOrd="0" destOrd="0" parTransId="{4AFF8D6C-A4C4-4668-83BD-E910A814EB04}" sibTransId="{7B74D237-E2D3-45CA-8E77-EAFC97315A58}"/>
-    <dgm:cxn modelId="{DA4B51B0-FB7B-4FC5-A223-F7DF6F1F8DB7}" srcId="{926E0FEA-AD3A-4E7F-AF48-3351C9411E92}" destId="{97F93B90-2CAB-4F9F-BBD4-1CA2505F2629}" srcOrd="4" destOrd="0" parTransId="{34A0EFA2-F187-4BAB-86DF-9580FE0CBA08}" sibTransId="{51E24CBA-E30A-4D21-A76D-17D678AD8D11}"/>
-    <dgm:cxn modelId="{FF81B498-5FFF-4249-83F7-9CD06DD5E7FE}" type="presOf" srcId="{97F93B90-2CAB-4F9F-BBD4-1CA2505F2629}" destId="{3124EE76-5341-4C95-A8A4-0B051B50E190}" srcOrd="1" destOrd="0" presId="urn:microsoft.com/office/officeart/2005/8/layout/hierarchy6"/>
-    <dgm:cxn modelId="{64F58B32-69A2-49A3-842B-5A7ED6BDEE38}" srcId="{4CEC5FDF-424B-4E8B-968C-54C0BF866E9D}" destId="{3C8988AD-DED4-4F32-8D4C-C68C017EA5E7}" srcOrd="0" destOrd="0" parTransId="{BB458C25-C4CC-428E-8095-CD0AE706BF44}" sibTransId="{9A204EE3-5B2A-493D-A332-1458F8C65988}"/>
+    <dgm:cxn modelId="{95DD6AED-E066-4C5C-BB5F-CFCBABB6586C}" type="presOf" srcId="{E35A7076-0D3E-4476-9369-242EEFD26C38}" destId="{F0E32CA4-6831-4764-A3A4-A040A84BCF6B}" srcOrd="0" destOrd="0" presId="urn:microsoft.com/office/officeart/2005/8/layout/hierarchy6"/>
+    <dgm:cxn modelId="{8511EC58-F81B-4B97-A074-6F159561FA3A}" type="presOf" srcId="{926E0FEA-AD3A-4E7F-AF48-3351C9411E92}" destId="{792C3DA7-78F1-49E0-B659-BA9B78CC988D}" srcOrd="0" destOrd="0" presId="urn:microsoft.com/office/officeart/2005/8/layout/hierarchy6"/>
     <dgm:cxn modelId="{945A76E6-B179-4828-8144-5E38CA5A46D6}" type="presParOf" srcId="{792C3DA7-78F1-49E0-B659-BA9B78CC988D}" destId="{CEFF2CFB-273E-478A-A7ED-9A366736D953}" srcOrd="0" destOrd="0" presId="urn:microsoft.com/office/officeart/2005/8/layout/hierarchy6"/>
     <dgm:cxn modelId="{9E8F2042-0575-440C-B86F-955702D489BA}" type="presParOf" srcId="{CEFF2CFB-273E-478A-A7ED-9A366736D953}" destId="{EEB86E2B-7BA4-489F-B677-4AE8230FA11C}" srcOrd="0" destOrd="0" presId="urn:microsoft.com/office/officeart/2005/8/layout/hierarchy6"/>
     <dgm:cxn modelId="{5079073C-8CBE-479D-BC71-6A12C0FDF868}" type="presParOf" srcId="{CEFF2CFB-273E-478A-A7ED-9A366736D953}" destId="{B6F956B1-4543-4D2B-AFA4-FFAE1C530D3F}" srcOrd="1" destOrd="0" presId="urn:microsoft.com/office/officeart/2005/8/layout/hierarchy6"/>
@@ -8681,13 +8338,6 @@
         </dgm:presLayoutVars>
       </dgm:prSet>
       <dgm:spPr/>
-      <dgm:t>
-        <a:bodyPr/>
-        <a:lstStyle/>
-        <a:p>
-          <a:endParaRPr lang="de-DE"/>
-        </a:p>
-      </dgm:t>
     </dgm:pt>
     <dgm:pt modelId="{6A0B9FF1-FD29-4229-B1EF-5BCBE9D23B49}" type="pres">
       <dgm:prSet presAssocID="{1899F7D5-B232-4DD3-A10D-917967698CEE}" presName="node" presStyleLbl="node1" presStyleIdx="0" presStyleCnt="5">
@@ -8696,13 +8346,6 @@
         </dgm:presLayoutVars>
       </dgm:prSet>
       <dgm:spPr/>
-      <dgm:t>
-        <a:bodyPr/>
-        <a:lstStyle/>
-        <a:p>
-          <a:endParaRPr lang="de-DE"/>
-        </a:p>
-      </dgm:t>
     </dgm:pt>
     <dgm:pt modelId="{6C889B03-390D-46D0-98C9-40DECBBBCDB6}" type="pres">
       <dgm:prSet presAssocID="{1899F7D5-B232-4DD3-A10D-917967698CEE}" presName="spNode" presStyleCnt="0"/>
@@ -8711,13 +8354,6 @@
     <dgm:pt modelId="{6F1A9F3C-F4D4-4AF6-BE93-D00767E52125}" type="pres">
       <dgm:prSet presAssocID="{C4F4BAE3-7B8D-4F1B-A760-367FADA2E34B}" presName="sibTrans" presStyleLbl="sibTrans1D1" presStyleIdx="0" presStyleCnt="5"/>
       <dgm:spPr/>
-      <dgm:t>
-        <a:bodyPr/>
-        <a:lstStyle/>
-        <a:p>
-          <a:endParaRPr lang="de-DE"/>
-        </a:p>
-      </dgm:t>
     </dgm:pt>
     <dgm:pt modelId="{FF988678-DBA2-47AE-B9E4-B0D78678A46C}" type="pres">
       <dgm:prSet presAssocID="{6406FD53-5A33-4730-9A2C-2B66B18516AD}" presName="node" presStyleLbl="node1" presStyleIdx="1" presStyleCnt="5">
@@ -8726,13 +8362,6 @@
         </dgm:presLayoutVars>
       </dgm:prSet>
       <dgm:spPr/>
-      <dgm:t>
-        <a:bodyPr/>
-        <a:lstStyle/>
-        <a:p>
-          <a:endParaRPr lang="de-DE"/>
-        </a:p>
-      </dgm:t>
     </dgm:pt>
     <dgm:pt modelId="{6C01710E-BA62-4C4F-9638-74DF4F023288}" type="pres">
       <dgm:prSet presAssocID="{6406FD53-5A33-4730-9A2C-2B66B18516AD}" presName="spNode" presStyleCnt="0"/>
@@ -8741,13 +8370,6 @@
     <dgm:pt modelId="{A0DF3ED5-C40B-49CB-981E-FB6EBC569EB6}" type="pres">
       <dgm:prSet presAssocID="{25D7715D-2262-4632-A02C-563B569A9A8E}" presName="sibTrans" presStyleLbl="sibTrans1D1" presStyleIdx="1" presStyleCnt="5"/>
       <dgm:spPr/>
-      <dgm:t>
-        <a:bodyPr/>
-        <a:lstStyle/>
-        <a:p>
-          <a:endParaRPr lang="de-DE"/>
-        </a:p>
-      </dgm:t>
     </dgm:pt>
     <dgm:pt modelId="{F74CB766-2044-4151-99B4-9DBB7034409A}" type="pres">
       <dgm:prSet presAssocID="{0A87F8AF-FFDB-41F8-A18F-0843868918A9}" presName="node" presStyleLbl="node1" presStyleIdx="2" presStyleCnt="5">
@@ -8756,13 +8378,6 @@
         </dgm:presLayoutVars>
       </dgm:prSet>
       <dgm:spPr/>
-      <dgm:t>
-        <a:bodyPr/>
-        <a:lstStyle/>
-        <a:p>
-          <a:endParaRPr lang="de-DE"/>
-        </a:p>
-      </dgm:t>
     </dgm:pt>
     <dgm:pt modelId="{FB7E3E68-A51A-4430-93BA-58D14595B9F8}" type="pres">
       <dgm:prSet presAssocID="{0A87F8AF-FFDB-41F8-A18F-0843868918A9}" presName="spNode" presStyleCnt="0"/>
@@ -8771,13 +8386,6 @@
     <dgm:pt modelId="{E322F4E6-E40C-4C63-A024-FF8B52362C6F}" type="pres">
       <dgm:prSet presAssocID="{3AEEF16E-CD08-41E7-AB60-8E8635A8D2DE}" presName="sibTrans" presStyleLbl="sibTrans1D1" presStyleIdx="2" presStyleCnt="5"/>
       <dgm:spPr/>
-      <dgm:t>
-        <a:bodyPr/>
-        <a:lstStyle/>
-        <a:p>
-          <a:endParaRPr lang="de-DE"/>
-        </a:p>
-      </dgm:t>
     </dgm:pt>
     <dgm:pt modelId="{74566C18-C594-4F85-8F8E-D31E567F586B}" type="pres">
       <dgm:prSet presAssocID="{384136EF-CBAD-4C71-A918-2D101119F739}" presName="node" presStyleLbl="node1" presStyleIdx="3" presStyleCnt="5">
@@ -8786,13 +8394,6 @@
         </dgm:presLayoutVars>
       </dgm:prSet>
       <dgm:spPr/>
-      <dgm:t>
-        <a:bodyPr/>
-        <a:lstStyle/>
-        <a:p>
-          <a:endParaRPr lang="de-DE"/>
-        </a:p>
-      </dgm:t>
     </dgm:pt>
     <dgm:pt modelId="{F48CAE36-B06A-4C8A-9EAF-6B6A1EE8BC90}" type="pres">
       <dgm:prSet presAssocID="{384136EF-CBAD-4C71-A918-2D101119F739}" presName="spNode" presStyleCnt="0"/>
@@ -8801,13 +8402,6 @@
     <dgm:pt modelId="{282AF9E9-5959-431D-B93D-F568754B87E6}" type="pres">
       <dgm:prSet presAssocID="{44EA5378-5D92-4818-A713-59EA819BB645}" presName="sibTrans" presStyleLbl="sibTrans1D1" presStyleIdx="3" presStyleCnt="5"/>
       <dgm:spPr/>
-      <dgm:t>
-        <a:bodyPr/>
-        <a:lstStyle/>
-        <a:p>
-          <a:endParaRPr lang="de-DE"/>
-        </a:p>
-      </dgm:t>
     </dgm:pt>
     <dgm:pt modelId="{2E8BEFA4-CB7C-4BD1-B178-B835DC650A0A}" type="pres">
       <dgm:prSet presAssocID="{9241D05E-6DED-4667-AEAD-B7D1DC0BB56A}" presName="node" presStyleLbl="node1" presStyleIdx="4" presStyleCnt="5">
@@ -8816,13 +8410,6 @@
         </dgm:presLayoutVars>
       </dgm:prSet>
       <dgm:spPr/>
-      <dgm:t>
-        <a:bodyPr/>
-        <a:lstStyle/>
-        <a:p>
-          <a:endParaRPr lang="de-DE"/>
-        </a:p>
-      </dgm:t>
     </dgm:pt>
     <dgm:pt modelId="{383820D4-5D8B-4193-BEA5-4D7813A70E3D}" type="pres">
       <dgm:prSet presAssocID="{9241D05E-6DED-4667-AEAD-B7D1DC0BB56A}" presName="spNode" presStyleCnt="0"/>
@@ -8831,13 +8418,6 @@
     <dgm:pt modelId="{88F95BFB-813C-43F9-BD34-2E6FACF40B9A}" type="pres">
       <dgm:prSet presAssocID="{39A76DCF-F59D-483A-8E0C-6DBAEA75631E}" presName="sibTrans" presStyleLbl="sibTrans1D1" presStyleIdx="4" presStyleCnt="5"/>
       <dgm:spPr/>
-      <dgm:t>
-        <a:bodyPr/>
-        <a:lstStyle/>
-        <a:p>
-          <a:endParaRPr lang="de-DE"/>
-        </a:p>
-      </dgm:t>
     </dgm:pt>
   </dgm:ptLst>
   <dgm:cxnLst>
@@ -9509,13 +9089,6 @@
         </dgm:presLayoutVars>
       </dgm:prSet>
       <dgm:spPr/>
-      <dgm:t>
-        <a:bodyPr/>
-        <a:lstStyle/>
-        <a:p>
-          <a:endParaRPr lang="de-DE"/>
-        </a:p>
-      </dgm:t>
     </dgm:pt>
     <dgm:pt modelId="{60838942-8CFC-4677-9766-0D69F95F91A1}" type="pres">
       <dgm:prSet presAssocID="{E04A4E85-1077-47C7-9B0F-487F29C75534}" presName="tSp" presStyleCnt="0"/>
@@ -9544,13 +9117,6 @@
         </dgm:presLayoutVars>
       </dgm:prSet>
       <dgm:spPr/>
-      <dgm:t>
-        <a:bodyPr/>
-        <a:lstStyle/>
-        <a:p>
-          <a:endParaRPr lang="de-DE"/>
-        </a:p>
-      </dgm:t>
     </dgm:pt>
     <dgm:pt modelId="{5B477C0A-EBE8-4554-AF90-A537B9A97AF3}" type="pres">
       <dgm:prSet presAssocID="{1858F41E-B0BA-4600-A943-81DE031E5BE1}" presName="childNode1tx" presStyleLbl="bgAcc1" presStyleIdx="0" presStyleCnt="5">
@@ -9559,13 +9125,6 @@
         </dgm:presLayoutVars>
       </dgm:prSet>
       <dgm:spPr/>
-      <dgm:t>
-        <a:bodyPr/>
-        <a:lstStyle/>
-        <a:p>
-          <a:endParaRPr lang="de-DE"/>
-        </a:p>
-      </dgm:t>
     </dgm:pt>
     <dgm:pt modelId="{711766B0-CCA6-41DD-86FA-A907B57829EC}" type="pres">
       <dgm:prSet presAssocID="{1858F41E-B0BA-4600-A943-81DE031E5BE1}" presName="parentNode1" presStyleLbl="node1" presStyleIdx="0" presStyleCnt="5">
@@ -9575,13 +9134,6 @@
         </dgm:presLayoutVars>
       </dgm:prSet>
       <dgm:spPr/>
-      <dgm:t>
-        <a:bodyPr/>
-        <a:lstStyle/>
-        <a:p>
-          <a:endParaRPr lang="de-DE"/>
-        </a:p>
-      </dgm:t>
     </dgm:pt>
     <dgm:pt modelId="{71787A98-A522-4087-A80B-908A606E66B0}" type="pres">
       <dgm:prSet presAssocID="{1858F41E-B0BA-4600-A943-81DE031E5BE1}" presName="connSite1" presStyleCnt="0"/>
@@ -9590,13 +9142,6 @@
     <dgm:pt modelId="{4FA19D17-4F6A-4352-8E82-51779E218641}" type="pres">
       <dgm:prSet presAssocID="{44567BEA-A579-4C61-8639-63B78654D416}" presName="Name9" presStyleLbl="sibTrans2D1" presStyleIdx="0" presStyleCnt="4"/>
       <dgm:spPr/>
-      <dgm:t>
-        <a:bodyPr/>
-        <a:lstStyle/>
-        <a:p>
-          <a:endParaRPr lang="de-DE"/>
-        </a:p>
-      </dgm:t>
     </dgm:pt>
     <dgm:pt modelId="{58E7B18B-37C1-463A-BA4E-34603F64184F}" type="pres">
       <dgm:prSet presAssocID="{87BD4B6F-D630-472F-8353-00B19E50137B}" presName="composite2" presStyleCnt="0"/>
@@ -9613,13 +9158,6 @@
         </dgm:presLayoutVars>
       </dgm:prSet>
       <dgm:spPr/>
-      <dgm:t>
-        <a:bodyPr/>
-        <a:lstStyle/>
-        <a:p>
-          <a:endParaRPr lang="de-DE"/>
-        </a:p>
-      </dgm:t>
     </dgm:pt>
     <dgm:pt modelId="{83B6C606-0024-44D7-BCC8-0305FAF79D37}" type="pres">
       <dgm:prSet presAssocID="{87BD4B6F-D630-472F-8353-00B19E50137B}" presName="childNode2tx" presStyleLbl="bgAcc1" presStyleIdx="1" presStyleCnt="5">
@@ -9628,13 +9166,6 @@
         </dgm:presLayoutVars>
       </dgm:prSet>
       <dgm:spPr/>
-      <dgm:t>
-        <a:bodyPr/>
-        <a:lstStyle/>
-        <a:p>
-          <a:endParaRPr lang="de-DE"/>
-        </a:p>
-      </dgm:t>
     </dgm:pt>
     <dgm:pt modelId="{3F59FC73-8DED-436C-AF3E-7F2A96A345F0}" type="pres">
       <dgm:prSet presAssocID="{87BD4B6F-D630-472F-8353-00B19E50137B}" presName="parentNode2" presStyleLbl="node1" presStyleIdx="1" presStyleCnt="5">
@@ -9644,13 +9175,6 @@
         </dgm:presLayoutVars>
       </dgm:prSet>
       <dgm:spPr/>
-      <dgm:t>
-        <a:bodyPr/>
-        <a:lstStyle/>
-        <a:p>
-          <a:endParaRPr lang="de-DE"/>
-        </a:p>
-      </dgm:t>
     </dgm:pt>
     <dgm:pt modelId="{BC9720BD-74F2-40B5-BA50-99BBF140947B}" type="pres">
       <dgm:prSet presAssocID="{87BD4B6F-D630-472F-8353-00B19E50137B}" presName="connSite2" presStyleCnt="0"/>
@@ -9659,13 +9183,6 @@
     <dgm:pt modelId="{CBC7C94E-BBEC-4573-8225-71814017665B}" type="pres">
       <dgm:prSet presAssocID="{64393453-549D-4407-8EBA-26EEC2B88566}" presName="Name18" presStyleLbl="sibTrans2D1" presStyleIdx="1" presStyleCnt="4"/>
       <dgm:spPr/>
-      <dgm:t>
-        <a:bodyPr/>
-        <a:lstStyle/>
-        <a:p>
-          <a:endParaRPr lang="de-DE"/>
-        </a:p>
-      </dgm:t>
     </dgm:pt>
     <dgm:pt modelId="{C53DA402-2FC5-4744-A5EB-53AE919D9E4E}" type="pres">
       <dgm:prSet presAssocID="{5CC6BBED-AC87-4545-BAEE-FF2A0F4D3F07}" presName="composite1" presStyleCnt="0"/>
@@ -9682,13 +9199,6 @@
         </dgm:presLayoutVars>
       </dgm:prSet>
       <dgm:spPr/>
-      <dgm:t>
-        <a:bodyPr/>
-        <a:lstStyle/>
-        <a:p>
-          <a:endParaRPr lang="de-DE"/>
-        </a:p>
-      </dgm:t>
     </dgm:pt>
     <dgm:pt modelId="{8BD0305A-E64E-4D62-987A-B210F4E1E393}" type="pres">
       <dgm:prSet presAssocID="{5CC6BBED-AC87-4545-BAEE-FF2A0F4D3F07}" presName="childNode1tx" presStyleLbl="bgAcc1" presStyleIdx="2" presStyleCnt="5">
@@ -9697,13 +9207,6 @@
         </dgm:presLayoutVars>
       </dgm:prSet>
       <dgm:spPr/>
-      <dgm:t>
-        <a:bodyPr/>
-        <a:lstStyle/>
-        <a:p>
-          <a:endParaRPr lang="de-DE"/>
-        </a:p>
-      </dgm:t>
     </dgm:pt>
     <dgm:pt modelId="{8F8AA5C5-6C5C-4954-A978-6E18B7094053}" type="pres">
       <dgm:prSet presAssocID="{5CC6BBED-AC87-4545-BAEE-FF2A0F4D3F07}" presName="parentNode1" presStyleLbl="node1" presStyleIdx="2" presStyleCnt="5">
@@ -9713,13 +9216,6 @@
         </dgm:presLayoutVars>
       </dgm:prSet>
       <dgm:spPr/>
-      <dgm:t>
-        <a:bodyPr/>
-        <a:lstStyle/>
-        <a:p>
-          <a:endParaRPr lang="de-DE"/>
-        </a:p>
-      </dgm:t>
     </dgm:pt>
     <dgm:pt modelId="{A4ADD3EE-F8DD-4573-8A33-E0D77BF5D7EF}" type="pres">
       <dgm:prSet presAssocID="{5CC6BBED-AC87-4545-BAEE-FF2A0F4D3F07}" presName="connSite1" presStyleCnt="0"/>
@@ -9728,13 +9224,6 @@
     <dgm:pt modelId="{F71DF23A-208F-4CA4-9D7D-547D97BDB3CA}" type="pres">
       <dgm:prSet presAssocID="{D13602AF-472E-404C-A3EA-26CE1625C3D3}" presName="Name9" presStyleLbl="sibTrans2D1" presStyleIdx="2" presStyleCnt="4"/>
       <dgm:spPr/>
-      <dgm:t>
-        <a:bodyPr/>
-        <a:lstStyle/>
-        <a:p>
-          <a:endParaRPr lang="de-DE"/>
-        </a:p>
-      </dgm:t>
     </dgm:pt>
     <dgm:pt modelId="{2F56D5B5-01C4-4A22-BF98-5C9B3E6B7027}" type="pres">
       <dgm:prSet presAssocID="{D800FD87-6220-4750-9CC7-C0C3265BD5ED}" presName="composite2" presStyleCnt="0"/>
@@ -9751,13 +9240,6 @@
         </dgm:presLayoutVars>
       </dgm:prSet>
       <dgm:spPr/>
-      <dgm:t>
-        <a:bodyPr/>
-        <a:lstStyle/>
-        <a:p>
-          <a:endParaRPr lang="de-DE"/>
-        </a:p>
-      </dgm:t>
     </dgm:pt>
     <dgm:pt modelId="{B178EA76-E479-469E-BA4E-12609F207857}" type="pres">
       <dgm:prSet presAssocID="{D800FD87-6220-4750-9CC7-C0C3265BD5ED}" presName="childNode2tx" presStyleLbl="bgAcc1" presStyleIdx="3" presStyleCnt="5">
@@ -9766,13 +9248,6 @@
         </dgm:presLayoutVars>
       </dgm:prSet>
       <dgm:spPr/>
-      <dgm:t>
-        <a:bodyPr/>
-        <a:lstStyle/>
-        <a:p>
-          <a:endParaRPr lang="de-DE"/>
-        </a:p>
-      </dgm:t>
     </dgm:pt>
     <dgm:pt modelId="{805B047A-D693-483F-A25C-15A5785A2784}" type="pres">
       <dgm:prSet presAssocID="{D800FD87-6220-4750-9CC7-C0C3265BD5ED}" presName="parentNode2" presStyleLbl="node1" presStyleIdx="3" presStyleCnt="5">
@@ -9782,13 +9257,6 @@
         </dgm:presLayoutVars>
       </dgm:prSet>
       <dgm:spPr/>
-      <dgm:t>
-        <a:bodyPr/>
-        <a:lstStyle/>
-        <a:p>
-          <a:endParaRPr lang="de-DE"/>
-        </a:p>
-      </dgm:t>
     </dgm:pt>
     <dgm:pt modelId="{2CCF6F9A-D2FF-4FE2-9EE2-95D998072331}" type="pres">
       <dgm:prSet presAssocID="{D800FD87-6220-4750-9CC7-C0C3265BD5ED}" presName="connSite2" presStyleCnt="0"/>
@@ -9797,13 +9265,6 @@
     <dgm:pt modelId="{D91A94C6-C14F-4630-82D6-A7B8B1B1ABA5}" type="pres">
       <dgm:prSet presAssocID="{5C715AA8-1C71-4869-A01B-9D13710CE975}" presName="Name18" presStyleLbl="sibTrans2D1" presStyleIdx="3" presStyleCnt="4"/>
       <dgm:spPr/>
-      <dgm:t>
-        <a:bodyPr/>
-        <a:lstStyle/>
-        <a:p>
-          <a:endParaRPr lang="de-DE"/>
-        </a:p>
-      </dgm:t>
     </dgm:pt>
     <dgm:pt modelId="{1AFBABD8-C875-44F5-A6BF-60A18B6566F1}" type="pres">
       <dgm:prSet presAssocID="{6A5D37F7-EC83-4980-84EF-9F8F267C8D88}" presName="composite1" presStyleCnt="0"/>
@@ -9820,13 +9281,6 @@
         </dgm:presLayoutVars>
       </dgm:prSet>
       <dgm:spPr/>
-      <dgm:t>
-        <a:bodyPr/>
-        <a:lstStyle/>
-        <a:p>
-          <a:endParaRPr lang="de-DE"/>
-        </a:p>
-      </dgm:t>
     </dgm:pt>
     <dgm:pt modelId="{A6A67DEB-89E3-4CE3-A2F6-73364D7D0930}" type="pres">
       <dgm:prSet presAssocID="{6A5D37F7-EC83-4980-84EF-9F8F267C8D88}" presName="childNode1tx" presStyleLbl="bgAcc1" presStyleIdx="4" presStyleCnt="5">
@@ -9835,13 +9289,6 @@
         </dgm:presLayoutVars>
       </dgm:prSet>
       <dgm:spPr/>
-      <dgm:t>
-        <a:bodyPr/>
-        <a:lstStyle/>
-        <a:p>
-          <a:endParaRPr lang="de-DE"/>
-        </a:p>
-      </dgm:t>
     </dgm:pt>
     <dgm:pt modelId="{58CF326D-AEEF-41B3-9EA6-AF142CFA911E}" type="pres">
       <dgm:prSet presAssocID="{6A5D37F7-EC83-4980-84EF-9F8F267C8D88}" presName="parentNode1" presStyleLbl="node1" presStyleIdx="4" presStyleCnt="5">
@@ -9851,13 +9298,6 @@
         </dgm:presLayoutVars>
       </dgm:prSet>
       <dgm:spPr/>
-      <dgm:t>
-        <a:bodyPr/>
-        <a:lstStyle/>
-        <a:p>
-          <a:endParaRPr lang="de-DE"/>
-        </a:p>
-      </dgm:t>
     </dgm:pt>
     <dgm:pt modelId="{B389F54C-7366-420E-A190-918C2C49358A}" type="pres">
       <dgm:prSet presAssocID="{6A5D37F7-EC83-4980-84EF-9F8F267C8D88}" presName="connSite1" presStyleCnt="0"/>
@@ -10233,13 +9673,6 @@
         </dgm:presLayoutVars>
       </dgm:prSet>
       <dgm:spPr/>
-      <dgm:t>
-        <a:bodyPr/>
-        <a:lstStyle/>
-        <a:p>
-          <a:endParaRPr lang="de-DE"/>
-        </a:p>
-      </dgm:t>
     </dgm:pt>
     <dgm:pt modelId="{203A7782-CCF4-41E2-9634-123157B86D13}" type="pres">
       <dgm:prSet presAssocID="{CC6CBDEE-60C3-4661-B8E4-89B8D030373F}" presName="circleA" presStyleLbl="node1" presStyleIdx="0" presStyleCnt="6"/>
@@ -10264,13 +9697,6 @@
         </dgm:presLayoutVars>
       </dgm:prSet>
       <dgm:spPr/>
-      <dgm:t>
-        <a:bodyPr/>
-        <a:lstStyle/>
-        <a:p>
-          <a:endParaRPr lang="de-DE"/>
-        </a:p>
-      </dgm:t>
     </dgm:pt>
     <dgm:pt modelId="{4813D171-4C66-49AB-BC22-E316ABD695EC}" type="pres">
       <dgm:prSet presAssocID="{095C0132-3802-4D7D-98D1-6DA387EE4A21}" presName="circleB" presStyleLbl="node1" presStyleIdx="1" presStyleCnt="6"/>
@@ -10295,13 +9721,6 @@
         </dgm:presLayoutVars>
       </dgm:prSet>
       <dgm:spPr/>
-      <dgm:t>
-        <a:bodyPr/>
-        <a:lstStyle/>
-        <a:p>
-          <a:endParaRPr lang="de-DE"/>
-        </a:p>
-      </dgm:t>
     </dgm:pt>
     <dgm:pt modelId="{DA06B61F-0654-4746-A058-664127D0D43C}" type="pres">
       <dgm:prSet presAssocID="{3802C7D7-5C6D-4841-B248-16900F5B4D23}" presName="circleA" presStyleLbl="node1" presStyleIdx="2" presStyleCnt="6"/>
@@ -10326,13 +9745,6 @@
         </dgm:presLayoutVars>
       </dgm:prSet>
       <dgm:spPr/>
-      <dgm:t>
-        <a:bodyPr/>
-        <a:lstStyle/>
-        <a:p>
-          <a:endParaRPr lang="de-DE"/>
-        </a:p>
-      </dgm:t>
     </dgm:pt>
     <dgm:pt modelId="{7E2E8543-0D7C-4008-BD8C-3D256F7C25F5}" type="pres">
       <dgm:prSet presAssocID="{6D278E1D-1986-409C-950A-4B65D0BB53BA}" presName="circleB" presStyleLbl="node1" presStyleIdx="3" presStyleCnt="6"/>
@@ -10357,13 +9769,6 @@
         </dgm:presLayoutVars>
       </dgm:prSet>
       <dgm:spPr/>
-      <dgm:t>
-        <a:bodyPr/>
-        <a:lstStyle/>
-        <a:p>
-          <a:endParaRPr lang="de-DE"/>
-        </a:p>
-      </dgm:t>
     </dgm:pt>
     <dgm:pt modelId="{7CB73C22-AC05-45AC-AFB7-61AE3E3320DA}" type="pres">
       <dgm:prSet presAssocID="{0B513B94-3213-41A1-AEFE-52232191C456}" presName="circleA" presStyleLbl="node1" presStyleIdx="4" presStyleCnt="6"/>
@@ -10388,13 +9793,6 @@
         </dgm:presLayoutVars>
       </dgm:prSet>
       <dgm:spPr/>
-      <dgm:t>
-        <a:bodyPr/>
-        <a:lstStyle/>
-        <a:p>
-          <a:endParaRPr lang="de-DE"/>
-        </a:p>
-      </dgm:t>
     </dgm:pt>
     <dgm:pt modelId="{8977AAD3-F2CC-4EFA-850E-13D2EF96D176}" type="pres">
       <dgm:prSet presAssocID="{B0625C4A-9A50-414B-9344-808CA61DF517}" presName="circleB" presStyleLbl="node1" presStyleIdx="5" presStyleCnt="6"/>
@@ -10713,13 +10111,6 @@
         </dgm:presLayoutVars>
       </dgm:prSet>
       <dgm:spPr/>
-      <dgm:t>
-        <a:bodyPr/>
-        <a:lstStyle/>
-        <a:p>
-          <a:endParaRPr lang="de-DE"/>
-        </a:p>
-      </dgm:t>
     </dgm:pt>
     <dgm:pt modelId="{6E7284F9-4A79-4A07-850F-77B26DA11FDE}" type="pres">
       <dgm:prSet presAssocID="{F425A819-C6B6-416B-A3EE-0ADBCC80AE4C}" presName="circleA" presStyleLbl="node1" presStyleIdx="0" presStyleCnt="6"/>
@@ -10744,13 +10135,6 @@
         </dgm:presLayoutVars>
       </dgm:prSet>
       <dgm:spPr/>
-      <dgm:t>
-        <a:bodyPr/>
-        <a:lstStyle/>
-        <a:p>
-          <a:endParaRPr lang="de-DE"/>
-        </a:p>
-      </dgm:t>
     </dgm:pt>
     <dgm:pt modelId="{4920143E-C946-44ED-815B-983F02B8DDE0}" type="pres">
       <dgm:prSet presAssocID="{FBC29A02-6A70-491D-AAF1-BDB9EFD345F1}" presName="circleB" presStyleLbl="node1" presStyleIdx="1" presStyleCnt="6"/>
@@ -10775,13 +10159,6 @@
         </dgm:presLayoutVars>
       </dgm:prSet>
       <dgm:spPr/>
-      <dgm:t>
-        <a:bodyPr/>
-        <a:lstStyle/>
-        <a:p>
-          <a:endParaRPr lang="de-DE"/>
-        </a:p>
-      </dgm:t>
     </dgm:pt>
     <dgm:pt modelId="{A19AA833-E368-481A-B405-B15DAA8C9FB5}" type="pres">
       <dgm:prSet presAssocID="{F6F416EC-AC70-43E5-855A-EEB792133AE0}" presName="circleA" presStyleLbl="node1" presStyleIdx="2" presStyleCnt="6"/>
@@ -10806,13 +10183,6 @@
         </dgm:presLayoutVars>
       </dgm:prSet>
       <dgm:spPr/>
-      <dgm:t>
-        <a:bodyPr/>
-        <a:lstStyle/>
-        <a:p>
-          <a:endParaRPr lang="de-DE"/>
-        </a:p>
-      </dgm:t>
     </dgm:pt>
     <dgm:pt modelId="{07DA2D36-211C-46BA-8554-0CD0D3B05FA7}" type="pres">
       <dgm:prSet presAssocID="{610571DF-179E-4DF9-BE61-4E05F41788F0}" presName="circleB" presStyleLbl="node1" presStyleIdx="3" presStyleCnt="6"/>
@@ -10837,13 +10207,6 @@
         </dgm:presLayoutVars>
       </dgm:prSet>
       <dgm:spPr/>
-      <dgm:t>
-        <a:bodyPr/>
-        <a:lstStyle/>
-        <a:p>
-          <a:endParaRPr lang="de-DE"/>
-        </a:p>
-      </dgm:t>
     </dgm:pt>
     <dgm:pt modelId="{0F7D4D9C-D024-4B50-9CEF-A7B9BED1A59E}" type="pres">
       <dgm:prSet presAssocID="{8A9AFEC9-F5C6-4A80-BDB1-ED904F198DEB}" presName="circleA" presStyleLbl="node1" presStyleIdx="4" presStyleCnt="6"/>
@@ -10868,13 +10231,6 @@
         </dgm:presLayoutVars>
       </dgm:prSet>
       <dgm:spPr/>
-      <dgm:t>
-        <a:bodyPr/>
-        <a:lstStyle/>
-        <a:p>
-          <a:endParaRPr lang="de-DE"/>
-        </a:p>
-      </dgm:t>
     </dgm:pt>
     <dgm:pt modelId="{780E75BD-E781-4CA5-8721-23933D136A97}" type="pres">
       <dgm:prSet presAssocID="{F53AFE4B-A238-4100-A800-B446C49863A0}" presName="circleB" presStyleLbl="node1" presStyleIdx="5" presStyleCnt="6"/>
@@ -11252,7 +10608,7 @@
         </a:bodyPr>
         <a:lstStyle/>
         <a:p>
-          <a:pPr lvl="0" algn="ctr" defTabSz="1200150">
+          <a:pPr marL="0" lvl="0" indent="0" algn="ctr" defTabSz="1200150">
             <a:lnSpc>
               <a:spcPct val="90000"/>
             </a:lnSpc>
@@ -11262,6 +10618,7 @@
             <a:spcAft>
               <a:spcPct val="35000"/>
             </a:spcAft>
+            <a:buNone/>
           </a:pPr>
           <a:r>
             <a:rPr lang="de-DE" sz="2700" kern="1200" dirty="0"/>
@@ -11328,7 +10685,7 @@
         </a:bodyPr>
         <a:lstStyle/>
         <a:p>
-          <a:pPr lvl="0" algn="r" defTabSz="977900">
+          <a:pPr marL="0" lvl="0" indent="0" algn="r" defTabSz="977900">
             <a:lnSpc>
               <a:spcPct val="90000"/>
             </a:lnSpc>
@@ -11338,6 +10695,7 @@
             <a:spcAft>
               <a:spcPct val="35000"/>
             </a:spcAft>
+            <a:buNone/>
           </a:pPr>
           <a:r>
             <a:rPr lang="de-DE" sz="2200" kern="1200" dirty="0"/>
@@ -11405,7 +10763,7 @@
         </a:bodyPr>
         <a:lstStyle/>
         <a:p>
-          <a:pPr lvl="0" algn="ctr" defTabSz="1200150">
+          <a:pPr marL="0" lvl="0" indent="0" algn="ctr" defTabSz="1200150">
             <a:lnSpc>
               <a:spcPct val="90000"/>
             </a:lnSpc>
@@ -11415,6 +10773,7 @@
             <a:spcAft>
               <a:spcPct val="35000"/>
             </a:spcAft>
+            <a:buNone/>
           </a:pPr>
           <a:r>
             <a:rPr lang="de-DE" sz="2700" kern="1200" dirty="0"/>
@@ -11481,7 +10840,7 @@
         </a:bodyPr>
         <a:lstStyle/>
         <a:p>
-          <a:pPr lvl="0" algn="r" defTabSz="933450">
+          <a:pPr marL="0" lvl="0" indent="0" algn="r" defTabSz="933450">
             <a:lnSpc>
               <a:spcPct val="90000"/>
             </a:lnSpc>
@@ -11491,6 +10850,7 @@
             <a:spcAft>
               <a:spcPct val="35000"/>
             </a:spcAft>
+            <a:buNone/>
           </a:pPr>
           <a:r>
             <a:rPr lang="de-DE" sz="2100" kern="1200" dirty="0"/>
@@ -11563,7 +10923,7 @@
         </a:bodyPr>
         <a:lstStyle/>
         <a:p>
-          <a:pPr lvl="0" algn="ctr" defTabSz="1200150">
+          <a:pPr marL="0" lvl="0" indent="0" algn="ctr" defTabSz="1200150">
             <a:lnSpc>
               <a:spcPct val="90000"/>
             </a:lnSpc>
@@ -11573,6 +10933,7 @@
             <a:spcAft>
               <a:spcPct val="35000"/>
             </a:spcAft>
+            <a:buNone/>
           </a:pPr>
           <a:r>
             <a:rPr lang="de-DE" sz="2700" kern="1200" dirty="0"/>
@@ -11639,7 +11000,7 @@
         </a:bodyPr>
         <a:lstStyle/>
         <a:p>
-          <a:pPr lvl="0" algn="r" defTabSz="800100">
+          <a:pPr marL="0" lvl="0" indent="0" algn="r" defTabSz="800100">
             <a:lnSpc>
               <a:spcPct val="90000"/>
             </a:lnSpc>
@@ -11649,6 +11010,7 @@
             <a:spcAft>
               <a:spcPct val="35000"/>
             </a:spcAft>
+            <a:buNone/>
           </a:pPr>
           <a:r>
             <a:rPr lang="de-DE" sz="1800" kern="1200" dirty="0"/>
@@ -11721,7 +11083,7 @@
         </a:bodyPr>
         <a:lstStyle/>
         <a:p>
-          <a:pPr lvl="0" algn="ctr" defTabSz="1200150">
+          <a:pPr marL="0" lvl="0" indent="0" algn="ctr" defTabSz="1200150">
             <a:lnSpc>
               <a:spcPct val="90000"/>
             </a:lnSpc>
@@ -11731,6 +11093,7 @@
             <a:spcAft>
               <a:spcPct val="35000"/>
             </a:spcAft>
+            <a:buNone/>
           </a:pPr>
           <a:r>
             <a:rPr lang="de-DE" sz="2700" kern="1200" dirty="0"/>
@@ -11797,7 +11160,7 @@
         </a:bodyPr>
         <a:lstStyle/>
         <a:p>
-          <a:pPr lvl="0" algn="r" defTabSz="977900">
+          <a:pPr marL="0" lvl="0" indent="0" algn="r" defTabSz="977900">
             <a:lnSpc>
               <a:spcPct val="90000"/>
             </a:lnSpc>
@@ -11807,6 +11170,7 @@
             <a:spcAft>
               <a:spcPct val="35000"/>
             </a:spcAft>
+            <a:buNone/>
           </a:pPr>
           <a:r>
             <a:rPr lang="de-DE" sz="2200" kern="1200" dirty="0"/>
@@ -11874,7 +11238,7 @@
         </a:bodyPr>
         <a:lstStyle/>
         <a:p>
-          <a:pPr lvl="0" algn="ctr" defTabSz="1200150">
+          <a:pPr marL="0" lvl="0" indent="0" algn="ctr" defTabSz="1200150">
             <a:lnSpc>
               <a:spcPct val="90000"/>
             </a:lnSpc>
@@ -11884,6 +11248,7 @@
             <a:spcAft>
               <a:spcPct val="35000"/>
             </a:spcAft>
+            <a:buNone/>
           </a:pPr>
           <a:r>
             <a:rPr lang="de-DE" sz="2700" kern="1200" dirty="0"/>
@@ -11950,7 +11315,7 @@
         </a:bodyPr>
         <a:lstStyle/>
         <a:p>
-          <a:pPr lvl="0" algn="r" defTabSz="933450">
+          <a:pPr marL="0" lvl="0" indent="0" algn="r" defTabSz="933450">
             <a:lnSpc>
               <a:spcPct val="90000"/>
             </a:lnSpc>
@@ -11960,6 +11325,7 @@
             <a:spcAft>
               <a:spcPct val="35000"/>
             </a:spcAft>
+            <a:buNone/>
           </a:pPr>
           <a:r>
             <a:rPr lang="de-DE" sz="2100" kern="1200" dirty="0"/>
@@ -12046,7 +11412,7 @@
         </a:bodyPr>
         <a:lstStyle/>
         <a:p>
-          <a:pPr lvl="0" algn="ctr" defTabSz="844550">
+          <a:pPr marL="0" lvl="0" indent="0" algn="ctr" defTabSz="844550">
             <a:lnSpc>
               <a:spcPct val="90000"/>
             </a:lnSpc>
@@ -12056,6 +11422,7 @@
             <a:spcAft>
               <a:spcPct val="35000"/>
             </a:spcAft>
+            <a:buNone/>
           </a:pPr>
           <a:r>
             <a:rPr lang="de-DE" sz="1900" kern="1200" dirty="0"/>
@@ -12117,7 +11484,7 @@
         </a:bodyPr>
         <a:lstStyle/>
         <a:p>
-          <a:pPr lvl="0" algn="ctr" defTabSz="711200">
+          <a:pPr marL="0" lvl="0" indent="0" algn="ctr" defTabSz="711200">
             <a:lnSpc>
               <a:spcPct val="90000"/>
             </a:lnSpc>
@@ -12127,6 +11494,7 @@
             <a:spcAft>
               <a:spcPct val="35000"/>
             </a:spcAft>
+            <a:buNone/>
           </a:pPr>
           <a:endParaRPr lang="de-DE" sz="1600" kern="1200"/>
         </a:p>
@@ -12193,7 +11561,7 @@
         </a:bodyPr>
         <a:lstStyle/>
         <a:p>
-          <a:pPr lvl="0" algn="ctr" defTabSz="844550">
+          <a:pPr marL="0" lvl="0" indent="0" algn="ctr" defTabSz="844550">
             <a:lnSpc>
               <a:spcPct val="90000"/>
             </a:lnSpc>
@@ -12203,6 +11571,7 @@
             <a:spcAft>
               <a:spcPct val="35000"/>
             </a:spcAft>
+            <a:buNone/>
           </a:pPr>
           <a:r>
             <a:rPr lang="de-DE" sz="1900" kern="1200" dirty="0"/>
@@ -12264,7 +11633,7 @@
         </a:bodyPr>
         <a:lstStyle/>
         <a:p>
-          <a:pPr lvl="0" algn="ctr" defTabSz="711200">
+          <a:pPr marL="0" lvl="0" indent="0" algn="ctr" defTabSz="711200">
             <a:lnSpc>
               <a:spcPct val="90000"/>
             </a:lnSpc>
@@ -12274,6 +11643,7 @@
             <a:spcAft>
               <a:spcPct val="35000"/>
             </a:spcAft>
+            <a:buNone/>
           </a:pPr>
           <a:endParaRPr lang="de-DE" sz="1600" kern="1200"/>
         </a:p>
@@ -12340,7 +11710,7 @@
         </a:bodyPr>
         <a:lstStyle/>
         <a:p>
-          <a:pPr lvl="0" algn="ctr" defTabSz="844550">
+          <a:pPr marL="0" lvl="0" indent="0" algn="ctr" defTabSz="844550">
             <a:lnSpc>
               <a:spcPct val="90000"/>
             </a:lnSpc>
@@ -12350,6 +11720,7 @@
             <a:spcAft>
               <a:spcPct val="35000"/>
             </a:spcAft>
+            <a:buNone/>
           </a:pPr>
           <a:r>
             <a:rPr lang="de-DE" sz="1900" kern="1200" dirty="0"/>
@@ -12411,7 +11782,7 @@
         </a:bodyPr>
         <a:lstStyle/>
         <a:p>
-          <a:pPr lvl="0" algn="ctr" defTabSz="711200">
+          <a:pPr marL="0" lvl="0" indent="0" algn="ctr" defTabSz="711200">
             <a:lnSpc>
               <a:spcPct val="90000"/>
             </a:lnSpc>
@@ -12421,6 +11792,7 @@
             <a:spcAft>
               <a:spcPct val="35000"/>
             </a:spcAft>
+            <a:buNone/>
           </a:pPr>
           <a:endParaRPr lang="de-DE" sz="1600" kern="1200"/>
         </a:p>
@@ -12487,7 +11859,7 @@
         </a:bodyPr>
         <a:lstStyle/>
         <a:p>
-          <a:pPr lvl="0" algn="ctr" defTabSz="844550">
+          <a:pPr marL="0" lvl="0" indent="0" algn="ctr" defTabSz="844550">
             <a:lnSpc>
               <a:spcPct val="90000"/>
             </a:lnSpc>
@@ -12497,6 +11869,7 @@
             <a:spcAft>
               <a:spcPct val="35000"/>
             </a:spcAft>
+            <a:buNone/>
           </a:pPr>
           <a:r>
             <a:rPr lang="de-DE" sz="1900" kern="1200" dirty="0"/>
@@ -12558,7 +11931,7 @@
         </a:bodyPr>
         <a:lstStyle/>
         <a:p>
-          <a:pPr lvl="0" algn="ctr" defTabSz="711200">
+          <a:pPr marL="0" lvl="0" indent="0" algn="ctr" defTabSz="711200">
             <a:lnSpc>
               <a:spcPct val="90000"/>
             </a:lnSpc>
@@ -12568,6 +11941,7 @@
             <a:spcAft>
               <a:spcPct val="35000"/>
             </a:spcAft>
+            <a:buNone/>
           </a:pPr>
           <a:endParaRPr lang="de-DE" sz="1600" kern="1200"/>
         </a:p>
@@ -12634,7 +12008,7 @@
         </a:bodyPr>
         <a:lstStyle/>
         <a:p>
-          <a:pPr lvl="0" algn="ctr" defTabSz="844550">
+          <a:pPr marL="0" lvl="0" indent="0" algn="ctr" defTabSz="844550">
             <a:lnSpc>
               <a:spcPct val="90000"/>
             </a:lnSpc>
@@ -12644,6 +12018,7 @@
             <a:spcAft>
               <a:spcPct val="35000"/>
             </a:spcAft>
+            <a:buNone/>
           </a:pPr>
           <a:r>
             <a:rPr lang="de-DE" sz="1900" kern="1200" dirty="0"/>
@@ -12715,7 +12090,7 @@
         </a:bodyPr>
         <a:lstStyle/>
         <a:p>
-          <a:pPr lvl="0" algn="ctr" defTabSz="1377950">
+          <a:pPr marL="0" lvl="0" indent="0" algn="ctr" defTabSz="1377950">
             <a:lnSpc>
               <a:spcPct val="90000"/>
             </a:lnSpc>
@@ -12725,6 +12100,7 @@
             <a:spcAft>
               <a:spcPct val="35000"/>
             </a:spcAft>
+            <a:buNone/>
           </a:pPr>
           <a:r>
             <a:rPr lang="de-DE" sz="3100" kern="1200" dirty="0"/>
@@ -12784,7 +12160,7 @@
         </a:bodyPr>
         <a:lstStyle/>
         <a:p>
-          <a:pPr lvl="0" algn="ctr" defTabSz="1377950">
+          <a:pPr marL="0" lvl="0" indent="0" algn="ctr" defTabSz="1377950">
             <a:lnSpc>
               <a:spcPct val="90000"/>
             </a:lnSpc>
@@ -12794,6 +12170,7 @@
             <a:spcAft>
               <a:spcPct val="35000"/>
             </a:spcAft>
+            <a:buNone/>
           </a:pPr>
           <a:r>
             <a:rPr lang="de-DE" sz="3100" kern="1200" dirty="0"/>
@@ -12853,7 +12230,7 @@
         </a:bodyPr>
         <a:lstStyle/>
         <a:p>
-          <a:pPr lvl="0" algn="ctr" defTabSz="1377950">
+          <a:pPr marL="0" lvl="0" indent="0" algn="ctr" defTabSz="1377950">
             <a:lnSpc>
               <a:spcPct val="90000"/>
             </a:lnSpc>
@@ -12863,6 +12240,7 @@
             <a:spcAft>
               <a:spcPct val="35000"/>
             </a:spcAft>
+            <a:buNone/>
           </a:pPr>
           <a:r>
             <a:rPr lang="de-DE" sz="3100" kern="1200" dirty="0"/>
@@ -12922,7 +12300,7 @@
         </a:bodyPr>
         <a:lstStyle/>
         <a:p>
-          <a:pPr lvl="0" algn="ctr" defTabSz="1377950">
+          <a:pPr marL="0" lvl="0" indent="0" algn="ctr" defTabSz="1377950">
             <a:lnSpc>
               <a:spcPct val="90000"/>
             </a:lnSpc>
@@ -12932,6 +12310,7 @@
             <a:spcAft>
               <a:spcPct val="35000"/>
             </a:spcAft>
+            <a:buNone/>
           </a:pPr>
           <a:r>
             <a:rPr lang="de-DE" sz="3100" kern="1200" dirty="0"/>
@@ -13001,7 +12380,7 @@
         </a:bodyPr>
         <a:lstStyle/>
         <a:p>
-          <a:pPr lvl="0" algn="ctr" defTabSz="800100">
+          <a:pPr marL="0" lvl="0" indent="0" algn="ctr" defTabSz="800100">
             <a:lnSpc>
               <a:spcPct val="90000"/>
             </a:lnSpc>
@@ -13011,6 +12390,7 @@
             <a:spcAft>
               <a:spcPct val="35000"/>
             </a:spcAft>
+            <a:buNone/>
           </a:pPr>
           <a:r>
             <a:rPr lang="de-DE" sz="1800" kern="1200" dirty="0"/>
@@ -13142,7 +12522,7 @@
         </a:bodyPr>
         <a:lstStyle/>
         <a:p>
-          <a:pPr lvl="0" algn="ctr" defTabSz="800100">
+          <a:pPr marL="0" lvl="0" indent="0" algn="ctr" defTabSz="800100">
             <a:lnSpc>
               <a:spcPct val="90000"/>
             </a:lnSpc>
@@ -13152,6 +12532,7 @@
             <a:spcAft>
               <a:spcPct val="35000"/>
             </a:spcAft>
+            <a:buNone/>
           </a:pPr>
           <a:r>
             <a:rPr lang="de-DE" sz="1800" kern="1200" dirty="0"/>
@@ -13283,7 +12664,7 @@
         </a:bodyPr>
         <a:lstStyle/>
         <a:p>
-          <a:pPr lvl="0" algn="ctr" defTabSz="800100">
+          <a:pPr marL="0" lvl="0" indent="0" algn="ctr" defTabSz="800100">
             <a:lnSpc>
               <a:spcPct val="90000"/>
             </a:lnSpc>
@@ -13293,6 +12674,7 @@
             <a:spcAft>
               <a:spcPct val="35000"/>
             </a:spcAft>
+            <a:buNone/>
           </a:pPr>
           <a:r>
             <a:rPr lang="de-DE" sz="1800" kern="1200" dirty="0"/>
@@ -13424,7 +12806,7 @@
         </a:bodyPr>
         <a:lstStyle/>
         <a:p>
-          <a:pPr lvl="0" algn="ctr" defTabSz="800100">
+          <a:pPr marL="0" lvl="0" indent="0" algn="ctr" defTabSz="800100">
             <a:lnSpc>
               <a:spcPct val="90000"/>
             </a:lnSpc>
@@ -13434,6 +12816,7 @@
             <a:spcAft>
               <a:spcPct val="35000"/>
             </a:spcAft>
+            <a:buNone/>
           </a:pPr>
           <a:r>
             <a:rPr lang="de-DE" sz="1800" kern="1200" dirty="0"/>
@@ -13458,6 +12841,636 @@
       <dsp:cNvGrpSpPr/>
     </dsp:nvGrpSpPr>
     <dsp:grpSpPr/>
+    <dsp:sp modelId="{6A0B9FF1-FD29-4229-B1EF-5BCBE9D23B49}">
+      <dsp:nvSpPr>
+        <dsp:cNvPr id="0" name=""/>
+        <dsp:cNvSpPr/>
+      </dsp:nvSpPr>
+      <dsp:spPr>
+        <a:xfrm>
+          <a:off x="2953711" y="1908"/>
+          <a:ext cx="1526310" cy="992102"/>
+        </a:xfrm>
+        <a:prstGeom prst="roundRect">
+          <a:avLst/>
+        </a:prstGeom>
+        <a:solidFill>
+          <a:srgbClr val="FF0000"/>
+        </a:solidFill>
+        <a:ln w="12700" cap="flat" cmpd="sng" algn="ctr">
+          <a:solidFill>
+            <a:schemeClr val="lt1">
+              <a:hueOff val="0"/>
+              <a:satOff val="0"/>
+              <a:lumOff val="0"/>
+              <a:alphaOff val="0"/>
+            </a:schemeClr>
+          </a:solidFill>
+          <a:prstDash val="solid"/>
+          <a:miter lim="800000"/>
+        </a:ln>
+        <a:effectLst/>
+      </dsp:spPr>
+      <dsp:style>
+        <a:lnRef idx="2">
+          <a:scrgbClr r="0" g="0" b="0"/>
+        </a:lnRef>
+        <a:fillRef idx="1">
+          <a:scrgbClr r="0" g="0" b="0"/>
+        </a:fillRef>
+        <a:effectRef idx="0">
+          <a:scrgbClr r="0" g="0" b="0"/>
+        </a:effectRef>
+        <a:fontRef idx="minor">
+          <a:schemeClr val="lt1"/>
+        </a:fontRef>
+      </dsp:style>
+      <dsp:txBody>
+        <a:bodyPr spcFirstLastPara="0" vert="horz" wrap="square" lIns="60960" tIns="60960" rIns="60960" bIns="60960" numCol="1" spcCol="1270" anchor="ctr" anchorCtr="0">
+          <a:noAutofit/>
+        </a:bodyPr>
+        <a:lstStyle/>
+        <a:p>
+          <a:pPr marL="0" lvl="0" indent="0" algn="ctr" defTabSz="711200">
+            <a:lnSpc>
+              <a:spcPct val="90000"/>
+            </a:lnSpc>
+            <a:spcBef>
+              <a:spcPct val="0"/>
+            </a:spcBef>
+            <a:spcAft>
+              <a:spcPct val="35000"/>
+            </a:spcAft>
+            <a:buNone/>
+          </a:pPr>
+          <a:r>
+            <a:rPr lang="de-DE" sz="1600" kern="1200" dirty="0"/>
+            <a:t>Fehl-Kommunikation</a:t>
+          </a:r>
+        </a:p>
+      </dsp:txBody>
+      <dsp:txXfrm>
+        <a:off x="3002141" y="50338"/>
+        <a:ext cx="1429450" cy="895242"/>
+      </dsp:txXfrm>
+    </dsp:sp>
+    <dsp:sp modelId="{6F1A9F3C-F4D4-4AF6-BE93-D00767E52125}">
+      <dsp:nvSpPr>
+        <dsp:cNvPr id="0" name=""/>
+        <dsp:cNvSpPr/>
+      </dsp:nvSpPr>
+      <dsp:spPr>
+        <a:xfrm>
+          <a:off x="1734279" y="497959"/>
+          <a:ext cx="3965174" cy="3965174"/>
+        </a:xfrm>
+        <a:custGeom>
+          <a:avLst/>
+          <a:gdLst/>
+          <a:ahLst/>
+          <a:cxnLst/>
+          <a:rect l="0" t="0" r="0" b="0"/>
+          <a:pathLst>
+            <a:path>
+              <a:moveTo>
+                <a:pt x="2950332" y="252234"/>
+              </a:moveTo>
+              <a:arcTo wR="1982587" hR="1982587" stAng="17953035" swAng="1212174"/>
+            </a:path>
+          </a:pathLst>
+        </a:custGeom>
+        <a:noFill/>
+        <a:ln w="6350" cap="flat" cmpd="sng" algn="ctr">
+          <a:solidFill>
+            <a:schemeClr val="accent1">
+              <a:hueOff val="0"/>
+              <a:satOff val="0"/>
+              <a:lumOff val="0"/>
+              <a:alphaOff val="0"/>
+            </a:schemeClr>
+          </a:solidFill>
+          <a:prstDash val="solid"/>
+          <a:miter lim="800000"/>
+          <a:tailEnd type="arrow"/>
+        </a:ln>
+        <a:effectLst/>
+      </dsp:spPr>
+      <dsp:style>
+        <a:lnRef idx="1">
+          <a:scrgbClr r="0" g="0" b="0"/>
+        </a:lnRef>
+        <a:fillRef idx="0">
+          <a:scrgbClr r="0" g="0" b="0"/>
+        </a:fillRef>
+        <a:effectRef idx="0">
+          <a:scrgbClr r="0" g="0" b="0"/>
+        </a:effectRef>
+        <a:fontRef idx="minor"/>
+      </dsp:style>
+    </dsp:sp>
+    <dsp:sp modelId="{FF988678-DBA2-47AE-B9E4-B0D78678A46C}">
+      <dsp:nvSpPr>
+        <dsp:cNvPr id="0" name=""/>
+        <dsp:cNvSpPr/>
+      </dsp:nvSpPr>
+      <dsp:spPr>
+        <a:xfrm>
+          <a:off x="4839263" y="1371842"/>
+          <a:ext cx="1526310" cy="992102"/>
+        </a:xfrm>
+        <a:prstGeom prst="roundRect">
+          <a:avLst/>
+        </a:prstGeom>
+        <a:solidFill>
+          <a:srgbClr val="FF6600"/>
+        </a:solidFill>
+        <a:ln w="12700" cap="flat" cmpd="sng" algn="ctr">
+          <a:solidFill>
+            <a:schemeClr val="lt1">
+              <a:hueOff val="0"/>
+              <a:satOff val="0"/>
+              <a:lumOff val="0"/>
+              <a:alphaOff val="0"/>
+            </a:schemeClr>
+          </a:solidFill>
+          <a:prstDash val="solid"/>
+          <a:miter lim="800000"/>
+        </a:ln>
+        <a:effectLst/>
+      </dsp:spPr>
+      <dsp:style>
+        <a:lnRef idx="2">
+          <a:scrgbClr r="0" g="0" b="0"/>
+        </a:lnRef>
+        <a:fillRef idx="1">
+          <a:scrgbClr r="0" g="0" b="0"/>
+        </a:fillRef>
+        <a:effectRef idx="0">
+          <a:scrgbClr r="0" g="0" b="0"/>
+        </a:effectRef>
+        <a:fontRef idx="minor">
+          <a:schemeClr val="lt1"/>
+        </a:fontRef>
+      </dsp:style>
+      <dsp:txBody>
+        <a:bodyPr spcFirstLastPara="0" vert="horz" wrap="square" lIns="60960" tIns="60960" rIns="60960" bIns="60960" numCol="1" spcCol="1270" anchor="ctr" anchorCtr="0">
+          <a:noAutofit/>
+        </a:bodyPr>
+        <a:lstStyle/>
+        <a:p>
+          <a:pPr marL="0" lvl="0" indent="0" algn="ctr" defTabSz="711200">
+            <a:lnSpc>
+              <a:spcPct val="90000"/>
+            </a:lnSpc>
+            <a:spcBef>
+              <a:spcPct val="0"/>
+            </a:spcBef>
+            <a:spcAft>
+              <a:spcPct val="35000"/>
+            </a:spcAft>
+            <a:buNone/>
+          </a:pPr>
+          <a:r>
+            <a:rPr lang="de-DE" sz="1600" kern="1200" dirty="0"/>
+            <a:t>Arbeit doppelt ausgeführt</a:t>
+          </a:r>
+        </a:p>
+      </dsp:txBody>
+      <dsp:txXfrm>
+        <a:off x="4887693" y="1420272"/>
+        <a:ext cx="1429450" cy="895242"/>
+      </dsp:txXfrm>
+    </dsp:sp>
+    <dsp:sp modelId="{A0DF3ED5-C40B-49CB-981E-FB6EBC569EB6}">
+      <dsp:nvSpPr>
+        <dsp:cNvPr id="0" name=""/>
+        <dsp:cNvSpPr/>
+      </dsp:nvSpPr>
+      <dsp:spPr>
+        <a:xfrm>
+          <a:off x="1734279" y="497959"/>
+          <a:ext cx="3965174" cy="3965174"/>
+        </a:xfrm>
+        <a:custGeom>
+          <a:avLst/>
+          <a:gdLst/>
+          <a:ahLst/>
+          <a:cxnLst/>
+          <a:rect l="0" t="0" r="0" b="0"/>
+          <a:pathLst>
+            <a:path>
+              <a:moveTo>
+                <a:pt x="3960427" y="2119707"/>
+              </a:moveTo>
+              <a:arcTo wR="1982587" hR="1982587" stAng="21837953" swAng="1360218"/>
+            </a:path>
+          </a:pathLst>
+        </a:custGeom>
+        <a:noFill/>
+        <a:ln w="6350" cap="flat" cmpd="sng" algn="ctr">
+          <a:solidFill>
+            <a:schemeClr val="accent1">
+              <a:hueOff val="0"/>
+              <a:satOff val="0"/>
+              <a:lumOff val="0"/>
+              <a:alphaOff val="0"/>
+            </a:schemeClr>
+          </a:solidFill>
+          <a:prstDash val="solid"/>
+          <a:miter lim="800000"/>
+          <a:tailEnd type="arrow"/>
+        </a:ln>
+        <a:effectLst/>
+      </dsp:spPr>
+      <dsp:style>
+        <a:lnRef idx="1">
+          <a:scrgbClr r="0" g="0" b="0"/>
+        </a:lnRef>
+        <a:fillRef idx="0">
+          <a:scrgbClr r="0" g="0" b="0"/>
+        </a:fillRef>
+        <a:effectRef idx="0">
+          <a:scrgbClr r="0" g="0" b="0"/>
+        </a:effectRef>
+        <a:fontRef idx="minor"/>
+      </dsp:style>
+    </dsp:sp>
+    <dsp:sp modelId="{F74CB766-2044-4151-99B4-9DBB7034409A}">
+      <dsp:nvSpPr>
+        <dsp:cNvPr id="0" name=""/>
+        <dsp:cNvSpPr/>
+      </dsp:nvSpPr>
+      <dsp:spPr>
+        <a:xfrm>
+          <a:off x="4119046" y="3588442"/>
+          <a:ext cx="1526310" cy="992102"/>
+        </a:xfrm>
+        <a:prstGeom prst="roundRect">
+          <a:avLst/>
+        </a:prstGeom>
+        <a:solidFill>
+          <a:srgbClr val="FFC000"/>
+        </a:solidFill>
+        <a:ln w="12700" cap="flat" cmpd="sng" algn="ctr">
+          <a:solidFill>
+            <a:schemeClr val="lt1">
+              <a:hueOff val="0"/>
+              <a:satOff val="0"/>
+              <a:lumOff val="0"/>
+              <a:alphaOff val="0"/>
+            </a:schemeClr>
+          </a:solidFill>
+          <a:prstDash val="solid"/>
+          <a:miter lim="800000"/>
+        </a:ln>
+        <a:effectLst/>
+      </dsp:spPr>
+      <dsp:style>
+        <a:lnRef idx="2">
+          <a:scrgbClr r="0" g="0" b="0"/>
+        </a:lnRef>
+        <a:fillRef idx="1">
+          <a:scrgbClr r="0" g="0" b="0"/>
+        </a:fillRef>
+        <a:effectRef idx="0">
+          <a:scrgbClr r="0" g="0" b="0"/>
+        </a:effectRef>
+        <a:fontRef idx="minor">
+          <a:schemeClr val="lt1"/>
+        </a:fontRef>
+      </dsp:style>
+      <dsp:txBody>
+        <a:bodyPr spcFirstLastPara="0" vert="horz" wrap="square" lIns="60960" tIns="60960" rIns="60960" bIns="60960" numCol="1" spcCol="1270" anchor="ctr" anchorCtr="0">
+          <a:noAutofit/>
+        </a:bodyPr>
+        <a:lstStyle/>
+        <a:p>
+          <a:pPr marL="0" lvl="0" indent="0" algn="ctr" defTabSz="711200">
+            <a:lnSpc>
+              <a:spcPct val="90000"/>
+            </a:lnSpc>
+            <a:spcBef>
+              <a:spcPct val="0"/>
+            </a:spcBef>
+            <a:spcAft>
+              <a:spcPct val="35000"/>
+            </a:spcAft>
+            <a:buNone/>
+          </a:pPr>
+          <a:r>
+            <a:rPr lang="de-DE" sz="1600" kern="1200" dirty="0"/>
+            <a:t>Zusätzliche Kosten</a:t>
+          </a:r>
+        </a:p>
+      </dsp:txBody>
+      <dsp:txXfrm>
+        <a:off x="4167476" y="3636872"/>
+        <a:ext cx="1429450" cy="895242"/>
+      </dsp:txXfrm>
+    </dsp:sp>
+    <dsp:sp modelId="{E322F4E6-E40C-4C63-A024-FF8B52362C6F}">
+      <dsp:nvSpPr>
+        <dsp:cNvPr id="0" name=""/>
+        <dsp:cNvSpPr/>
+      </dsp:nvSpPr>
+      <dsp:spPr>
+        <a:xfrm>
+          <a:off x="1734279" y="497959"/>
+          <a:ext cx="3965174" cy="3965174"/>
+        </a:xfrm>
+        <a:custGeom>
+          <a:avLst/>
+          <a:gdLst/>
+          <a:ahLst/>
+          <a:cxnLst/>
+          <a:rect l="0" t="0" r="0" b="0"/>
+          <a:pathLst>
+            <a:path>
+              <a:moveTo>
+                <a:pt x="2226089" y="3950164"/>
+              </a:moveTo>
+              <a:arcTo wR="1982587" hR="1982587" stAng="4976705" swAng="846589"/>
+            </a:path>
+          </a:pathLst>
+        </a:custGeom>
+        <a:noFill/>
+        <a:ln w="6350" cap="flat" cmpd="sng" algn="ctr">
+          <a:solidFill>
+            <a:schemeClr val="accent1">
+              <a:hueOff val="0"/>
+              <a:satOff val="0"/>
+              <a:lumOff val="0"/>
+              <a:alphaOff val="0"/>
+            </a:schemeClr>
+          </a:solidFill>
+          <a:prstDash val="solid"/>
+          <a:miter lim="800000"/>
+          <a:tailEnd type="arrow"/>
+        </a:ln>
+        <a:effectLst/>
+      </dsp:spPr>
+      <dsp:style>
+        <a:lnRef idx="1">
+          <a:scrgbClr r="0" g="0" b="0"/>
+        </a:lnRef>
+        <a:fillRef idx="0">
+          <a:scrgbClr r="0" g="0" b="0"/>
+        </a:fillRef>
+        <a:effectRef idx="0">
+          <a:scrgbClr r="0" g="0" b="0"/>
+        </a:effectRef>
+        <a:fontRef idx="minor"/>
+      </dsp:style>
+    </dsp:sp>
+    <dsp:sp modelId="{74566C18-C594-4F85-8F8E-D31E567F586B}">
+      <dsp:nvSpPr>
+        <dsp:cNvPr id="0" name=""/>
+        <dsp:cNvSpPr/>
+      </dsp:nvSpPr>
+      <dsp:spPr>
+        <a:xfrm>
+          <a:off x="1788375" y="3588442"/>
+          <a:ext cx="1526310" cy="992102"/>
+        </a:xfrm>
+        <a:prstGeom prst="roundRect">
+          <a:avLst/>
+        </a:prstGeom>
+        <a:solidFill>
+          <a:srgbClr val="92D050"/>
+        </a:solidFill>
+        <a:ln w="12700" cap="flat" cmpd="sng" algn="ctr">
+          <a:solidFill>
+            <a:schemeClr val="lt1">
+              <a:hueOff val="0"/>
+              <a:satOff val="0"/>
+              <a:lumOff val="0"/>
+              <a:alphaOff val="0"/>
+            </a:schemeClr>
+          </a:solidFill>
+          <a:prstDash val="solid"/>
+          <a:miter lim="800000"/>
+        </a:ln>
+        <a:effectLst/>
+      </dsp:spPr>
+      <dsp:style>
+        <a:lnRef idx="2">
+          <a:scrgbClr r="0" g="0" b="0"/>
+        </a:lnRef>
+        <a:fillRef idx="1">
+          <a:scrgbClr r="0" g="0" b="0"/>
+        </a:fillRef>
+        <a:effectRef idx="0">
+          <a:scrgbClr r="0" g="0" b="0"/>
+        </a:effectRef>
+        <a:fontRef idx="minor">
+          <a:schemeClr val="lt1"/>
+        </a:fontRef>
+      </dsp:style>
+      <dsp:txBody>
+        <a:bodyPr spcFirstLastPara="0" vert="horz" wrap="square" lIns="60960" tIns="60960" rIns="60960" bIns="60960" numCol="1" spcCol="1270" anchor="ctr" anchorCtr="0">
+          <a:noAutofit/>
+        </a:bodyPr>
+        <a:lstStyle/>
+        <a:p>
+          <a:pPr marL="0" lvl="0" indent="0" algn="ctr" defTabSz="711200">
+            <a:lnSpc>
+              <a:spcPct val="90000"/>
+            </a:lnSpc>
+            <a:spcBef>
+              <a:spcPct val="0"/>
+            </a:spcBef>
+            <a:spcAft>
+              <a:spcPct val="35000"/>
+            </a:spcAft>
+            <a:buNone/>
+          </a:pPr>
+          <a:r>
+            <a:rPr lang="de-DE" sz="1600" kern="1200" dirty="0"/>
+            <a:t>In Statusbericht erkannt</a:t>
+          </a:r>
+        </a:p>
+      </dsp:txBody>
+      <dsp:txXfrm>
+        <a:off x="1836805" y="3636872"/>
+        <a:ext cx="1429450" cy="895242"/>
+      </dsp:txXfrm>
+    </dsp:sp>
+    <dsp:sp modelId="{282AF9E9-5959-431D-B93D-F568754B87E6}">
+      <dsp:nvSpPr>
+        <dsp:cNvPr id="0" name=""/>
+        <dsp:cNvSpPr/>
+      </dsp:nvSpPr>
+      <dsp:spPr>
+        <a:xfrm>
+          <a:off x="1734279" y="497959"/>
+          <a:ext cx="3965174" cy="3965174"/>
+        </a:xfrm>
+        <a:custGeom>
+          <a:avLst/>
+          <a:gdLst/>
+          <a:ahLst/>
+          <a:cxnLst/>
+          <a:rect l="0" t="0" r="0" b="0"/>
+          <a:pathLst>
+            <a:path>
+              <a:moveTo>
+                <a:pt x="210409" y="2871428"/>
+              </a:moveTo>
+              <a:arcTo wR="1982587" hR="1982587" stAng="9201829" swAng="1360218"/>
+            </a:path>
+          </a:pathLst>
+        </a:custGeom>
+        <a:noFill/>
+        <a:ln w="6350" cap="flat" cmpd="sng" algn="ctr">
+          <a:solidFill>
+            <a:schemeClr val="accent1">
+              <a:hueOff val="0"/>
+              <a:satOff val="0"/>
+              <a:lumOff val="0"/>
+              <a:alphaOff val="0"/>
+            </a:schemeClr>
+          </a:solidFill>
+          <a:prstDash val="solid"/>
+          <a:miter lim="800000"/>
+          <a:tailEnd type="arrow"/>
+        </a:ln>
+        <a:effectLst/>
+      </dsp:spPr>
+      <dsp:style>
+        <a:lnRef idx="1">
+          <a:scrgbClr r="0" g="0" b="0"/>
+        </a:lnRef>
+        <a:fillRef idx="0">
+          <a:scrgbClr r="0" g="0" b="0"/>
+        </a:fillRef>
+        <a:effectRef idx="0">
+          <a:scrgbClr r="0" g="0" b="0"/>
+        </a:effectRef>
+        <a:fontRef idx="minor"/>
+      </dsp:style>
+    </dsp:sp>
+    <dsp:sp modelId="{2E8BEFA4-CB7C-4BD1-B178-B835DC650A0A}">
+      <dsp:nvSpPr>
+        <dsp:cNvPr id="0" name=""/>
+        <dsp:cNvSpPr/>
+      </dsp:nvSpPr>
+      <dsp:spPr>
+        <a:xfrm>
+          <a:off x="1068158" y="1371842"/>
+          <a:ext cx="1526310" cy="992102"/>
+        </a:xfrm>
+        <a:prstGeom prst="roundRect">
+          <a:avLst/>
+        </a:prstGeom>
+        <a:solidFill>
+          <a:srgbClr val="00B050"/>
+        </a:solidFill>
+        <a:ln w="12700" cap="flat" cmpd="sng" algn="ctr">
+          <a:solidFill>
+            <a:schemeClr val="lt1">
+              <a:hueOff val="0"/>
+              <a:satOff val="0"/>
+              <a:lumOff val="0"/>
+              <a:alphaOff val="0"/>
+            </a:schemeClr>
+          </a:solidFill>
+          <a:prstDash val="solid"/>
+          <a:miter lim="800000"/>
+        </a:ln>
+        <a:effectLst/>
+      </dsp:spPr>
+      <dsp:style>
+        <a:lnRef idx="2">
+          <a:scrgbClr r="0" g="0" b="0"/>
+        </a:lnRef>
+        <a:fillRef idx="1">
+          <a:scrgbClr r="0" g="0" b="0"/>
+        </a:fillRef>
+        <a:effectRef idx="0">
+          <a:scrgbClr r="0" g="0" b="0"/>
+        </a:effectRef>
+        <a:fontRef idx="minor">
+          <a:schemeClr val="lt1"/>
+        </a:fontRef>
+      </dsp:style>
+      <dsp:txBody>
+        <a:bodyPr spcFirstLastPara="0" vert="horz" wrap="square" lIns="60960" tIns="60960" rIns="60960" bIns="60960" numCol="1" spcCol="1270" anchor="ctr" anchorCtr="0">
+          <a:noAutofit/>
+        </a:bodyPr>
+        <a:lstStyle/>
+        <a:p>
+          <a:pPr marL="0" lvl="0" indent="0" algn="ctr" defTabSz="711200">
+            <a:lnSpc>
+              <a:spcPct val="90000"/>
+            </a:lnSpc>
+            <a:spcBef>
+              <a:spcPct val="0"/>
+            </a:spcBef>
+            <a:spcAft>
+              <a:spcPct val="35000"/>
+            </a:spcAft>
+            <a:buNone/>
+          </a:pPr>
+          <a:r>
+            <a:rPr lang="de-DE" sz="1600" kern="1200" dirty="0"/>
+            <a:t>Erhöhung des Budgets beantragt</a:t>
+          </a:r>
+        </a:p>
+      </dsp:txBody>
+      <dsp:txXfrm>
+        <a:off x="1116588" y="1420272"/>
+        <a:ext cx="1429450" cy="895242"/>
+      </dsp:txXfrm>
+    </dsp:sp>
+    <dsp:sp modelId="{88F95BFB-813C-43F9-BD34-2E6FACF40B9A}">
+      <dsp:nvSpPr>
+        <dsp:cNvPr id="0" name=""/>
+        <dsp:cNvSpPr/>
+      </dsp:nvSpPr>
+      <dsp:spPr>
+        <a:xfrm>
+          <a:off x="1734279" y="497959"/>
+          <a:ext cx="3965174" cy="3965174"/>
+        </a:xfrm>
+        <a:custGeom>
+          <a:avLst/>
+          <a:gdLst/>
+          <a:ahLst/>
+          <a:cxnLst/>
+          <a:rect l="0" t="0" r="0" b="0"/>
+          <a:pathLst>
+            <a:path>
+              <a:moveTo>
+                <a:pt x="476811" y="692900"/>
+              </a:moveTo>
+              <a:arcTo wR="1982587" hR="1982587" stAng="13234791" swAng="1212174"/>
+            </a:path>
+          </a:pathLst>
+        </a:custGeom>
+        <a:noFill/>
+        <a:ln w="6350" cap="flat" cmpd="sng" algn="ctr">
+          <a:solidFill>
+            <a:schemeClr val="bg1"/>
+          </a:solidFill>
+          <a:prstDash val="solid"/>
+          <a:miter lim="800000"/>
+          <a:tailEnd type="arrow"/>
+        </a:ln>
+        <a:effectLst/>
+      </dsp:spPr>
+      <dsp:style>
+        <a:lnRef idx="1">
+          <a:scrgbClr r="0" g="0" b="0"/>
+        </a:lnRef>
+        <a:fillRef idx="0">
+          <a:scrgbClr r="0" g="0" b="0"/>
+        </a:fillRef>
+        <a:effectRef idx="0">
+          <a:scrgbClr r="0" g="0" b="0"/>
+        </a:effectRef>
+        <a:fontRef idx="minor"/>
+      </dsp:style>
+    </dsp:sp>
   </dsp:spTree>
 </dsp:drawing>
 </file>
@@ -13470,6 +13483,1106 @@
       <dsp:cNvGrpSpPr/>
     </dsp:nvGrpSpPr>
     <dsp:grpSpPr/>
+    <dsp:sp modelId="{E101DFCC-1747-4432-8B28-F73A3841A546}">
+      <dsp:nvSpPr>
+        <dsp:cNvPr id="0" name=""/>
+        <dsp:cNvSpPr/>
+      </dsp:nvSpPr>
+      <dsp:spPr>
+        <a:xfrm>
+          <a:off x="2858" y="2597293"/>
+          <a:ext cx="1708811" cy="1409412"/>
+        </a:xfrm>
+        <a:prstGeom prst="roundRect">
+          <a:avLst>
+            <a:gd name="adj" fmla="val 10000"/>
+          </a:avLst>
+        </a:prstGeom>
+        <a:solidFill>
+          <a:schemeClr val="lt1">
+            <a:alpha val="90000"/>
+            <a:hueOff val="0"/>
+            <a:satOff val="0"/>
+            <a:lumOff val="0"/>
+            <a:alphaOff val="0"/>
+          </a:schemeClr>
+        </a:solidFill>
+        <a:ln w="12700" cap="flat" cmpd="sng" algn="ctr">
+          <a:solidFill>
+            <a:schemeClr val="accent2">
+              <a:hueOff val="0"/>
+              <a:satOff val="0"/>
+              <a:lumOff val="0"/>
+              <a:alphaOff val="0"/>
+            </a:schemeClr>
+          </a:solidFill>
+          <a:prstDash val="solid"/>
+          <a:miter lim="800000"/>
+        </a:ln>
+        <a:effectLst/>
+      </dsp:spPr>
+      <dsp:style>
+        <a:lnRef idx="2">
+          <a:scrgbClr r="0" g="0" b="0"/>
+        </a:lnRef>
+        <a:fillRef idx="1">
+          <a:scrgbClr r="0" g="0" b="0"/>
+        </a:fillRef>
+        <a:effectRef idx="0">
+          <a:scrgbClr r="0" g="0" b="0"/>
+        </a:effectRef>
+        <a:fontRef idx="minor"/>
+      </dsp:style>
+      <dsp:txBody>
+        <a:bodyPr spcFirstLastPara="0" vert="horz" wrap="square" lIns="20955" tIns="20955" rIns="20955" bIns="20955" numCol="1" spcCol="1270" anchor="t" anchorCtr="0">
+          <a:noAutofit/>
+        </a:bodyPr>
+        <a:lstStyle/>
+        <a:p>
+          <a:pPr marL="57150" lvl="1" indent="-57150" algn="l" defTabSz="488950">
+            <a:lnSpc>
+              <a:spcPct val="90000"/>
+            </a:lnSpc>
+            <a:spcBef>
+              <a:spcPct val="0"/>
+            </a:spcBef>
+            <a:spcAft>
+              <a:spcPct val="15000"/>
+            </a:spcAft>
+            <a:buChar char="•"/>
+          </a:pPr>
+          <a:endParaRPr lang="de-DE" sz="1100" kern="1200" dirty="0"/>
+        </a:p>
+        <a:p>
+          <a:pPr marL="57150" lvl="1" indent="-57150" algn="l" defTabSz="488950">
+            <a:lnSpc>
+              <a:spcPct val="90000"/>
+            </a:lnSpc>
+            <a:spcBef>
+              <a:spcPct val="0"/>
+            </a:spcBef>
+            <a:spcAft>
+              <a:spcPct val="15000"/>
+            </a:spcAft>
+            <a:buChar char="•"/>
+          </a:pPr>
+          <a:r>
+            <a:rPr lang="de-DE" sz="1100" kern="1200" dirty="0"/>
+            <a:t>Fehlkommunikation</a:t>
+          </a:r>
+        </a:p>
+      </dsp:txBody>
+      <dsp:txXfrm>
+        <a:off x="35292" y="2629727"/>
+        <a:ext cx="1643943" cy="1042527"/>
+      </dsp:txXfrm>
+    </dsp:sp>
+    <dsp:sp modelId="{4FA19D17-4F6A-4352-8E82-51779E218641}">
+      <dsp:nvSpPr>
+        <dsp:cNvPr id="0" name=""/>
+        <dsp:cNvSpPr/>
+      </dsp:nvSpPr>
+      <dsp:spPr>
+        <a:xfrm>
+          <a:off x="980245" y="2994313"/>
+          <a:ext cx="1793881" cy="1793881"/>
+        </a:xfrm>
+        <a:prstGeom prst="leftCircularArrow">
+          <a:avLst>
+            <a:gd name="adj1" fmla="val 2653"/>
+            <a:gd name="adj2" fmla="val 322637"/>
+            <a:gd name="adj3" fmla="val 2098148"/>
+            <a:gd name="adj4" fmla="val 9024489"/>
+            <a:gd name="adj5" fmla="val 3095"/>
+          </a:avLst>
+        </a:prstGeom>
+        <a:solidFill>
+          <a:schemeClr val="accent2">
+            <a:hueOff val="0"/>
+            <a:satOff val="0"/>
+            <a:lumOff val="0"/>
+            <a:alphaOff val="0"/>
+          </a:schemeClr>
+        </a:solidFill>
+        <a:ln>
+          <a:noFill/>
+        </a:ln>
+        <a:effectLst/>
+      </dsp:spPr>
+      <dsp:style>
+        <a:lnRef idx="0">
+          <a:scrgbClr r="0" g="0" b="0"/>
+        </a:lnRef>
+        <a:fillRef idx="1">
+          <a:scrgbClr r="0" g="0" b="0"/>
+        </a:fillRef>
+        <a:effectRef idx="0">
+          <a:scrgbClr r="0" g="0" b="0"/>
+        </a:effectRef>
+        <a:fontRef idx="minor">
+          <a:schemeClr val="lt1"/>
+        </a:fontRef>
+      </dsp:style>
+    </dsp:sp>
+    <dsp:sp modelId="{711766B0-CCA6-41DD-86FA-A907B57829EC}">
+      <dsp:nvSpPr>
+        <dsp:cNvPr id="0" name=""/>
+        <dsp:cNvSpPr/>
+      </dsp:nvSpPr>
+      <dsp:spPr>
+        <a:xfrm>
+          <a:off x="382594" y="3704688"/>
+          <a:ext cx="1518943" cy="604033"/>
+        </a:xfrm>
+        <a:prstGeom prst="roundRect">
+          <a:avLst>
+            <a:gd name="adj" fmla="val 10000"/>
+          </a:avLst>
+        </a:prstGeom>
+        <a:solidFill>
+          <a:schemeClr val="accent2">
+            <a:hueOff val="0"/>
+            <a:satOff val="0"/>
+            <a:lumOff val="0"/>
+            <a:alphaOff val="0"/>
+          </a:schemeClr>
+        </a:solidFill>
+        <a:ln w="12700" cap="flat" cmpd="sng" algn="ctr">
+          <a:solidFill>
+            <a:schemeClr val="lt1">
+              <a:hueOff val="0"/>
+              <a:satOff val="0"/>
+              <a:lumOff val="0"/>
+              <a:alphaOff val="0"/>
+            </a:schemeClr>
+          </a:solidFill>
+          <a:prstDash val="solid"/>
+          <a:miter lim="800000"/>
+        </a:ln>
+        <a:effectLst/>
+      </dsp:spPr>
+      <dsp:style>
+        <a:lnRef idx="2">
+          <a:scrgbClr r="0" g="0" b="0"/>
+        </a:lnRef>
+        <a:fillRef idx="1">
+          <a:scrgbClr r="0" g="0" b="0"/>
+        </a:fillRef>
+        <a:effectRef idx="0">
+          <a:scrgbClr r="0" g="0" b="0"/>
+        </a:effectRef>
+        <a:fontRef idx="minor">
+          <a:schemeClr val="lt1"/>
+        </a:fontRef>
+      </dsp:style>
+      <dsp:txBody>
+        <a:bodyPr spcFirstLastPara="0" vert="horz" wrap="square" lIns="40005" tIns="26670" rIns="40005" bIns="26670" numCol="1" spcCol="1270" anchor="ctr" anchorCtr="0">
+          <a:noAutofit/>
+        </a:bodyPr>
+        <a:lstStyle/>
+        <a:p>
+          <a:pPr marL="0" lvl="0" indent="0" algn="ctr" defTabSz="933450">
+            <a:lnSpc>
+              <a:spcPct val="90000"/>
+            </a:lnSpc>
+            <a:spcBef>
+              <a:spcPct val="0"/>
+            </a:spcBef>
+            <a:spcAft>
+              <a:spcPct val="35000"/>
+            </a:spcAft>
+            <a:buNone/>
+          </a:pPr>
+          <a:r>
+            <a:rPr lang="de-DE" sz="2100" kern="1200" dirty="0"/>
+            <a:t>Fehler</a:t>
+          </a:r>
+        </a:p>
+      </dsp:txBody>
+      <dsp:txXfrm>
+        <a:off x="400286" y="3722380"/>
+        <a:ext cx="1483559" cy="568649"/>
+      </dsp:txXfrm>
+    </dsp:sp>
+    <dsp:sp modelId="{02D98D07-D26D-4347-B376-D5DD10237903}">
+      <dsp:nvSpPr>
+        <dsp:cNvPr id="0" name=""/>
+        <dsp:cNvSpPr/>
+      </dsp:nvSpPr>
+      <dsp:spPr>
+        <a:xfrm>
+          <a:off x="2128143" y="2597293"/>
+          <a:ext cx="1708811" cy="1409412"/>
+        </a:xfrm>
+        <a:prstGeom prst="roundRect">
+          <a:avLst>
+            <a:gd name="adj" fmla="val 10000"/>
+          </a:avLst>
+        </a:prstGeom>
+        <a:solidFill>
+          <a:schemeClr val="lt1">
+            <a:alpha val="90000"/>
+            <a:hueOff val="0"/>
+            <a:satOff val="0"/>
+            <a:lumOff val="0"/>
+            <a:alphaOff val="0"/>
+          </a:schemeClr>
+        </a:solidFill>
+        <a:ln w="12700" cap="flat" cmpd="sng" algn="ctr">
+          <a:solidFill>
+            <a:schemeClr val="accent3">
+              <a:hueOff val="0"/>
+              <a:satOff val="0"/>
+              <a:lumOff val="0"/>
+              <a:alphaOff val="0"/>
+            </a:schemeClr>
+          </a:solidFill>
+          <a:prstDash val="solid"/>
+          <a:miter lim="800000"/>
+        </a:ln>
+        <a:effectLst/>
+      </dsp:spPr>
+      <dsp:style>
+        <a:lnRef idx="2">
+          <a:scrgbClr r="0" g="0" b="0"/>
+        </a:lnRef>
+        <a:fillRef idx="1">
+          <a:scrgbClr r="0" g="0" b="0"/>
+        </a:fillRef>
+        <a:effectRef idx="0">
+          <a:scrgbClr r="0" g="0" b="0"/>
+        </a:effectRef>
+        <a:fontRef idx="minor"/>
+      </dsp:style>
+      <dsp:txBody>
+        <a:bodyPr spcFirstLastPara="0" vert="horz" wrap="square" lIns="20955" tIns="20955" rIns="20955" bIns="20955" numCol="1" spcCol="1270" anchor="t" anchorCtr="0">
+          <a:noAutofit/>
+        </a:bodyPr>
+        <a:lstStyle/>
+        <a:p>
+          <a:pPr marL="57150" lvl="1" indent="-57150" algn="l" defTabSz="488950">
+            <a:lnSpc>
+              <a:spcPct val="90000"/>
+            </a:lnSpc>
+            <a:spcBef>
+              <a:spcPct val="0"/>
+            </a:spcBef>
+            <a:spcAft>
+              <a:spcPct val="15000"/>
+            </a:spcAft>
+            <a:buChar char="•"/>
+          </a:pPr>
+          <a:r>
+            <a:rPr lang="de-DE" sz="1100" kern="1200" dirty="0"/>
+            <a:t>Arbeit wird doppelt ausgeführt</a:t>
+          </a:r>
+        </a:p>
+        <a:p>
+          <a:pPr marL="57150" lvl="1" indent="-57150" algn="l" defTabSz="488950">
+            <a:lnSpc>
+              <a:spcPct val="90000"/>
+            </a:lnSpc>
+            <a:spcBef>
+              <a:spcPct val="0"/>
+            </a:spcBef>
+            <a:spcAft>
+              <a:spcPct val="15000"/>
+            </a:spcAft>
+            <a:buChar char="•"/>
+          </a:pPr>
+          <a:r>
+            <a:rPr lang="de-DE" sz="1100" kern="1200" dirty="0"/>
+            <a:t>Überflüssige Kosten und Personalaufwand</a:t>
+          </a:r>
+        </a:p>
+      </dsp:txBody>
+      <dsp:txXfrm>
+        <a:off x="2160577" y="2931744"/>
+        <a:ext cx="1643943" cy="1042527"/>
+      </dsp:txXfrm>
+    </dsp:sp>
+    <dsp:sp modelId="{CBC7C94E-BBEC-4573-8225-71814017665B}">
+      <dsp:nvSpPr>
+        <dsp:cNvPr id="0" name=""/>
+        <dsp:cNvSpPr/>
+      </dsp:nvSpPr>
+      <dsp:spPr>
+        <a:xfrm>
+          <a:off x="3091289" y="1760542"/>
+          <a:ext cx="2012229" cy="2012229"/>
+        </a:xfrm>
+        <a:prstGeom prst="circularArrow">
+          <a:avLst>
+            <a:gd name="adj1" fmla="val 2365"/>
+            <a:gd name="adj2" fmla="val 285714"/>
+            <a:gd name="adj3" fmla="val 19538775"/>
+            <a:gd name="adj4" fmla="val 12575511"/>
+            <a:gd name="adj5" fmla="val 2759"/>
+          </a:avLst>
+        </a:prstGeom>
+        <a:solidFill>
+          <a:schemeClr val="accent3">
+            <a:hueOff val="0"/>
+            <a:satOff val="0"/>
+            <a:lumOff val="0"/>
+            <a:alphaOff val="0"/>
+          </a:schemeClr>
+        </a:solidFill>
+        <a:ln>
+          <a:noFill/>
+        </a:ln>
+        <a:effectLst/>
+      </dsp:spPr>
+      <dsp:style>
+        <a:lnRef idx="0">
+          <a:scrgbClr r="0" g="0" b="0"/>
+        </a:lnRef>
+        <a:fillRef idx="1">
+          <a:scrgbClr r="0" g="0" b="0"/>
+        </a:fillRef>
+        <a:effectRef idx="0">
+          <a:scrgbClr r="0" g="0" b="0"/>
+        </a:effectRef>
+        <a:fontRef idx="minor">
+          <a:schemeClr val="lt1"/>
+        </a:fontRef>
+      </dsp:style>
+    </dsp:sp>
+    <dsp:sp modelId="{3F59FC73-8DED-436C-AF3E-7F2A96A345F0}">
+      <dsp:nvSpPr>
+        <dsp:cNvPr id="0" name=""/>
+        <dsp:cNvSpPr/>
+      </dsp:nvSpPr>
+      <dsp:spPr>
+        <a:xfrm>
+          <a:off x="2507878" y="2295276"/>
+          <a:ext cx="1518943" cy="604033"/>
+        </a:xfrm>
+        <a:prstGeom prst="roundRect">
+          <a:avLst>
+            <a:gd name="adj" fmla="val 10000"/>
+          </a:avLst>
+        </a:prstGeom>
+        <a:solidFill>
+          <a:schemeClr val="accent3">
+            <a:hueOff val="0"/>
+            <a:satOff val="0"/>
+            <a:lumOff val="0"/>
+            <a:alphaOff val="0"/>
+          </a:schemeClr>
+        </a:solidFill>
+        <a:ln w="12700" cap="flat" cmpd="sng" algn="ctr">
+          <a:solidFill>
+            <a:schemeClr val="lt1">
+              <a:hueOff val="0"/>
+              <a:satOff val="0"/>
+              <a:lumOff val="0"/>
+              <a:alphaOff val="0"/>
+            </a:schemeClr>
+          </a:solidFill>
+          <a:prstDash val="solid"/>
+          <a:miter lim="800000"/>
+        </a:ln>
+        <a:effectLst/>
+      </dsp:spPr>
+      <dsp:style>
+        <a:lnRef idx="2">
+          <a:scrgbClr r="0" g="0" b="0"/>
+        </a:lnRef>
+        <a:fillRef idx="1">
+          <a:scrgbClr r="0" g="0" b="0"/>
+        </a:fillRef>
+        <a:effectRef idx="0">
+          <a:scrgbClr r="0" g="0" b="0"/>
+        </a:effectRef>
+        <a:fontRef idx="minor">
+          <a:schemeClr val="lt1"/>
+        </a:fontRef>
+      </dsp:style>
+      <dsp:txBody>
+        <a:bodyPr spcFirstLastPara="0" vert="horz" wrap="square" lIns="40005" tIns="26670" rIns="40005" bIns="26670" numCol="1" spcCol="1270" anchor="ctr" anchorCtr="0">
+          <a:noAutofit/>
+        </a:bodyPr>
+        <a:lstStyle/>
+        <a:p>
+          <a:pPr marL="0" lvl="0" indent="0" algn="ctr" defTabSz="933450">
+            <a:lnSpc>
+              <a:spcPct val="90000"/>
+            </a:lnSpc>
+            <a:spcBef>
+              <a:spcPct val="0"/>
+            </a:spcBef>
+            <a:spcAft>
+              <a:spcPct val="35000"/>
+            </a:spcAft>
+            <a:buNone/>
+          </a:pPr>
+          <a:r>
+            <a:rPr lang="de-DE" sz="2100" kern="1200" dirty="0"/>
+            <a:t>Folgen</a:t>
+          </a:r>
+        </a:p>
+      </dsp:txBody>
+      <dsp:txXfrm>
+        <a:off x="2525570" y="2312968"/>
+        <a:ext cx="1483559" cy="568649"/>
+      </dsp:txXfrm>
+    </dsp:sp>
+    <dsp:sp modelId="{C7789B93-FD76-448B-9A5C-07C7D3725A3C}">
+      <dsp:nvSpPr>
+        <dsp:cNvPr id="0" name=""/>
+        <dsp:cNvSpPr/>
+      </dsp:nvSpPr>
+      <dsp:spPr>
+        <a:xfrm>
+          <a:off x="4253427" y="2597293"/>
+          <a:ext cx="1708811" cy="1409412"/>
+        </a:xfrm>
+        <a:prstGeom prst="roundRect">
+          <a:avLst>
+            <a:gd name="adj" fmla="val 10000"/>
+          </a:avLst>
+        </a:prstGeom>
+        <a:solidFill>
+          <a:schemeClr val="lt1">
+            <a:alpha val="90000"/>
+            <a:hueOff val="0"/>
+            <a:satOff val="0"/>
+            <a:lumOff val="0"/>
+            <a:alphaOff val="0"/>
+          </a:schemeClr>
+        </a:solidFill>
+        <a:ln w="12700" cap="flat" cmpd="sng" algn="ctr">
+          <a:solidFill>
+            <a:schemeClr val="accent4">
+              <a:hueOff val="0"/>
+              <a:satOff val="0"/>
+              <a:lumOff val="0"/>
+              <a:alphaOff val="0"/>
+            </a:schemeClr>
+          </a:solidFill>
+          <a:prstDash val="solid"/>
+          <a:miter lim="800000"/>
+        </a:ln>
+        <a:effectLst/>
+      </dsp:spPr>
+      <dsp:style>
+        <a:lnRef idx="2">
+          <a:scrgbClr r="0" g="0" b="0"/>
+        </a:lnRef>
+        <a:fillRef idx="1">
+          <a:scrgbClr r="0" g="0" b="0"/>
+        </a:fillRef>
+        <a:effectRef idx="0">
+          <a:scrgbClr r="0" g="0" b="0"/>
+        </a:effectRef>
+        <a:fontRef idx="minor"/>
+      </dsp:style>
+      <dsp:txBody>
+        <a:bodyPr spcFirstLastPara="0" vert="horz" wrap="square" lIns="20955" tIns="20955" rIns="20955" bIns="20955" numCol="1" spcCol="1270" anchor="t" anchorCtr="0">
+          <a:noAutofit/>
+        </a:bodyPr>
+        <a:lstStyle/>
+        <a:p>
+          <a:pPr marL="57150" lvl="1" indent="-57150" algn="l" defTabSz="488950">
+            <a:lnSpc>
+              <a:spcPct val="90000"/>
+            </a:lnSpc>
+            <a:spcBef>
+              <a:spcPct val="0"/>
+            </a:spcBef>
+            <a:spcAft>
+              <a:spcPct val="15000"/>
+            </a:spcAft>
+            <a:buChar char="•"/>
+          </a:pPr>
+          <a:endParaRPr lang="de-DE" sz="1100" kern="1200" dirty="0"/>
+        </a:p>
+        <a:p>
+          <a:pPr marL="57150" lvl="1" indent="-57150" algn="l" defTabSz="488950">
+            <a:lnSpc>
+              <a:spcPct val="90000"/>
+            </a:lnSpc>
+            <a:spcBef>
+              <a:spcPct val="0"/>
+            </a:spcBef>
+            <a:spcAft>
+              <a:spcPct val="15000"/>
+            </a:spcAft>
+            <a:buChar char="•"/>
+          </a:pPr>
+          <a:r>
+            <a:rPr lang="de-DE" sz="1100" kern="1200" dirty="0"/>
+            <a:t>Unklare Aufgabenverteilung</a:t>
+          </a:r>
+        </a:p>
+      </dsp:txBody>
+      <dsp:txXfrm>
+        <a:off x="4285861" y="2629727"/>
+        <a:ext cx="1643943" cy="1042527"/>
+      </dsp:txXfrm>
+    </dsp:sp>
+    <dsp:sp modelId="{F71DF23A-208F-4CA4-9D7D-547D97BDB3CA}">
+      <dsp:nvSpPr>
+        <dsp:cNvPr id="0" name=""/>
+        <dsp:cNvSpPr/>
+      </dsp:nvSpPr>
+      <dsp:spPr>
+        <a:xfrm>
+          <a:off x="5230814" y="2994313"/>
+          <a:ext cx="1793881" cy="1793881"/>
+        </a:xfrm>
+        <a:prstGeom prst="leftCircularArrow">
+          <a:avLst>
+            <a:gd name="adj1" fmla="val 2653"/>
+            <a:gd name="adj2" fmla="val 322637"/>
+            <a:gd name="adj3" fmla="val 2098148"/>
+            <a:gd name="adj4" fmla="val 9024489"/>
+            <a:gd name="adj5" fmla="val 3095"/>
+          </a:avLst>
+        </a:prstGeom>
+        <a:solidFill>
+          <a:schemeClr val="accent4">
+            <a:hueOff val="0"/>
+            <a:satOff val="0"/>
+            <a:lumOff val="0"/>
+            <a:alphaOff val="0"/>
+          </a:schemeClr>
+        </a:solidFill>
+        <a:ln>
+          <a:noFill/>
+        </a:ln>
+        <a:effectLst/>
+      </dsp:spPr>
+      <dsp:style>
+        <a:lnRef idx="0">
+          <a:scrgbClr r="0" g="0" b="0"/>
+        </a:lnRef>
+        <a:fillRef idx="1">
+          <a:scrgbClr r="0" g="0" b="0"/>
+        </a:fillRef>
+        <a:effectRef idx="0">
+          <a:scrgbClr r="0" g="0" b="0"/>
+        </a:effectRef>
+        <a:fontRef idx="minor">
+          <a:schemeClr val="lt1"/>
+        </a:fontRef>
+      </dsp:style>
+    </dsp:sp>
+    <dsp:sp modelId="{8F8AA5C5-6C5C-4954-A978-6E18B7094053}">
+      <dsp:nvSpPr>
+        <dsp:cNvPr id="0" name=""/>
+        <dsp:cNvSpPr/>
+      </dsp:nvSpPr>
+      <dsp:spPr>
+        <a:xfrm>
+          <a:off x="4633163" y="3704688"/>
+          <a:ext cx="1518943" cy="604033"/>
+        </a:xfrm>
+        <a:prstGeom prst="roundRect">
+          <a:avLst>
+            <a:gd name="adj" fmla="val 10000"/>
+          </a:avLst>
+        </a:prstGeom>
+        <a:solidFill>
+          <a:schemeClr val="accent4">
+            <a:hueOff val="0"/>
+            <a:satOff val="0"/>
+            <a:lumOff val="0"/>
+            <a:alphaOff val="0"/>
+          </a:schemeClr>
+        </a:solidFill>
+        <a:ln w="12700" cap="flat" cmpd="sng" algn="ctr">
+          <a:solidFill>
+            <a:schemeClr val="lt1">
+              <a:hueOff val="0"/>
+              <a:satOff val="0"/>
+              <a:lumOff val="0"/>
+              <a:alphaOff val="0"/>
+            </a:schemeClr>
+          </a:solidFill>
+          <a:prstDash val="solid"/>
+          <a:miter lim="800000"/>
+        </a:ln>
+        <a:effectLst/>
+      </dsp:spPr>
+      <dsp:style>
+        <a:lnRef idx="2">
+          <a:scrgbClr r="0" g="0" b="0"/>
+        </a:lnRef>
+        <a:fillRef idx="1">
+          <a:scrgbClr r="0" g="0" b="0"/>
+        </a:fillRef>
+        <a:effectRef idx="0">
+          <a:scrgbClr r="0" g="0" b="0"/>
+        </a:effectRef>
+        <a:fontRef idx="minor">
+          <a:schemeClr val="lt1"/>
+        </a:fontRef>
+      </dsp:style>
+      <dsp:txBody>
+        <a:bodyPr spcFirstLastPara="0" vert="horz" wrap="square" lIns="40005" tIns="26670" rIns="40005" bIns="26670" numCol="1" spcCol="1270" anchor="ctr" anchorCtr="0">
+          <a:noAutofit/>
+        </a:bodyPr>
+        <a:lstStyle/>
+        <a:p>
+          <a:pPr marL="0" lvl="0" indent="0" algn="ctr" defTabSz="933450">
+            <a:lnSpc>
+              <a:spcPct val="90000"/>
+            </a:lnSpc>
+            <a:spcBef>
+              <a:spcPct val="0"/>
+            </a:spcBef>
+            <a:spcAft>
+              <a:spcPct val="35000"/>
+            </a:spcAft>
+            <a:buNone/>
+          </a:pPr>
+          <a:r>
+            <a:rPr lang="de-DE" sz="2100" kern="1200" dirty="0"/>
+            <a:t>Ursache</a:t>
+          </a:r>
+        </a:p>
+      </dsp:txBody>
+      <dsp:txXfrm>
+        <a:off x="4650855" y="3722380"/>
+        <a:ext cx="1483559" cy="568649"/>
+      </dsp:txXfrm>
+    </dsp:sp>
+    <dsp:sp modelId="{473F677A-5F86-4A05-A020-9B52205F5E83}">
+      <dsp:nvSpPr>
+        <dsp:cNvPr id="0" name=""/>
+        <dsp:cNvSpPr/>
+      </dsp:nvSpPr>
+      <dsp:spPr>
+        <a:xfrm>
+          <a:off x="6378711" y="2597293"/>
+          <a:ext cx="1708811" cy="1409412"/>
+        </a:xfrm>
+        <a:prstGeom prst="roundRect">
+          <a:avLst>
+            <a:gd name="adj" fmla="val 10000"/>
+          </a:avLst>
+        </a:prstGeom>
+        <a:solidFill>
+          <a:schemeClr val="lt1">
+            <a:alpha val="90000"/>
+            <a:hueOff val="0"/>
+            <a:satOff val="0"/>
+            <a:lumOff val="0"/>
+            <a:alphaOff val="0"/>
+          </a:schemeClr>
+        </a:solidFill>
+        <a:ln w="12700" cap="flat" cmpd="sng" algn="ctr">
+          <a:solidFill>
+            <a:schemeClr val="accent5">
+              <a:hueOff val="0"/>
+              <a:satOff val="0"/>
+              <a:lumOff val="0"/>
+              <a:alphaOff val="0"/>
+            </a:schemeClr>
+          </a:solidFill>
+          <a:prstDash val="solid"/>
+          <a:miter lim="800000"/>
+        </a:ln>
+        <a:effectLst/>
+      </dsp:spPr>
+      <dsp:style>
+        <a:lnRef idx="2">
+          <a:scrgbClr r="0" g="0" b="0"/>
+        </a:lnRef>
+        <a:fillRef idx="1">
+          <a:scrgbClr r="0" g="0" b="0"/>
+        </a:fillRef>
+        <a:effectRef idx="0">
+          <a:scrgbClr r="0" g="0" b="0"/>
+        </a:effectRef>
+        <a:fontRef idx="minor"/>
+      </dsp:style>
+      <dsp:txBody>
+        <a:bodyPr spcFirstLastPara="0" vert="horz" wrap="square" lIns="20955" tIns="20955" rIns="20955" bIns="20955" numCol="1" spcCol="1270" anchor="t" anchorCtr="0">
+          <a:noAutofit/>
+        </a:bodyPr>
+        <a:lstStyle/>
+        <a:p>
+          <a:pPr marL="57150" lvl="1" indent="-57150" algn="l" defTabSz="488950">
+            <a:lnSpc>
+              <a:spcPct val="90000"/>
+            </a:lnSpc>
+            <a:spcBef>
+              <a:spcPct val="0"/>
+            </a:spcBef>
+            <a:spcAft>
+              <a:spcPct val="15000"/>
+            </a:spcAft>
+            <a:buChar char="•"/>
+          </a:pPr>
+          <a:r>
+            <a:rPr lang="de-DE" sz="1100" kern="1200" dirty="0"/>
+            <a:t>Budget nicht ausreichend</a:t>
+          </a:r>
+        </a:p>
+        <a:p>
+          <a:pPr marL="57150" lvl="1" indent="-57150" algn="l" defTabSz="488950">
+            <a:lnSpc>
+              <a:spcPct val="90000"/>
+            </a:lnSpc>
+            <a:spcBef>
+              <a:spcPct val="0"/>
+            </a:spcBef>
+            <a:spcAft>
+              <a:spcPct val="15000"/>
+            </a:spcAft>
+            <a:buChar char="•"/>
+          </a:pPr>
+          <a:r>
+            <a:rPr lang="de-DE" sz="1100" kern="1200" dirty="0"/>
+            <a:t>Zeit nicht ausreichend</a:t>
+          </a:r>
+        </a:p>
+      </dsp:txBody>
+      <dsp:txXfrm>
+        <a:off x="6411145" y="2931744"/>
+        <a:ext cx="1643943" cy="1042527"/>
+      </dsp:txXfrm>
+    </dsp:sp>
+    <dsp:sp modelId="{D91A94C6-C14F-4630-82D6-A7B8B1B1ABA5}">
+      <dsp:nvSpPr>
+        <dsp:cNvPr id="0" name=""/>
+        <dsp:cNvSpPr/>
+      </dsp:nvSpPr>
+      <dsp:spPr>
+        <a:xfrm>
+          <a:off x="7341858" y="1760542"/>
+          <a:ext cx="2012229" cy="2012229"/>
+        </a:xfrm>
+        <a:prstGeom prst="circularArrow">
+          <a:avLst>
+            <a:gd name="adj1" fmla="val 2365"/>
+            <a:gd name="adj2" fmla="val 285714"/>
+            <a:gd name="adj3" fmla="val 19538775"/>
+            <a:gd name="adj4" fmla="val 12575511"/>
+            <a:gd name="adj5" fmla="val 2759"/>
+          </a:avLst>
+        </a:prstGeom>
+        <a:solidFill>
+          <a:schemeClr val="accent5">
+            <a:hueOff val="0"/>
+            <a:satOff val="0"/>
+            <a:lumOff val="0"/>
+            <a:alphaOff val="0"/>
+          </a:schemeClr>
+        </a:solidFill>
+        <a:ln>
+          <a:noFill/>
+        </a:ln>
+        <a:effectLst/>
+      </dsp:spPr>
+      <dsp:style>
+        <a:lnRef idx="0">
+          <a:scrgbClr r="0" g="0" b="0"/>
+        </a:lnRef>
+        <a:fillRef idx="1">
+          <a:scrgbClr r="0" g="0" b="0"/>
+        </a:fillRef>
+        <a:effectRef idx="0">
+          <a:scrgbClr r="0" g="0" b="0"/>
+        </a:effectRef>
+        <a:fontRef idx="minor">
+          <a:schemeClr val="lt1"/>
+        </a:fontRef>
+      </dsp:style>
+    </dsp:sp>
+    <dsp:sp modelId="{805B047A-D693-483F-A25C-15A5785A2784}">
+      <dsp:nvSpPr>
+        <dsp:cNvPr id="0" name=""/>
+        <dsp:cNvSpPr/>
+      </dsp:nvSpPr>
+      <dsp:spPr>
+        <a:xfrm>
+          <a:off x="6758447" y="2295276"/>
+          <a:ext cx="1518943" cy="604033"/>
+        </a:xfrm>
+        <a:prstGeom prst="roundRect">
+          <a:avLst>
+            <a:gd name="adj" fmla="val 10000"/>
+          </a:avLst>
+        </a:prstGeom>
+        <a:solidFill>
+          <a:schemeClr val="accent5">
+            <a:hueOff val="0"/>
+            <a:satOff val="0"/>
+            <a:lumOff val="0"/>
+            <a:alphaOff val="0"/>
+          </a:schemeClr>
+        </a:solidFill>
+        <a:ln w="12700" cap="flat" cmpd="sng" algn="ctr">
+          <a:solidFill>
+            <a:schemeClr val="lt1">
+              <a:hueOff val="0"/>
+              <a:satOff val="0"/>
+              <a:lumOff val="0"/>
+              <a:alphaOff val="0"/>
+            </a:schemeClr>
+          </a:solidFill>
+          <a:prstDash val="solid"/>
+          <a:miter lim="800000"/>
+        </a:ln>
+        <a:effectLst/>
+      </dsp:spPr>
+      <dsp:style>
+        <a:lnRef idx="2">
+          <a:scrgbClr r="0" g="0" b="0"/>
+        </a:lnRef>
+        <a:fillRef idx="1">
+          <a:scrgbClr r="0" g="0" b="0"/>
+        </a:fillRef>
+        <a:effectRef idx="0">
+          <a:scrgbClr r="0" g="0" b="0"/>
+        </a:effectRef>
+        <a:fontRef idx="minor">
+          <a:schemeClr val="lt1"/>
+        </a:fontRef>
+      </dsp:style>
+      <dsp:txBody>
+        <a:bodyPr spcFirstLastPara="0" vert="horz" wrap="square" lIns="40005" tIns="26670" rIns="40005" bIns="26670" numCol="1" spcCol="1270" anchor="ctr" anchorCtr="0">
+          <a:noAutofit/>
+        </a:bodyPr>
+        <a:lstStyle/>
+        <a:p>
+          <a:pPr marL="0" lvl="0" indent="0" algn="ctr" defTabSz="933450">
+            <a:lnSpc>
+              <a:spcPct val="90000"/>
+            </a:lnSpc>
+            <a:spcBef>
+              <a:spcPct val="0"/>
+            </a:spcBef>
+            <a:spcAft>
+              <a:spcPct val="35000"/>
+            </a:spcAft>
+            <a:buNone/>
+          </a:pPr>
+          <a:r>
+            <a:rPr lang="de-DE" sz="2100" kern="1200" dirty="0"/>
+            <a:t>Risiko</a:t>
+          </a:r>
+        </a:p>
+      </dsp:txBody>
+      <dsp:txXfrm>
+        <a:off x="6776139" y="2312968"/>
+        <a:ext cx="1483559" cy="568649"/>
+      </dsp:txXfrm>
+    </dsp:sp>
+    <dsp:sp modelId="{E2F4E1F7-B043-4052-8130-06CD2056F834}">
+      <dsp:nvSpPr>
+        <dsp:cNvPr id="0" name=""/>
+        <dsp:cNvSpPr/>
+      </dsp:nvSpPr>
+      <dsp:spPr>
+        <a:xfrm>
+          <a:off x="8503995" y="2597293"/>
+          <a:ext cx="1708811" cy="1409412"/>
+        </a:xfrm>
+        <a:prstGeom prst="roundRect">
+          <a:avLst>
+            <a:gd name="adj" fmla="val 10000"/>
+          </a:avLst>
+        </a:prstGeom>
+        <a:solidFill>
+          <a:schemeClr val="lt1">
+            <a:alpha val="90000"/>
+            <a:hueOff val="0"/>
+            <a:satOff val="0"/>
+            <a:lumOff val="0"/>
+            <a:alphaOff val="0"/>
+          </a:schemeClr>
+        </a:solidFill>
+        <a:ln w="12700" cap="flat" cmpd="sng" algn="ctr">
+          <a:solidFill>
+            <a:schemeClr val="accent6">
+              <a:hueOff val="0"/>
+              <a:satOff val="0"/>
+              <a:lumOff val="0"/>
+              <a:alphaOff val="0"/>
+            </a:schemeClr>
+          </a:solidFill>
+          <a:prstDash val="solid"/>
+          <a:miter lim="800000"/>
+        </a:ln>
+        <a:effectLst/>
+      </dsp:spPr>
+      <dsp:style>
+        <a:lnRef idx="2">
+          <a:scrgbClr r="0" g="0" b="0"/>
+        </a:lnRef>
+        <a:fillRef idx="1">
+          <a:scrgbClr r="0" g="0" b="0"/>
+        </a:fillRef>
+        <a:effectRef idx="0">
+          <a:scrgbClr r="0" g="0" b="0"/>
+        </a:effectRef>
+        <a:fontRef idx="minor"/>
+      </dsp:style>
+      <dsp:txBody>
+        <a:bodyPr spcFirstLastPara="0" vert="horz" wrap="square" lIns="20955" tIns="20955" rIns="20955" bIns="20955" numCol="1" spcCol="1270" anchor="t" anchorCtr="0">
+          <a:noAutofit/>
+        </a:bodyPr>
+        <a:lstStyle/>
+        <a:p>
+          <a:pPr marL="57150" lvl="1" indent="-57150" algn="l" defTabSz="488950">
+            <a:lnSpc>
+              <a:spcPct val="90000"/>
+            </a:lnSpc>
+            <a:spcBef>
+              <a:spcPct val="0"/>
+            </a:spcBef>
+            <a:spcAft>
+              <a:spcPct val="15000"/>
+            </a:spcAft>
+            <a:buChar char="•"/>
+          </a:pPr>
+          <a:endParaRPr lang="de-DE" sz="1100" kern="1200"/>
+        </a:p>
+        <a:p>
+          <a:pPr marL="57150" lvl="1" indent="-57150" algn="l" defTabSz="488950">
+            <a:lnSpc>
+              <a:spcPct val="90000"/>
+            </a:lnSpc>
+            <a:spcBef>
+              <a:spcPct val="0"/>
+            </a:spcBef>
+            <a:spcAft>
+              <a:spcPct val="15000"/>
+            </a:spcAft>
+            <a:buChar char="•"/>
+          </a:pPr>
+          <a:r>
+            <a:rPr lang="de-DE" sz="1100" kern="1200" dirty="0"/>
+            <a:t>Kennzahlen prüfen</a:t>
+          </a:r>
+        </a:p>
+        <a:p>
+          <a:pPr marL="57150" lvl="1" indent="-57150" algn="l" defTabSz="488950">
+            <a:lnSpc>
+              <a:spcPct val="90000"/>
+            </a:lnSpc>
+            <a:spcBef>
+              <a:spcPct val="0"/>
+            </a:spcBef>
+            <a:spcAft>
+              <a:spcPct val="15000"/>
+            </a:spcAft>
+            <a:buChar char="•"/>
+          </a:pPr>
+          <a:r>
+            <a:rPr lang="de-DE" sz="1100" kern="1200" dirty="0"/>
+            <a:t>Kommunikation mit Auftraggeber</a:t>
+          </a:r>
+        </a:p>
+        <a:p>
+          <a:pPr marL="57150" lvl="1" indent="-57150" algn="l" defTabSz="488950">
+            <a:lnSpc>
+              <a:spcPct val="90000"/>
+            </a:lnSpc>
+            <a:spcBef>
+              <a:spcPct val="0"/>
+            </a:spcBef>
+            <a:spcAft>
+              <a:spcPct val="15000"/>
+            </a:spcAft>
+            <a:buChar char="•"/>
+          </a:pPr>
+          <a:r>
+            <a:rPr lang="de-DE" sz="1100" kern="1200" dirty="0"/>
+            <a:t>Aufgabenverteilung verbessern</a:t>
+          </a:r>
+        </a:p>
+      </dsp:txBody>
+      <dsp:txXfrm>
+        <a:off x="8536429" y="2629727"/>
+        <a:ext cx="1643943" cy="1042527"/>
+      </dsp:txXfrm>
+    </dsp:sp>
+    <dsp:sp modelId="{58CF326D-AEEF-41B3-9EA6-AF142CFA911E}">
+      <dsp:nvSpPr>
+        <dsp:cNvPr id="0" name=""/>
+        <dsp:cNvSpPr/>
+      </dsp:nvSpPr>
+      <dsp:spPr>
+        <a:xfrm>
+          <a:off x="8883731" y="3704688"/>
+          <a:ext cx="1518943" cy="604033"/>
+        </a:xfrm>
+        <a:prstGeom prst="roundRect">
+          <a:avLst>
+            <a:gd name="adj" fmla="val 10000"/>
+          </a:avLst>
+        </a:prstGeom>
+        <a:solidFill>
+          <a:schemeClr val="accent6">
+            <a:hueOff val="0"/>
+            <a:satOff val="0"/>
+            <a:lumOff val="0"/>
+            <a:alphaOff val="0"/>
+          </a:schemeClr>
+        </a:solidFill>
+        <a:ln w="12700" cap="flat" cmpd="sng" algn="ctr">
+          <a:solidFill>
+            <a:schemeClr val="lt1">
+              <a:hueOff val="0"/>
+              <a:satOff val="0"/>
+              <a:lumOff val="0"/>
+              <a:alphaOff val="0"/>
+            </a:schemeClr>
+          </a:solidFill>
+          <a:prstDash val="solid"/>
+          <a:miter lim="800000"/>
+        </a:ln>
+        <a:effectLst/>
+      </dsp:spPr>
+      <dsp:style>
+        <a:lnRef idx="2">
+          <a:scrgbClr r="0" g="0" b="0"/>
+        </a:lnRef>
+        <a:fillRef idx="1">
+          <a:scrgbClr r="0" g="0" b="0"/>
+        </a:fillRef>
+        <a:effectRef idx="0">
+          <a:scrgbClr r="0" g="0" b="0"/>
+        </a:effectRef>
+        <a:fontRef idx="minor">
+          <a:schemeClr val="lt1"/>
+        </a:fontRef>
+      </dsp:style>
+      <dsp:txBody>
+        <a:bodyPr spcFirstLastPara="0" vert="horz" wrap="square" lIns="40005" tIns="26670" rIns="40005" bIns="26670" numCol="1" spcCol="1270" anchor="ctr" anchorCtr="0">
+          <a:noAutofit/>
+        </a:bodyPr>
+        <a:lstStyle/>
+        <a:p>
+          <a:pPr marL="0" lvl="0" indent="0" algn="ctr" defTabSz="933450">
+            <a:lnSpc>
+              <a:spcPct val="90000"/>
+            </a:lnSpc>
+            <a:spcBef>
+              <a:spcPct val="0"/>
+            </a:spcBef>
+            <a:spcAft>
+              <a:spcPct val="35000"/>
+            </a:spcAft>
+            <a:buNone/>
+          </a:pPr>
+          <a:r>
+            <a:rPr lang="de-DE" sz="2100" kern="1200" dirty="0"/>
+            <a:t>Maßnahmen</a:t>
+          </a:r>
+        </a:p>
+      </dsp:txBody>
+      <dsp:txXfrm>
+        <a:off x="8901423" y="3722380"/>
+        <a:ext cx="1483559" cy="568649"/>
+      </dsp:txXfrm>
+    </dsp:sp>
   </dsp:spTree>
 </dsp:drawing>
 </file>
@@ -13482,6 +14595,724 @@
       <dsp:cNvGrpSpPr/>
     </dsp:nvGrpSpPr>
     <dsp:grpSpPr/>
+    <dsp:sp modelId="{ABF35378-3AF2-433D-B180-3F88BE73DA1C}">
+      <dsp:nvSpPr>
+        <dsp:cNvPr id="0" name=""/>
+        <dsp:cNvSpPr/>
+      </dsp:nvSpPr>
+      <dsp:spPr>
+        <a:xfrm>
+          <a:off x="0" y="1312286"/>
+          <a:ext cx="8945880" cy="1749715"/>
+        </a:xfrm>
+        <a:prstGeom prst="notchedRightArrow">
+          <a:avLst/>
+        </a:prstGeom>
+        <a:solidFill>
+          <a:schemeClr val="accent2">
+            <a:tint val="40000"/>
+            <a:hueOff val="0"/>
+            <a:satOff val="0"/>
+            <a:lumOff val="0"/>
+            <a:alphaOff val="0"/>
+          </a:schemeClr>
+        </a:solidFill>
+        <a:ln>
+          <a:noFill/>
+        </a:ln>
+        <a:effectLst/>
+      </dsp:spPr>
+      <dsp:style>
+        <a:lnRef idx="0">
+          <a:scrgbClr r="0" g="0" b="0"/>
+        </a:lnRef>
+        <a:fillRef idx="1">
+          <a:scrgbClr r="0" g="0" b="0"/>
+        </a:fillRef>
+        <a:effectRef idx="0">
+          <a:scrgbClr r="0" g="0" b="0"/>
+        </a:effectRef>
+        <a:fontRef idx="minor"/>
+      </dsp:style>
+    </dsp:sp>
+    <dsp:sp modelId="{774B0A9C-B8A0-4DFC-AD06-68639EBA96D8}">
+      <dsp:nvSpPr>
+        <dsp:cNvPr id="0" name=""/>
+        <dsp:cNvSpPr/>
+      </dsp:nvSpPr>
+      <dsp:spPr>
+        <a:xfrm>
+          <a:off x="4225" y="0"/>
+          <a:ext cx="1261150" cy="1749715"/>
+        </a:xfrm>
+        <a:prstGeom prst="rect">
+          <a:avLst/>
+        </a:prstGeom>
+        <a:noFill/>
+        <a:ln>
+          <a:noFill/>
+        </a:ln>
+        <a:effectLst/>
+      </dsp:spPr>
+      <dsp:style>
+        <a:lnRef idx="0">
+          <a:scrgbClr r="0" g="0" b="0"/>
+        </a:lnRef>
+        <a:fillRef idx="0">
+          <a:scrgbClr r="0" g="0" b="0"/>
+        </a:fillRef>
+        <a:effectRef idx="0">
+          <a:scrgbClr r="0" g="0" b="0"/>
+        </a:effectRef>
+        <a:fontRef idx="minor"/>
+      </dsp:style>
+      <dsp:txBody>
+        <a:bodyPr spcFirstLastPara="0" vert="horz" wrap="square" lIns="128016" tIns="128016" rIns="128016" bIns="128016" numCol="1" spcCol="1270" anchor="b" anchorCtr="0">
+          <a:noAutofit/>
+        </a:bodyPr>
+        <a:lstStyle/>
+        <a:p>
+          <a:pPr marL="0" lvl="0" indent="0" algn="ctr" defTabSz="800100">
+            <a:lnSpc>
+              <a:spcPct val="90000"/>
+            </a:lnSpc>
+            <a:spcBef>
+              <a:spcPct val="0"/>
+            </a:spcBef>
+            <a:spcAft>
+              <a:spcPct val="35000"/>
+            </a:spcAft>
+            <a:buNone/>
+          </a:pPr>
+          <a:r>
+            <a:rPr lang="de-DE" sz="1800" kern="1200" dirty="0" err="1"/>
+            <a:t>Respon-sivität</a:t>
+          </a:r>
+          <a:endParaRPr lang="de-DE" sz="1800" kern="1200" dirty="0"/>
+        </a:p>
+      </dsp:txBody>
+      <dsp:txXfrm>
+        <a:off x="4225" y="0"/>
+        <a:ext cx="1261150" cy="1749715"/>
+      </dsp:txXfrm>
+    </dsp:sp>
+    <dsp:sp modelId="{203A7782-CCF4-41E2-9634-123157B86D13}">
+      <dsp:nvSpPr>
+        <dsp:cNvPr id="0" name=""/>
+        <dsp:cNvSpPr/>
+      </dsp:nvSpPr>
+      <dsp:spPr>
+        <a:xfrm>
+          <a:off x="416086" y="1968430"/>
+          <a:ext cx="437428" cy="437428"/>
+        </a:xfrm>
+        <a:prstGeom prst="ellipse">
+          <a:avLst/>
+        </a:prstGeom>
+        <a:solidFill>
+          <a:schemeClr val="accent2">
+            <a:hueOff val="0"/>
+            <a:satOff val="0"/>
+            <a:lumOff val="0"/>
+            <a:alphaOff val="0"/>
+          </a:schemeClr>
+        </a:solidFill>
+        <a:ln w="12700" cap="flat" cmpd="sng" algn="ctr">
+          <a:solidFill>
+            <a:schemeClr val="lt1">
+              <a:hueOff val="0"/>
+              <a:satOff val="0"/>
+              <a:lumOff val="0"/>
+              <a:alphaOff val="0"/>
+            </a:schemeClr>
+          </a:solidFill>
+          <a:prstDash val="solid"/>
+          <a:miter lim="800000"/>
+        </a:ln>
+        <a:effectLst/>
+      </dsp:spPr>
+      <dsp:style>
+        <a:lnRef idx="2">
+          <a:scrgbClr r="0" g="0" b="0"/>
+        </a:lnRef>
+        <a:fillRef idx="1">
+          <a:scrgbClr r="0" g="0" b="0"/>
+        </a:fillRef>
+        <a:effectRef idx="0">
+          <a:scrgbClr r="0" g="0" b="0"/>
+        </a:effectRef>
+        <a:fontRef idx="minor">
+          <a:schemeClr val="lt1"/>
+        </a:fontRef>
+      </dsp:style>
+    </dsp:sp>
+    <dsp:sp modelId="{1D1F8A79-1321-4ADD-8E78-529A7E622FC4}">
+      <dsp:nvSpPr>
+        <dsp:cNvPr id="0" name=""/>
+        <dsp:cNvSpPr/>
+      </dsp:nvSpPr>
+      <dsp:spPr>
+        <a:xfrm>
+          <a:off x="1322282" y="2624573"/>
+          <a:ext cx="1433802" cy="1749715"/>
+        </a:xfrm>
+        <a:prstGeom prst="rect">
+          <a:avLst/>
+        </a:prstGeom>
+        <a:noFill/>
+        <a:ln>
+          <a:noFill/>
+        </a:ln>
+        <a:effectLst/>
+      </dsp:spPr>
+      <dsp:style>
+        <a:lnRef idx="0">
+          <a:scrgbClr r="0" g="0" b="0"/>
+        </a:lnRef>
+        <a:fillRef idx="0">
+          <a:scrgbClr r="0" g="0" b="0"/>
+        </a:fillRef>
+        <a:effectRef idx="0">
+          <a:scrgbClr r="0" g="0" b="0"/>
+        </a:effectRef>
+        <a:fontRef idx="minor"/>
+      </dsp:style>
+      <dsp:txBody>
+        <a:bodyPr spcFirstLastPara="0" vert="horz" wrap="square" lIns="128016" tIns="128016" rIns="128016" bIns="128016" numCol="1" spcCol="1270" anchor="t" anchorCtr="0">
+          <a:noAutofit/>
+        </a:bodyPr>
+        <a:lstStyle/>
+        <a:p>
+          <a:pPr marL="0" lvl="0" indent="0" algn="ctr" defTabSz="800100">
+            <a:lnSpc>
+              <a:spcPct val="90000"/>
+            </a:lnSpc>
+            <a:spcBef>
+              <a:spcPct val="0"/>
+            </a:spcBef>
+            <a:spcAft>
+              <a:spcPct val="35000"/>
+            </a:spcAft>
+            <a:buNone/>
+          </a:pPr>
+          <a:r>
+            <a:rPr lang="de-DE" sz="1800" kern="1200" dirty="0"/>
+            <a:t>Zeitgemäße Optik</a:t>
+          </a:r>
+        </a:p>
+      </dsp:txBody>
+      <dsp:txXfrm>
+        <a:off x="1322282" y="2624573"/>
+        <a:ext cx="1433802" cy="1749715"/>
+      </dsp:txXfrm>
+    </dsp:sp>
+    <dsp:sp modelId="{4813D171-4C66-49AB-BC22-E316ABD695EC}">
+      <dsp:nvSpPr>
+        <dsp:cNvPr id="0" name=""/>
+        <dsp:cNvSpPr/>
+      </dsp:nvSpPr>
+      <dsp:spPr>
+        <a:xfrm>
+          <a:off x="1820468" y="1968430"/>
+          <a:ext cx="437428" cy="437428"/>
+        </a:xfrm>
+        <a:prstGeom prst="ellipse">
+          <a:avLst/>
+        </a:prstGeom>
+        <a:solidFill>
+          <a:schemeClr val="accent3">
+            <a:hueOff val="0"/>
+            <a:satOff val="0"/>
+            <a:lumOff val="0"/>
+            <a:alphaOff val="0"/>
+          </a:schemeClr>
+        </a:solidFill>
+        <a:ln w="12700" cap="flat" cmpd="sng" algn="ctr">
+          <a:solidFill>
+            <a:schemeClr val="lt1">
+              <a:hueOff val="0"/>
+              <a:satOff val="0"/>
+              <a:lumOff val="0"/>
+              <a:alphaOff val="0"/>
+            </a:schemeClr>
+          </a:solidFill>
+          <a:prstDash val="solid"/>
+          <a:miter lim="800000"/>
+        </a:ln>
+        <a:effectLst/>
+      </dsp:spPr>
+      <dsp:style>
+        <a:lnRef idx="2">
+          <a:scrgbClr r="0" g="0" b="0"/>
+        </a:lnRef>
+        <a:fillRef idx="1">
+          <a:scrgbClr r="0" g="0" b="0"/>
+        </a:fillRef>
+        <a:effectRef idx="0">
+          <a:scrgbClr r="0" g="0" b="0"/>
+        </a:effectRef>
+        <a:fontRef idx="minor">
+          <a:schemeClr val="lt1"/>
+        </a:fontRef>
+      </dsp:style>
+    </dsp:sp>
+    <dsp:sp modelId="{41512C52-1D47-4393-B7F5-16C4AEE46519}">
+      <dsp:nvSpPr>
+        <dsp:cNvPr id="0" name=""/>
+        <dsp:cNvSpPr/>
+      </dsp:nvSpPr>
+      <dsp:spPr>
+        <a:xfrm>
+          <a:off x="2812989" y="0"/>
+          <a:ext cx="1268252" cy="1749715"/>
+        </a:xfrm>
+        <a:prstGeom prst="rect">
+          <a:avLst/>
+        </a:prstGeom>
+        <a:noFill/>
+        <a:ln>
+          <a:noFill/>
+        </a:ln>
+        <a:effectLst/>
+      </dsp:spPr>
+      <dsp:style>
+        <a:lnRef idx="0">
+          <a:scrgbClr r="0" g="0" b="0"/>
+        </a:lnRef>
+        <a:fillRef idx="0">
+          <a:scrgbClr r="0" g="0" b="0"/>
+        </a:fillRef>
+        <a:effectRef idx="0">
+          <a:scrgbClr r="0" g="0" b="0"/>
+        </a:effectRef>
+        <a:fontRef idx="minor"/>
+      </dsp:style>
+      <dsp:txBody>
+        <a:bodyPr spcFirstLastPara="0" vert="horz" wrap="square" lIns="128016" tIns="128016" rIns="128016" bIns="128016" numCol="1" spcCol="1270" anchor="b" anchorCtr="0">
+          <a:noAutofit/>
+        </a:bodyPr>
+        <a:lstStyle/>
+        <a:p>
+          <a:pPr marL="0" lvl="0" indent="0" algn="ctr" defTabSz="800100">
+            <a:lnSpc>
+              <a:spcPct val="90000"/>
+            </a:lnSpc>
+            <a:spcBef>
+              <a:spcPct val="0"/>
+            </a:spcBef>
+            <a:spcAft>
+              <a:spcPct val="35000"/>
+            </a:spcAft>
+            <a:buNone/>
+          </a:pPr>
+          <a:r>
+            <a:rPr lang="de-DE" sz="1800" kern="1200" dirty="0"/>
+            <a:t>Wartbares System</a:t>
+          </a:r>
+        </a:p>
+      </dsp:txBody>
+      <dsp:txXfrm>
+        <a:off x="2812989" y="0"/>
+        <a:ext cx="1268252" cy="1749715"/>
+      </dsp:txXfrm>
+    </dsp:sp>
+    <dsp:sp modelId="{DA06B61F-0654-4746-A058-664127D0D43C}">
+      <dsp:nvSpPr>
+        <dsp:cNvPr id="0" name=""/>
+        <dsp:cNvSpPr/>
+      </dsp:nvSpPr>
+      <dsp:spPr>
+        <a:xfrm>
+          <a:off x="3228401" y="1968430"/>
+          <a:ext cx="437428" cy="437428"/>
+        </a:xfrm>
+        <a:prstGeom prst="ellipse">
+          <a:avLst/>
+        </a:prstGeom>
+        <a:solidFill>
+          <a:schemeClr val="accent4">
+            <a:hueOff val="0"/>
+            <a:satOff val="0"/>
+            <a:lumOff val="0"/>
+            <a:alphaOff val="0"/>
+          </a:schemeClr>
+        </a:solidFill>
+        <a:ln w="12700" cap="flat" cmpd="sng" algn="ctr">
+          <a:solidFill>
+            <a:schemeClr val="lt1">
+              <a:hueOff val="0"/>
+              <a:satOff val="0"/>
+              <a:lumOff val="0"/>
+              <a:alphaOff val="0"/>
+            </a:schemeClr>
+          </a:solidFill>
+          <a:prstDash val="solid"/>
+          <a:miter lim="800000"/>
+        </a:ln>
+        <a:effectLst/>
+      </dsp:spPr>
+      <dsp:style>
+        <a:lnRef idx="2">
+          <a:scrgbClr r="0" g="0" b="0"/>
+        </a:lnRef>
+        <a:fillRef idx="1">
+          <a:scrgbClr r="0" g="0" b="0"/>
+        </a:fillRef>
+        <a:effectRef idx="0">
+          <a:scrgbClr r="0" g="0" b="0"/>
+        </a:effectRef>
+        <a:fontRef idx="minor">
+          <a:schemeClr val="lt1"/>
+        </a:fontRef>
+      </dsp:style>
+    </dsp:sp>
+    <dsp:sp modelId="{FC1765AA-8827-4A3B-96DE-B9AF3E19190A}">
+      <dsp:nvSpPr>
+        <dsp:cNvPr id="0" name=""/>
+        <dsp:cNvSpPr/>
+      </dsp:nvSpPr>
+      <dsp:spPr>
+        <a:xfrm>
+          <a:off x="4138148" y="2624573"/>
+          <a:ext cx="1138109" cy="1749715"/>
+        </a:xfrm>
+        <a:prstGeom prst="rect">
+          <a:avLst/>
+        </a:prstGeom>
+        <a:noFill/>
+        <a:ln>
+          <a:noFill/>
+        </a:ln>
+        <a:effectLst/>
+      </dsp:spPr>
+      <dsp:style>
+        <a:lnRef idx="0">
+          <a:scrgbClr r="0" g="0" b="0"/>
+        </a:lnRef>
+        <a:fillRef idx="0">
+          <a:scrgbClr r="0" g="0" b="0"/>
+        </a:fillRef>
+        <a:effectRef idx="0">
+          <a:scrgbClr r="0" g="0" b="0"/>
+        </a:effectRef>
+        <a:fontRef idx="minor"/>
+      </dsp:style>
+      <dsp:txBody>
+        <a:bodyPr spcFirstLastPara="0" vert="horz" wrap="square" lIns="128016" tIns="128016" rIns="128016" bIns="128016" numCol="1" spcCol="1270" anchor="t" anchorCtr="0">
+          <a:noAutofit/>
+        </a:bodyPr>
+        <a:lstStyle/>
+        <a:p>
+          <a:pPr marL="0" lvl="0" indent="0" algn="ctr" defTabSz="800100">
+            <a:lnSpc>
+              <a:spcPct val="90000"/>
+            </a:lnSpc>
+            <a:spcBef>
+              <a:spcPct val="0"/>
+            </a:spcBef>
+            <a:spcAft>
+              <a:spcPct val="35000"/>
+            </a:spcAft>
+            <a:buNone/>
+          </a:pPr>
+          <a:r>
+            <a:rPr lang="de-DE" sz="1800" kern="1200" dirty="0"/>
+            <a:t>Auswertungs-möglich-</a:t>
+          </a:r>
+          <a:r>
+            <a:rPr lang="de-DE" sz="1800" kern="1200" dirty="0" err="1"/>
+            <a:t>keiten</a:t>
+          </a:r>
+          <a:endParaRPr lang="de-DE" sz="1800" kern="1200" dirty="0"/>
+        </a:p>
+      </dsp:txBody>
+      <dsp:txXfrm>
+        <a:off x="4138148" y="2624573"/>
+        <a:ext cx="1138109" cy="1749715"/>
+      </dsp:txXfrm>
+    </dsp:sp>
+    <dsp:sp modelId="{7E2E8543-0D7C-4008-BD8C-3D256F7C25F5}">
+      <dsp:nvSpPr>
+        <dsp:cNvPr id="0" name=""/>
+        <dsp:cNvSpPr/>
+      </dsp:nvSpPr>
+      <dsp:spPr>
+        <a:xfrm>
+          <a:off x="4488488" y="1968430"/>
+          <a:ext cx="437428" cy="437428"/>
+        </a:xfrm>
+        <a:prstGeom prst="ellipse">
+          <a:avLst/>
+        </a:prstGeom>
+        <a:solidFill>
+          <a:schemeClr val="accent5">
+            <a:hueOff val="0"/>
+            <a:satOff val="0"/>
+            <a:lumOff val="0"/>
+            <a:alphaOff val="0"/>
+          </a:schemeClr>
+        </a:solidFill>
+        <a:ln w="12700" cap="flat" cmpd="sng" algn="ctr">
+          <a:solidFill>
+            <a:schemeClr val="lt1">
+              <a:hueOff val="0"/>
+              <a:satOff val="0"/>
+              <a:lumOff val="0"/>
+              <a:alphaOff val="0"/>
+            </a:schemeClr>
+          </a:solidFill>
+          <a:prstDash val="solid"/>
+          <a:miter lim="800000"/>
+        </a:ln>
+        <a:effectLst/>
+      </dsp:spPr>
+      <dsp:style>
+        <a:lnRef idx="2">
+          <a:scrgbClr r="0" g="0" b="0"/>
+        </a:lnRef>
+        <a:fillRef idx="1">
+          <a:scrgbClr r="0" g="0" b="0"/>
+        </a:fillRef>
+        <a:effectRef idx="0">
+          <a:scrgbClr r="0" g="0" b="0"/>
+        </a:effectRef>
+        <a:fontRef idx="minor">
+          <a:schemeClr val="lt1"/>
+        </a:fontRef>
+      </dsp:style>
+    </dsp:sp>
+    <dsp:sp modelId="{5E297B2E-D491-48B0-83AA-6FDC1B681C83}">
+      <dsp:nvSpPr>
+        <dsp:cNvPr id="0" name=""/>
+        <dsp:cNvSpPr/>
+      </dsp:nvSpPr>
+      <dsp:spPr>
+        <a:xfrm>
+          <a:off x="5333163" y="0"/>
+          <a:ext cx="1331235" cy="1749715"/>
+        </a:xfrm>
+        <a:prstGeom prst="rect">
+          <a:avLst/>
+        </a:prstGeom>
+        <a:noFill/>
+        <a:ln>
+          <a:noFill/>
+        </a:ln>
+        <a:effectLst/>
+      </dsp:spPr>
+      <dsp:style>
+        <a:lnRef idx="0">
+          <a:scrgbClr r="0" g="0" b="0"/>
+        </a:lnRef>
+        <a:fillRef idx="0">
+          <a:scrgbClr r="0" g="0" b="0"/>
+        </a:fillRef>
+        <a:effectRef idx="0">
+          <a:scrgbClr r="0" g="0" b="0"/>
+        </a:effectRef>
+        <a:fontRef idx="minor"/>
+      </dsp:style>
+      <dsp:txBody>
+        <a:bodyPr spcFirstLastPara="0" vert="horz" wrap="square" lIns="128016" tIns="128016" rIns="128016" bIns="128016" numCol="1" spcCol="1270" anchor="b" anchorCtr="0">
+          <a:noAutofit/>
+        </a:bodyPr>
+        <a:lstStyle/>
+        <a:p>
+          <a:pPr marL="0" lvl="0" indent="0" algn="ctr" defTabSz="800100">
+            <a:lnSpc>
+              <a:spcPct val="90000"/>
+            </a:lnSpc>
+            <a:spcBef>
+              <a:spcPct val="0"/>
+            </a:spcBef>
+            <a:spcAft>
+              <a:spcPct val="35000"/>
+            </a:spcAft>
+            <a:buNone/>
+          </a:pPr>
+          <a:r>
+            <a:rPr lang="de-DE" sz="1800" kern="1200" dirty="0" err="1"/>
+            <a:t>Berecht</a:t>
+          </a:r>
+          <a:r>
+            <a:rPr lang="de-DE" sz="1800" kern="1200" dirty="0"/>
+            <a:t>-</a:t>
+          </a:r>
+          <a:r>
+            <a:rPr lang="de-DE" sz="1800" kern="1200" dirty="0" err="1"/>
+            <a:t>igungs</a:t>
+          </a:r>
+          <a:r>
+            <a:rPr lang="de-DE" sz="1800" kern="1200" dirty="0"/>
+            <a:t>-konzept</a:t>
+          </a:r>
+        </a:p>
+      </dsp:txBody>
+      <dsp:txXfrm>
+        <a:off x="5333163" y="0"/>
+        <a:ext cx="1331235" cy="1749715"/>
+      </dsp:txXfrm>
+    </dsp:sp>
+    <dsp:sp modelId="{7CB73C22-AC05-45AC-AFB7-61AE3E3320DA}">
+      <dsp:nvSpPr>
+        <dsp:cNvPr id="0" name=""/>
+        <dsp:cNvSpPr/>
+      </dsp:nvSpPr>
+      <dsp:spPr>
+        <a:xfrm>
+          <a:off x="5780066" y="1968430"/>
+          <a:ext cx="437428" cy="437428"/>
+        </a:xfrm>
+        <a:prstGeom prst="ellipse">
+          <a:avLst/>
+        </a:prstGeom>
+        <a:solidFill>
+          <a:schemeClr val="accent6">
+            <a:hueOff val="0"/>
+            <a:satOff val="0"/>
+            <a:lumOff val="0"/>
+            <a:alphaOff val="0"/>
+          </a:schemeClr>
+        </a:solidFill>
+        <a:ln w="12700" cap="flat" cmpd="sng" algn="ctr">
+          <a:solidFill>
+            <a:schemeClr val="lt1">
+              <a:hueOff val="0"/>
+              <a:satOff val="0"/>
+              <a:lumOff val="0"/>
+              <a:alphaOff val="0"/>
+            </a:schemeClr>
+          </a:solidFill>
+          <a:prstDash val="solid"/>
+          <a:miter lim="800000"/>
+        </a:ln>
+        <a:effectLst/>
+      </dsp:spPr>
+      <dsp:style>
+        <a:lnRef idx="2">
+          <a:scrgbClr r="0" g="0" b="0"/>
+        </a:lnRef>
+        <a:fillRef idx="1">
+          <a:scrgbClr r="0" g="0" b="0"/>
+        </a:fillRef>
+        <a:effectRef idx="0">
+          <a:scrgbClr r="0" g="0" b="0"/>
+        </a:effectRef>
+        <a:fontRef idx="minor">
+          <a:schemeClr val="lt1"/>
+        </a:fontRef>
+      </dsp:style>
+    </dsp:sp>
+    <dsp:sp modelId="{E5D9ACF9-4A40-43B3-B920-B7F4E448361C}">
+      <dsp:nvSpPr>
+        <dsp:cNvPr id="0" name=""/>
+        <dsp:cNvSpPr/>
+      </dsp:nvSpPr>
+      <dsp:spPr>
+        <a:xfrm>
+          <a:off x="6721304" y="2624573"/>
+          <a:ext cx="1325761" cy="1749715"/>
+        </a:xfrm>
+        <a:prstGeom prst="rect">
+          <a:avLst/>
+        </a:prstGeom>
+        <a:noFill/>
+        <a:ln>
+          <a:noFill/>
+        </a:ln>
+        <a:effectLst/>
+      </dsp:spPr>
+      <dsp:style>
+        <a:lnRef idx="0">
+          <a:scrgbClr r="0" g="0" b="0"/>
+        </a:lnRef>
+        <a:fillRef idx="0">
+          <a:scrgbClr r="0" g="0" b="0"/>
+        </a:fillRef>
+        <a:effectRef idx="0">
+          <a:scrgbClr r="0" g="0" b="0"/>
+        </a:effectRef>
+        <a:fontRef idx="minor"/>
+      </dsp:style>
+      <dsp:txBody>
+        <a:bodyPr spcFirstLastPara="0" vert="horz" wrap="square" lIns="128016" tIns="128016" rIns="128016" bIns="128016" numCol="1" spcCol="1270" anchor="t" anchorCtr="0">
+          <a:noAutofit/>
+        </a:bodyPr>
+        <a:lstStyle/>
+        <a:p>
+          <a:pPr marL="0" lvl="0" indent="0" algn="ctr" defTabSz="800100">
+            <a:lnSpc>
+              <a:spcPct val="90000"/>
+            </a:lnSpc>
+            <a:spcBef>
+              <a:spcPct val="0"/>
+            </a:spcBef>
+            <a:spcAft>
+              <a:spcPct val="35000"/>
+            </a:spcAft>
+            <a:buNone/>
+          </a:pPr>
+          <a:r>
+            <a:rPr lang="de-DE" sz="1800" kern="1200" dirty="0"/>
+            <a:t>Genehmigungs-konzept</a:t>
+          </a:r>
+        </a:p>
+      </dsp:txBody>
+      <dsp:txXfrm>
+        <a:off x="6721304" y="2624573"/>
+        <a:ext cx="1325761" cy="1749715"/>
+      </dsp:txXfrm>
+    </dsp:sp>
+    <dsp:sp modelId="{8977AAD3-F2CC-4EFA-850E-13D2EF96D176}">
+      <dsp:nvSpPr>
+        <dsp:cNvPr id="0" name=""/>
+        <dsp:cNvSpPr/>
+      </dsp:nvSpPr>
+      <dsp:spPr>
+        <a:xfrm>
+          <a:off x="7165471" y="1968430"/>
+          <a:ext cx="437428" cy="437428"/>
+        </a:xfrm>
+        <a:prstGeom prst="ellipse">
+          <a:avLst/>
+        </a:prstGeom>
+        <a:solidFill>
+          <a:schemeClr val="accent2">
+            <a:hueOff val="0"/>
+            <a:satOff val="0"/>
+            <a:lumOff val="0"/>
+            <a:alphaOff val="0"/>
+          </a:schemeClr>
+        </a:solidFill>
+        <a:ln w="12700" cap="flat" cmpd="sng" algn="ctr">
+          <a:solidFill>
+            <a:schemeClr val="lt1">
+              <a:hueOff val="0"/>
+              <a:satOff val="0"/>
+              <a:lumOff val="0"/>
+              <a:alphaOff val="0"/>
+            </a:schemeClr>
+          </a:solidFill>
+          <a:prstDash val="solid"/>
+          <a:miter lim="800000"/>
+        </a:ln>
+        <a:effectLst/>
+      </dsp:spPr>
+      <dsp:style>
+        <a:lnRef idx="2">
+          <a:scrgbClr r="0" g="0" b="0"/>
+        </a:lnRef>
+        <a:fillRef idx="1">
+          <a:scrgbClr r="0" g="0" b="0"/>
+        </a:fillRef>
+        <a:effectRef idx="0">
+          <a:scrgbClr r="0" g="0" b="0"/>
+        </a:effectRef>
+        <a:fontRef idx="minor">
+          <a:schemeClr val="lt1"/>
+        </a:fontRef>
+      </dsp:style>
+    </dsp:sp>
   </dsp:spTree>
 </dsp:drawing>
 </file>
@@ -13494,6 +15325,707 @@
       <dsp:cNvGrpSpPr/>
     </dsp:nvGrpSpPr>
     <dsp:grpSpPr/>
+    <dsp:sp modelId="{FB49B7F5-3A22-4C12-83B9-4AB39A05E819}">
+      <dsp:nvSpPr>
+        <dsp:cNvPr id="0" name=""/>
+        <dsp:cNvSpPr/>
+      </dsp:nvSpPr>
+      <dsp:spPr>
+        <a:xfrm>
+          <a:off x="0" y="1305931"/>
+          <a:ext cx="8945880" cy="1741242"/>
+        </a:xfrm>
+        <a:prstGeom prst="notchedRightArrow">
+          <a:avLst/>
+        </a:prstGeom>
+        <a:solidFill>
+          <a:schemeClr val="accent4">
+            <a:tint val="40000"/>
+            <a:hueOff val="0"/>
+            <a:satOff val="0"/>
+            <a:lumOff val="0"/>
+            <a:alphaOff val="0"/>
+          </a:schemeClr>
+        </a:solidFill>
+        <a:ln>
+          <a:noFill/>
+        </a:ln>
+        <a:effectLst/>
+      </dsp:spPr>
+      <dsp:style>
+        <a:lnRef idx="0">
+          <a:scrgbClr r="0" g="0" b="0"/>
+        </a:lnRef>
+        <a:fillRef idx="1">
+          <a:scrgbClr r="0" g="0" b="0"/>
+        </a:fillRef>
+        <a:effectRef idx="0">
+          <a:scrgbClr r="0" g="0" b="0"/>
+        </a:effectRef>
+        <a:fontRef idx="minor"/>
+      </dsp:style>
+    </dsp:sp>
+    <dsp:sp modelId="{CB6DD2AB-A749-490A-8260-2F8490854024}">
+      <dsp:nvSpPr>
+        <dsp:cNvPr id="0" name=""/>
+        <dsp:cNvSpPr/>
+      </dsp:nvSpPr>
+      <dsp:spPr>
+        <a:xfrm>
+          <a:off x="2211" y="0"/>
+          <a:ext cx="1287499" cy="1741242"/>
+        </a:xfrm>
+        <a:prstGeom prst="rect">
+          <a:avLst/>
+        </a:prstGeom>
+        <a:noFill/>
+        <a:ln>
+          <a:noFill/>
+        </a:ln>
+        <a:effectLst/>
+      </dsp:spPr>
+      <dsp:style>
+        <a:lnRef idx="0">
+          <a:scrgbClr r="0" g="0" b="0"/>
+        </a:lnRef>
+        <a:fillRef idx="0">
+          <a:scrgbClr r="0" g="0" b="0"/>
+        </a:fillRef>
+        <a:effectRef idx="0">
+          <a:scrgbClr r="0" g="0" b="0"/>
+        </a:effectRef>
+        <a:fontRef idx="minor"/>
+      </dsp:style>
+      <dsp:txBody>
+        <a:bodyPr spcFirstLastPara="0" vert="horz" wrap="square" lIns="120904" tIns="120904" rIns="120904" bIns="120904" numCol="1" spcCol="1270" anchor="b" anchorCtr="0">
+          <a:noAutofit/>
+        </a:bodyPr>
+        <a:lstStyle/>
+        <a:p>
+          <a:pPr marL="0" lvl="0" indent="0" algn="ctr" defTabSz="755650">
+            <a:lnSpc>
+              <a:spcPct val="90000"/>
+            </a:lnSpc>
+            <a:spcBef>
+              <a:spcPct val="0"/>
+            </a:spcBef>
+            <a:spcAft>
+              <a:spcPct val="35000"/>
+            </a:spcAft>
+            <a:buNone/>
+          </a:pPr>
+          <a:r>
+            <a:rPr lang="de-DE" sz="1700" kern="1200" dirty="0"/>
+            <a:t>Projektstart</a:t>
+          </a:r>
+        </a:p>
+      </dsp:txBody>
+      <dsp:txXfrm>
+        <a:off x="2211" y="0"/>
+        <a:ext cx="1287499" cy="1741242"/>
+      </dsp:txXfrm>
+    </dsp:sp>
+    <dsp:sp modelId="{6E7284F9-4A79-4A07-850F-77B26DA11FDE}">
+      <dsp:nvSpPr>
+        <dsp:cNvPr id="0" name=""/>
+        <dsp:cNvSpPr/>
+      </dsp:nvSpPr>
+      <dsp:spPr>
+        <a:xfrm>
+          <a:off x="428305" y="1958897"/>
+          <a:ext cx="435310" cy="435310"/>
+        </a:xfrm>
+        <a:prstGeom prst="ellipse">
+          <a:avLst/>
+        </a:prstGeom>
+        <a:solidFill>
+          <a:schemeClr val="accent4">
+            <a:hueOff val="0"/>
+            <a:satOff val="0"/>
+            <a:lumOff val="0"/>
+            <a:alphaOff val="0"/>
+          </a:schemeClr>
+        </a:solidFill>
+        <a:ln w="12700" cap="flat" cmpd="sng" algn="ctr">
+          <a:solidFill>
+            <a:schemeClr val="lt1">
+              <a:hueOff val="0"/>
+              <a:satOff val="0"/>
+              <a:lumOff val="0"/>
+              <a:alphaOff val="0"/>
+            </a:schemeClr>
+          </a:solidFill>
+          <a:prstDash val="solid"/>
+          <a:miter lim="800000"/>
+        </a:ln>
+        <a:effectLst/>
+      </dsp:spPr>
+      <dsp:style>
+        <a:lnRef idx="2">
+          <a:scrgbClr r="0" g="0" b="0"/>
+        </a:lnRef>
+        <a:fillRef idx="1">
+          <a:scrgbClr r="0" g="0" b="0"/>
+        </a:fillRef>
+        <a:effectRef idx="0">
+          <a:scrgbClr r="0" g="0" b="0"/>
+        </a:effectRef>
+        <a:fontRef idx="minor">
+          <a:schemeClr val="lt1"/>
+        </a:fontRef>
+      </dsp:style>
+    </dsp:sp>
+    <dsp:sp modelId="{D6735B8B-FBDF-4689-91C6-2FF1C6739863}">
+      <dsp:nvSpPr>
+        <dsp:cNvPr id="0" name=""/>
+        <dsp:cNvSpPr/>
+      </dsp:nvSpPr>
+      <dsp:spPr>
+        <a:xfrm>
+          <a:off x="1354085" y="2611863"/>
+          <a:ext cx="1287499" cy="1741242"/>
+        </a:xfrm>
+        <a:prstGeom prst="rect">
+          <a:avLst/>
+        </a:prstGeom>
+        <a:noFill/>
+        <a:ln>
+          <a:noFill/>
+        </a:ln>
+        <a:effectLst/>
+      </dsp:spPr>
+      <dsp:style>
+        <a:lnRef idx="0">
+          <a:scrgbClr r="0" g="0" b="0"/>
+        </a:lnRef>
+        <a:fillRef idx="0">
+          <a:scrgbClr r="0" g="0" b="0"/>
+        </a:fillRef>
+        <a:effectRef idx="0">
+          <a:scrgbClr r="0" g="0" b="0"/>
+        </a:effectRef>
+        <a:fontRef idx="minor"/>
+      </dsp:style>
+      <dsp:txBody>
+        <a:bodyPr spcFirstLastPara="0" vert="horz" wrap="square" lIns="120904" tIns="120904" rIns="120904" bIns="120904" numCol="1" spcCol="1270" anchor="t" anchorCtr="0">
+          <a:noAutofit/>
+        </a:bodyPr>
+        <a:lstStyle/>
+        <a:p>
+          <a:pPr marL="0" lvl="0" indent="0" algn="ctr" defTabSz="755650">
+            <a:lnSpc>
+              <a:spcPct val="90000"/>
+            </a:lnSpc>
+            <a:spcBef>
+              <a:spcPct val="0"/>
+            </a:spcBef>
+            <a:spcAft>
+              <a:spcPct val="35000"/>
+            </a:spcAft>
+            <a:buNone/>
+          </a:pPr>
+          <a:r>
+            <a:rPr lang="de-DE" sz="1700" kern="1200" dirty="0"/>
+            <a:t>Analyse</a:t>
+          </a:r>
+        </a:p>
+      </dsp:txBody>
+      <dsp:txXfrm>
+        <a:off x="1354085" y="2611863"/>
+        <a:ext cx="1287499" cy="1741242"/>
+      </dsp:txXfrm>
+    </dsp:sp>
+    <dsp:sp modelId="{4920143E-C946-44ED-815B-983F02B8DDE0}">
+      <dsp:nvSpPr>
+        <dsp:cNvPr id="0" name=""/>
+        <dsp:cNvSpPr/>
+      </dsp:nvSpPr>
+      <dsp:spPr>
+        <a:xfrm>
+          <a:off x="1780179" y="1958897"/>
+          <a:ext cx="435310" cy="435310"/>
+        </a:xfrm>
+        <a:prstGeom prst="ellipse">
+          <a:avLst/>
+        </a:prstGeom>
+        <a:solidFill>
+          <a:schemeClr val="accent4">
+            <a:hueOff val="2079139"/>
+            <a:satOff val="-9594"/>
+            <a:lumOff val="353"/>
+            <a:alphaOff val="0"/>
+          </a:schemeClr>
+        </a:solidFill>
+        <a:ln w="12700" cap="flat" cmpd="sng" algn="ctr">
+          <a:solidFill>
+            <a:schemeClr val="lt1">
+              <a:hueOff val="0"/>
+              <a:satOff val="0"/>
+              <a:lumOff val="0"/>
+              <a:alphaOff val="0"/>
+            </a:schemeClr>
+          </a:solidFill>
+          <a:prstDash val="solid"/>
+          <a:miter lim="800000"/>
+        </a:ln>
+        <a:effectLst/>
+      </dsp:spPr>
+      <dsp:style>
+        <a:lnRef idx="2">
+          <a:scrgbClr r="0" g="0" b="0"/>
+        </a:lnRef>
+        <a:fillRef idx="1">
+          <a:scrgbClr r="0" g="0" b="0"/>
+        </a:fillRef>
+        <a:effectRef idx="0">
+          <a:scrgbClr r="0" g="0" b="0"/>
+        </a:effectRef>
+        <a:fontRef idx="minor">
+          <a:schemeClr val="lt1"/>
+        </a:fontRef>
+      </dsp:style>
+    </dsp:sp>
+    <dsp:sp modelId="{3D300439-C4AB-44FE-92AB-D7DC18974DDB}">
+      <dsp:nvSpPr>
+        <dsp:cNvPr id="0" name=""/>
+        <dsp:cNvSpPr/>
+      </dsp:nvSpPr>
+      <dsp:spPr>
+        <a:xfrm>
+          <a:off x="2705959" y="0"/>
+          <a:ext cx="1287499" cy="1741242"/>
+        </a:xfrm>
+        <a:prstGeom prst="rect">
+          <a:avLst/>
+        </a:prstGeom>
+        <a:noFill/>
+        <a:ln>
+          <a:noFill/>
+        </a:ln>
+        <a:effectLst/>
+      </dsp:spPr>
+      <dsp:style>
+        <a:lnRef idx="0">
+          <a:scrgbClr r="0" g="0" b="0"/>
+        </a:lnRef>
+        <a:fillRef idx="0">
+          <a:scrgbClr r="0" g="0" b="0"/>
+        </a:fillRef>
+        <a:effectRef idx="0">
+          <a:scrgbClr r="0" g="0" b="0"/>
+        </a:effectRef>
+        <a:fontRef idx="minor"/>
+      </dsp:style>
+      <dsp:txBody>
+        <a:bodyPr spcFirstLastPara="0" vert="horz" wrap="square" lIns="120904" tIns="120904" rIns="120904" bIns="120904" numCol="1" spcCol="1270" anchor="b" anchorCtr="0">
+          <a:noAutofit/>
+        </a:bodyPr>
+        <a:lstStyle/>
+        <a:p>
+          <a:pPr marL="0" lvl="0" indent="0" algn="ctr" defTabSz="755650">
+            <a:lnSpc>
+              <a:spcPct val="90000"/>
+            </a:lnSpc>
+            <a:spcBef>
+              <a:spcPct val="0"/>
+            </a:spcBef>
+            <a:spcAft>
+              <a:spcPct val="35000"/>
+            </a:spcAft>
+            <a:buNone/>
+          </a:pPr>
+          <a:r>
+            <a:rPr lang="de-DE" sz="1700" kern="1200" dirty="0"/>
+            <a:t>Konzeption</a:t>
+          </a:r>
+        </a:p>
+      </dsp:txBody>
+      <dsp:txXfrm>
+        <a:off x="2705959" y="0"/>
+        <a:ext cx="1287499" cy="1741242"/>
+      </dsp:txXfrm>
+    </dsp:sp>
+    <dsp:sp modelId="{A19AA833-E368-481A-B405-B15DAA8C9FB5}">
+      <dsp:nvSpPr>
+        <dsp:cNvPr id="0" name=""/>
+        <dsp:cNvSpPr/>
+      </dsp:nvSpPr>
+      <dsp:spPr>
+        <a:xfrm>
+          <a:off x="3132053" y="1958897"/>
+          <a:ext cx="435310" cy="435310"/>
+        </a:xfrm>
+        <a:prstGeom prst="ellipse">
+          <a:avLst/>
+        </a:prstGeom>
+        <a:solidFill>
+          <a:schemeClr val="accent4">
+            <a:hueOff val="4158277"/>
+            <a:satOff val="-19187"/>
+            <a:lumOff val="706"/>
+            <a:alphaOff val="0"/>
+          </a:schemeClr>
+        </a:solidFill>
+        <a:ln w="12700" cap="flat" cmpd="sng" algn="ctr">
+          <a:solidFill>
+            <a:schemeClr val="lt1">
+              <a:hueOff val="0"/>
+              <a:satOff val="0"/>
+              <a:lumOff val="0"/>
+              <a:alphaOff val="0"/>
+            </a:schemeClr>
+          </a:solidFill>
+          <a:prstDash val="solid"/>
+          <a:miter lim="800000"/>
+        </a:ln>
+        <a:effectLst/>
+      </dsp:spPr>
+      <dsp:style>
+        <a:lnRef idx="2">
+          <a:scrgbClr r="0" g="0" b="0"/>
+        </a:lnRef>
+        <a:fillRef idx="1">
+          <a:scrgbClr r="0" g="0" b="0"/>
+        </a:fillRef>
+        <a:effectRef idx="0">
+          <a:scrgbClr r="0" g="0" b="0"/>
+        </a:effectRef>
+        <a:fontRef idx="minor">
+          <a:schemeClr val="lt1"/>
+        </a:fontRef>
+      </dsp:style>
+    </dsp:sp>
+    <dsp:sp modelId="{9FB0F78A-9F62-49D6-AB21-C2C30C3BAF80}">
+      <dsp:nvSpPr>
+        <dsp:cNvPr id="0" name=""/>
+        <dsp:cNvSpPr/>
+      </dsp:nvSpPr>
+      <dsp:spPr>
+        <a:xfrm>
+          <a:off x="4057833" y="2611863"/>
+          <a:ext cx="1287499" cy="1741242"/>
+        </a:xfrm>
+        <a:prstGeom prst="rect">
+          <a:avLst/>
+        </a:prstGeom>
+        <a:noFill/>
+        <a:ln>
+          <a:noFill/>
+        </a:ln>
+        <a:effectLst/>
+      </dsp:spPr>
+      <dsp:style>
+        <a:lnRef idx="0">
+          <a:scrgbClr r="0" g="0" b="0"/>
+        </a:lnRef>
+        <a:fillRef idx="0">
+          <a:scrgbClr r="0" g="0" b="0"/>
+        </a:fillRef>
+        <a:effectRef idx="0">
+          <a:scrgbClr r="0" g="0" b="0"/>
+        </a:effectRef>
+        <a:fontRef idx="minor"/>
+      </dsp:style>
+      <dsp:txBody>
+        <a:bodyPr spcFirstLastPara="0" vert="horz" wrap="square" lIns="142240" tIns="142240" rIns="142240" bIns="142240" numCol="1" spcCol="1270" anchor="t" anchorCtr="0">
+          <a:noAutofit/>
+        </a:bodyPr>
+        <a:lstStyle/>
+        <a:p>
+          <a:pPr marL="0" lvl="0" indent="0" algn="ctr" defTabSz="889000">
+            <a:lnSpc>
+              <a:spcPct val="90000"/>
+            </a:lnSpc>
+            <a:spcBef>
+              <a:spcPct val="0"/>
+            </a:spcBef>
+            <a:spcAft>
+              <a:spcPct val="35000"/>
+            </a:spcAft>
+            <a:buNone/>
+          </a:pPr>
+          <a:r>
+            <a:rPr lang="de-DE" sz="2000" b="1" kern="1200" dirty="0" err="1"/>
+            <a:t>Imple-men-tierung</a:t>
+          </a:r>
+          <a:endParaRPr lang="de-DE" sz="2000" b="1" kern="1200" dirty="0"/>
+        </a:p>
+      </dsp:txBody>
+      <dsp:txXfrm>
+        <a:off x="4057833" y="2611863"/>
+        <a:ext cx="1287499" cy="1741242"/>
+      </dsp:txXfrm>
+    </dsp:sp>
+    <dsp:sp modelId="{07DA2D36-211C-46BA-8554-0CD0D3B05FA7}">
+      <dsp:nvSpPr>
+        <dsp:cNvPr id="0" name=""/>
+        <dsp:cNvSpPr/>
+      </dsp:nvSpPr>
+      <dsp:spPr>
+        <a:xfrm>
+          <a:off x="4483927" y="1958897"/>
+          <a:ext cx="435310" cy="435310"/>
+        </a:xfrm>
+        <a:prstGeom prst="ellipse">
+          <a:avLst/>
+        </a:prstGeom>
+        <a:solidFill>
+          <a:schemeClr val="accent4">
+            <a:hueOff val="6237415"/>
+            <a:satOff val="-28781"/>
+            <a:lumOff val="1059"/>
+            <a:alphaOff val="0"/>
+          </a:schemeClr>
+        </a:solidFill>
+        <a:ln w="12700" cap="flat" cmpd="sng" algn="ctr">
+          <a:solidFill>
+            <a:schemeClr val="lt1">
+              <a:hueOff val="0"/>
+              <a:satOff val="0"/>
+              <a:lumOff val="0"/>
+              <a:alphaOff val="0"/>
+            </a:schemeClr>
+          </a:solidFill>
+          <a:prstDash val="solid"/>
+          <a:miter lim="800000"/>
+        </a:ln>
+        <a:effectLst/>
+      </dsp:spPr>
+      <dsp:style>
+        <a:lnRef idx="2">
+          <a:scrgbClr r="0" g="0" b="0"/>
+        </a:lnRef>
+        <a:fillRef idx="1">
+          <a:scrgbClr r="0" g="0" b="0"/>
+        </a:fillRef>
+        <a:effectRef idx="0">
+          <a:scrgbClr r="0" g="0" b="0"/>
+        </a:effectRef>
+        <a:fontRef idx="minor">
+          <a:schemeClr val="lt1"/>
+        </a:fontRef>
+      </dsp:style>
+    </dsp:sp>
+    <dsp:sp modelId="{5860C026-35A1-41ED-97E2-BF1B316C0872}">
+      <dsp:nvSpPr>
+        <dsp:cNvPr id="0" name=""/>
+        <dsp:cNvSpPr/>
+      </dsp:nvSpPr>
+      <dsp:spPr>
+        <a:xfrm>
+          <a:off x="5409707" y="0"/>
+          <a:ext cx="1287499" cy="1741242"/>
+        </a:xfrm>
+        <a:prstGeom prst="rect">
+          <a:avLst/>
+        </a:prstGeom>
+        <a:noFill/>
+        <a:ln>
+          <a:noFill/>
+        </a:ln>
+        <a:effectLst/>
+      </dsp:spPr>
+      <dsp:style>
+        <a:lnRef idx="0">
+          <a:scrgbClr r="0" g="0" b="0"/>
+        </a:lnRef>
+        <a:fillRef idx="0">
+          <a:scrgbClr r="0" g="0" b="0"/>
+        </a:fillRef>
+        <a:effectRef idx="0">
+          <a:scrgbClr r="0" g="0" b="0"/>
+        </a:effectRef>
+        <a:fontRef idx="minor"/>
+      </dsp:style>
+      <dsp:txBody>
+        <a:bodyPr spcFirstLastPara="0" vert="horz" wrap="square" lIns="120904" tIns="120904" rIns="120904" bIns="120904" numCol="1" spcCol="1270" anchor="b" anchorCtr="0">
+          <a:noAutofit/>
+        </a:bodyPr>
+        <a:lstStyle/>
+        <a:p>
+          <a:pPr marL="0" lvl="0" indent="0" algn="ctr" defTabSz="755650">
+            <a:lnSpc>
+              <a:spcPct val="90000"/>
+            </a:lnSpc>
+            <a:spcBef>
+              <a:spcPct val="0"/>
+            </a:spcBef>
+            <a:spcAft>
+              <a:spcPct val="35000"/>
+            </a:spcAft>
+            <a:buNone/>
+          </a:pPr>
+          <a:r>
+            <a:rPr lang="de-DE" sz="1700" kern="1200" dirty="0"/>
+            <a:t>Tests</a:t>
+          </a:r>
+        </a:p>
+      </dsp:txBody>
+      <dsp:txXfrm>
+        <a:off x="5409707" y="0"/>
+        <a:ext cx="1287499" cy="1741242"/>
+      </dsp:txXfrm>
+    </dsp:sp>
+    <dsp:sp modelId="{0F7D4D9C-D024-4B50-9CEF-A7B9BED1A59E}">
+      <dsp:nvSpPr>
+        <dsp:cNvPr id="0" name=""/>
+        <dsp:cNvSpPr/>
+      </dsp:nvSpPr>
+      <dsp:spPr>
+        <a:xfrm>
+          <a:off x="5835801" y="1958897"/>
+          <a:ext cx="435310" cy="435310"/>
+        </a:xfrm>
+        <a:prstGeom prst="ellipse">
+          <a:avLst/>
+        </a:prstGeom>
+        <a:solidFill>
+          <a:schemeClr val="accent4">
+            <a:hueOff val="8316554"/>
+            <a:satOff val="-38374"/>
+            <a:lumOff val="1412"/>
+            <a:alphaOff val="0"/>
+          </a:schemeClr>
+        </a:solidFill>
+        <a:ln w="12700" cap="flat" cmpd="sng" algn="ctr">
+          <a:solidFill>
+            <a:schemeClr val="lt1">
+              <a:hueOff val="0"/>
+              <a:satOff val="0"/>
+              <a:lumOff val="0"/>
+              <a:alphaOff val="0"/>
+            </a:schemeClr>
+          </a:solidFill>
+          <a:prstDash val="solid"/>
+          <a:miter lim="800000"/>
+        </a:ln>
+        <a:effectLst/>
+      </dsp:spPr>
+      <dsp:style>
+        <a:lnRef idx="2">
+          <a:scrgbClr r="0" g="0" b="0"/>
+        </a:lnRef>
+        <a:fillRef idx="1">
+          <a:scrgbClr r="0" g="0" b="0"/>
+        </a:fillRef>
+        <a:effectRef idx="0">
+          <a:scrgbClr r="0" g="0" b="0"/>
+        </a:effectRef>
+        <a:fontRef idx="minor">
+          <a:schemeClr val="lt1"/>
+        </a:fontRef>
+      </dsp:style>
+    </dsp:sp>
+    <dsp:sp modelId="{0C78B11E-A66E-431B-A13F-A7707D4801A5}">
+      <dsp:nvSpPr>
+        <dsp:cNvPr id="0" name=""/>
+        <dsp:cNvSpPr/>
+      </dsp:nvSpPr>
+      <dsp:spPr>
+        <a:xfrm>
+          <a:off x="6761581" y="2611863"/>
+          <a:ext cx="1287499" cy="1741242"/>
+        </a:xfrm>
+        <a:prstGeom prst="rect">
+          <a:avLst/>
+        </a:prstGeom>
+        <a:noFill/>
+        <a:ln>
+          <a:noFill/>
+        </a:ln>
+        <a:effectLst/>
+      </dsp:spPr>
+      <dsp:style>
+        <a:lnRef idx="0">
+          <a:scrgbClr r="0" g="0" b="0"/>
+        </a:lnRef>
+        <a:fillRef idx="0">
+          <a:scrgbClr r="0" g="0" b="0"/>
+        </a:fillRef>
+        <a:effectRef idx="0">
+          <a:scrgbClr r="0" g="0" b="0"/>
+        </a:effectRef>
+        <a:fontRef idx="minor"/>
+      </dsp:style>
+      <dsp:txBody>
+        <a:bodyPr spcFirstLastPara="0" vert="horz" wrap="square" lIns="120904" tIns="120904" rIns="120904" bIns="120904" numCol="1" spcCol="1270" anchor="t" anchorCtr="0">
+          <a:noAutofit/>
+        </a:bodyPr>
+        <a:lstStyle/>
+        <a:p>
+          <a:pPr marL="0" lvl="0" indent="0" algn="ctr" defTabSz="755650">
+            <a:lnSpc>
+              <a:spcPct val="90000"/>
+            </a:lnSpc>
+            <a:spcBef>
+              <a:spcPct val="0"/>
+            </a:spcBef>
+            <a:spcAft>
+              <a:spcPct val="35000"/>
+            </a:spcAft>
+            <a:buNone/>
+          </a:pPr>
+          <a:r>
+            <a:rPr lang="de-DE" sz="1700" kern="1200" dirty="0"/>
+            <a:t>Abschluss</a:t>
+          </a:r>
+        </a:p>
+      </dsp:txBody>
+      <dsp:txXfrm>
+        <a:off x="6761581" y="2611863"/>
+        <a:ext cx="1287499" cy="1741242"/>
+      </dsp:txXfrm>
+    </dsp:sp>
+    <dsp:sp modelId="{780E75BD-E781-4CA5-8721-23933D136A97}">
+      <dsp:nvSpPr>
+        <dsp:cNvPr id="0" name=""/>
+        <dsp:cNvSpPr/>
+      </dsp:nvSpPr>
+      <dsp:spPr>
+        <a:xfrm>
+          <a:off x="7187675" y="1958897"/>
+          <a:ext cx="435310" cy="435310"/>
+        </a:xfrm>
+        <a:prstGeom prst="ellipse">
+          <a:avLst/>
+        </a:prstGeom>
+        <a:solidFill>
+          <a:schemeClr val="accent4">
+            <a:hueOff val="10395692"/>
+            <a:satOff val="-47968"/>
+            <a:lumOff val="1765"/>
+            <a:alphaOff val="0"/>
+          </a:schemeClr>
+        </a:solidFill>
+        <a:ln w="12700" cap="flat" cmpd="sng" algn="ctr">
+          <a:solidFill>
+            <a:schemeClr val="lt1">
+              <a:hueOff val="0"/>
+              <a:satOff val="0"/>
+              <a:lumOff val="0"/>
+              <a:alphaOff val="0"/>
+            </a:schemeClr>
+          </a:solidFill>
+          <a:prstDash val="solid"/>
+          <a:miter lim="800000"/>
+        </a:ln>
+        <a:effectLst/>
+      </dsp:spPr>
+      <dsp:style>
+        <a:lnRef idx="2">
+          <a:scrgbClr r="0" g="0" b="0"/>
+        </a:lnRef>
+        <a:fillRef idx="1">
+          <a:scrgbClr r="0" g="0" b="0"/>
+        </a:fillRef>
+        <a:effectRef idx="0">
+          <a:scrgbClr r="0" g="0" b="0"/>
+        </a:effectRef>
+        <a:fontRef idx="minor">
+          <a:schemeClr val="lt1"/>
+        </a:fontRef>
+      </dsp:style>
+    </dsp:sp>
   </dsp:spTree>
 </dsp:drawing>
 </file>
@@ -31113,7 +33645,7 @@
           <p:nvPr>
             <p:extLst>
               <p:ext uri="{386F3935-93C4-4BCD-93E2-E3B085C9AB24}">
-                <p16:designElem xmlns:p16="http://schemas.microsoft.com/office/powerpoint/2015/main" xmlns="" val="1"/>
+                <p16:designElem xmlns:p16="http://schemas.microsoft.com/office/powerpoint/2015/main" val="1"/>
               </p:ext>
             </p:extLst>
           </p:nvPr>
@@ -31246,7 +33778,7 @@
           <p:nvPr>
             <p:extLst>
               <p:ext uri="{386F3935-93C4-4BCD-93E2-E3B085C9AB24}">
-                <p16:designElem xmlns:p16="http://schemas.microsoft.com/office/powerpoint/2015/main" xmlns="" val="1"/>
+                <p16:designElem xmlns:p16="http://schemas.microsoft.com/office/powerpoint/2015/main" val="1"/>
               </p:ext>
             </p:extLst>
           </p:nvPr>
@@ -31979,13 +34511,13 @@
           <p:nvPr>
             <p:extLst>
               <p:ext uri="{D42A27DB-BD31-4B8C-83A1-F6EECF244321}">
-                <p14:modId xmlns:p14="http://schemas.microsoft.com/office/powerpoint/2010/main" val="3941830306"/>
+                <p14:modId xmlns:p14="http://schemas.microsoft.com/office/powerpoint/2010/main" val="280148121"/>
               </p:ext>
             </p:extLst>
           </p:nvPr>
         </p:nvGraphicFramePr>
         <p:xfrm>
-          <a:off x="6835709" y="1241652"/>
+          <a:off x="6685981" y="785473"/>
           <a:ext cx="5356291" cy="5639119"/>
         </p:xfrm>
         <a:graphic>
@@ -31998,47 +34530,59 @@
                 <a:gridCol w="2018500">
                   <a:extLst>
                     <a:ext uri="{9D8B030D-6E8A-4147-A177-3AD203B41FA5}">
-                      <a16:colId xmlns:a16="http://schemas.microsoft.com/office/drawing/2014/main" xmlns="" val="3890052851"/>
+                      <a16:colId xmlns:a16="http://schemas.microsoft.com/office/drawing/2014/main" val="3890052851"/>
                     </a:ext>
                   </a:extLst>
                 </a:gridCol>
                 <a:gridCol w="463528">
                   <a:extLst>
                     <a:ext uri="{9D8B030D-6E8A-4147-A177-3AD203B41FA5}">
-                      <a16:colId xmlns:a16="http://schemas.microsoft.com/office/drawing/2014/main" xmlns="" val="4190835617"/>
+                      <a16:colId xmlns:a16="http://schemas.microsoft.com/office/drawing/2014/main" val="4190835617"/>
                     </a:ext>
                   </a:extLst>
                 </a:gridCol>
                 <a:gridCol w="448056">
                   <a:extLst>
                     <a:ext uri="{9D8B030D-6E8A-4147-A177-3AD203B41FA5}">
-                      <a16:colId xmlns:a16="http://schemas.microsoft.com/office/drawing/2014/main" xmlns="" val="1029472945"/>
+                      <a16:colId xmlns:a16="http://schemas.microsoft.com/office/drawing/2014/main" val="1029472945"/>
                     </a:ext>
                   </a:extLst>
                 </a:gridCol>
                 <a:gridCol w="493776">
                   <a:extLst>
                     <a:ext uri="{9D8B030D-6E8A-4147-A177-3AD203B41FA5}">
-                      <a16:colId xmlns:a16="http://schemas.microsoft.com/office/drawing/2014/main" xmlns="" val="141393238"/>
+                      <a16:colId xmlns:a16="http://schemas.microsoft.com/office/drawing/2014/main" val="141393238"/>
                     </a:ext>
                   </a:extLst>
                 </a:gridCol>
                 <a:gridCol w="448056">
                   <a:extLst>
                     <a:ext uri="{9D8B030D-6E8A-4147-A177-3AD203B41FA5}">
-                      <a16:colId xmlns:a16="http://schemas.microsoft.com/office/drawing/2014/main" xmlns="" val="2502287318"/>
+                      <a16:colId xmlns:a16="http://schemas.microsoft.com/office/drawing/2014/main" val="2502287318"/>
                     </a:ext>
                   </a:extLst>
                 </a:gridCol>
                 <a:gridCol w="411480">
                   <a:extLst>
                     <a:ext uri="{9D8B030D-6E8A-4147-A177-3AD203B41FA5}">
-                      <a16:colId xmlns:a16="http://schemas.microsoft.com/office/drawing/2014/main" xmlns="" val="2223433287"/>
+                      <a16:colId xmlns:a16="http://schemas.microsoft.com/office/drawing/2014/main" val="2223433287"/>
                     </a:ext>
                   </a:extLst>
                 </a:gridCol>
-                <a:gridCol w="448056"/>
-                <a:gridCol w="624839"/>
+                <a:gridCol w="448056">
+                  <a:extLst>
+                    <a:ext uri="{9D8B030D-6E8A-4147-A177-3AD203B41FA5}">
+                      <a16:colId xmlns:a16="http://schemas.microsoft.com/office/drawing/2014/main" val="20006"/>
+                    </a:ext>
+                  </a:extLst>
+                </a:gridCol>
+                <a:gridCol w="624839">
+                  <a:extLst>
+                    <a:ext uri="{9D8B030D-6E8A-4147-A177-3AD203B41FA5}">
+                      <a16:colId xmlns:a16="http://schemas.microsoft.com/office/drawing/2014/main" val="20007"/>
+                    </a:ext>
+                  </a:extLst>
+                </a:gridCol>
               </a:tblGrid>
               <a:tr h="293546">
                 <a:tc>
@@ -32074,13 +34618,8 @@
                     <a:p>
                       <a:r>
                         <a:rPr lang="de-DE" sz="1200" dirty="0"/>
-                        <a:t>P</a:t>
+                        <a:t>PL</a:t>
                       </a:r>
-                      <a:r>
-                        <a:rPr lang="de-DE" sz="1200" dirty="0" smtClean="0"/>
-                        <a:t>L</a:t>
-                      </a:r>
-                      <a:endParaRPr lang="de-DE" sz="1200" dirty="0"/>
                     </a:p>
                   </a:txBody>
                   <a:tcPr/>
@@ -32092,13 +34631,8 @@
                     <a:p>
                       <a:r>
                         <a:rPr lang="de-DE" sz="1200" dirty="0"/>
-                        <a:t>T</a:t>
+                        <a:t>TL</a:t>
                       </a:r>
-                      <a:r>
-                        <a:rPr lang="de-DE" sz="1200" dirty="0" smtClean="0"/>
-                        <a:t>L</a:t>
-                      </a:r>
-                      <a:endParaRPr lang="de-DE" sz="1200" dirty="0"/>
                     </a:p>
                   </a:txBody>
                   <a:tcPr/>
@@ -32135,10 +34669,9 @@
                     <a:lstStyle/>
                     <a:p>
                       <a:r>
-                        <a:rPr lang="de-DE" sz="1200" dirty="0" smtClean="0"/>
+                        <a:rPr lang="de-DE" sz="1200" dirty="0"/>
                         <a:t>GF</a:t>
                       </a:r>
-                      <a:endParaRPr lang="de-DE" sz="1200" dirty="0"/>
                     </a:p>
                   </a:txBody>
                   <a:tcPr/>
@@ -32149,17 +34682,16 @@
                     <a:lstStyle/>
                     <a:p>
                       <a:r>
-                        <a:rPr lang="de-DE" sz="1200" dirty="0" smtClean="0"/>
+                        <a:rPr lang="de-DE" sz="1200" dirty="0"/>
                         <a:t>Admin</a:t>
                       </a:r>
-                      <a:endParaRPr lang="de-DE" sz="1200" dirty="0"/>
                     </a:p>
                   </a:txBody>
                   <a:tcPr/>
                 </a:tc>
                 <a:extLst>
                   <a:ext uri="{0D108BD9-81ED-4DB2-BD59-A6C34878D82A}">
-                    <a16:rowId xmlns:a16="http://schemas.microsoft.com/office/drawing/2014/main" xmlns="" val="2835971278"/>
+                    <a16:rowId xmlns:a16="http://schemas.microsoft.com/office/drawing/2014/main" val="2835971278"/>
                   </a:ext>
                 </a:extLst>
               </a:tr>
@@ -32277,7 +34809,7 @@
                 </a:tc>
                 <a:extLst>
                   <a:ext uri="{0D108BD9-81ED-4DB2-BD59-A6C34878D82A}">
-                    <a16:rowId xmlns:a16="http://schemas.microsoft.com/office/drawing/2014/main" xmlns="" val="1205867246"/>
+                    <a16:rowId xmlns:a16="http://schemas.microsoft.com/office/drawing/2014/main" val="1205867246"/>
                   </a:ext>
                 </a:extLst>
               </a:tr>
@@ -32395,7 +34927,7 @@
                 </a:tc>
                 <a:extLst>
                   <a:ext uri="{0D108BD9-81ED-4DB2-BD59-A6C34878D82A}">
-                    <a16:rowId xmlns:a16="http://schemas.microsoft.com/office/drawing/2014/main" xmlns="" val="1474429271"/>
+                    <a16:rowId xmlns:a16="http://schemas.microsoft.com/office/drawing/2014/main" val="1474429271"/>
                   </a:ext>
                 </a:extLst>
               </a:tr>
@@ -32520,7 +35052,7 @@
                 </a:tc>
                 <a:extLst>
                   <a:ext uri="{0D108BD9-81ED-4DB2-BD59-A6C34878D82A}">
-                    <a16:rowId xmlns:a16="http://schemas.microsoft.com/office/drawing/2014/main" xmlns="" val="2621396672"/>
+                    <a16:rowId xmlns:a16="http://schemas.microsoft.com/office/drawing/2014/main" val="2621396672"/>
                   </a:ext>
                 </a:extLst>
               </a:tr>
@@ -32668,7 +35200,7 @@
                 </a:tc>
                 <a:extLst>
                   <a:ext uri="{0D108BD9-81ED-4DB2-BD59-A6C34878D82A}">
-                    <a16:rowId xmlns:a16="http://schemas.microsoft.com/office/drawing/2014/main" xmlns="" val="3970782480"/>
+                    <a16:rowId xmlns:a16="http://schemas.microsoft.com/office/drawing/2014/main" val="3970782480"/>
                   </a:ext>
                 </a:extLst>
               </a:tr>
@@ -32799,7 +35331,7 @@
                 </a:tc>
                 <a:extLst>
                   <a:ext uri="{0D108BD9-81ED-4DB2-BD59-A6C34878D82A}">
-                    <a16:rowId xmlns:a16="http://schemas.microsoft.com/office/drawing/2014/main" xmlns="" val="728510251"/>
+                    <a16:rowId xmlns:a16="http://schemas.microsoft.com/office/drawing/2014/main" val="728510251"/>
                   </a:ext>
                 </a:extLst>
               </a:tr>
@@ -32945,7 +35477,7 @@
                 </a:tc>
                 <a:extLst>
                   <a:ext uri="{0D108BD9-81ED-4DB2-BD59-A6C34878D82A}">
-                    <a16:rowId xmlns:a16="http://schemas.microsoft.com/office/drawing/2014/main" xmlns="" val="2918448282"/>
+                    <a16:rowId xmlns:a16="http://schemas.microsoft.com/office/drawing/2014/main" val="2918448282"/>
                   </a:ext>
                 </a:extLst>
               </a:tr>
@@ -33078,7 +35610,7 @@
                 </a:tc>
                 <a:extLst>
                   <a:ext uri="{0D108BD9-81ED-4DB2-BD59-A6C34878D82A}">
-                    <a16:rowId xmlns:a16="http://schemas.microsoft.com/office/drawing/2014/main" xmlns="" val="2631188810"/>
+                    <a16:rowId xmlns:a16="http://schemas.microsoft.com/office/drawing/2014/main" val="2631188810"/>
                   </a:ext>
                 </a:extLst>
               </a:tr>
@@ -33214,7 +35746,7 @@
                 </a:tc>
                 <a:extLst>
                   <a:ext uri="{0D108BD9-81ED-4DB2-BD59-A6C34878D82A}">
-                    <a16:rowId xmlns:a16="http://schemas.microsoft.com/office/drawing/2014/main" xmlns="" val="2673323130"/>
+                    <a16:rowId xmlns:a16="http://schemas.microsoft.com/office/drawing/2014/main" val="2673323130"/>
                   </a:ext>
                 </a:extLst>
               </a:tr>
@@ -33230,11 +35762,7 @@
                       </a:r>
                       <a:r>
                         <a:rPr lang="de-DE" sz="1200" baseline="0" dirty="0"/>
-                        <a:t> </a:t>
-                      </a:r>
-                      <a:r>
-                        <a:rPr lang="de-DE" sz="1200" baseline="0" dirty="0" smtClean="0"/>
-                        <a:t>ablehnen</a:t>
+                        <a:t> ablehnen</a:t>
                       </a:r>
                       <a:endParaRPr lang="de-DE" sz="1200" dirty="0"/>
                     </a:p>
@@ -33266,10 +35794,9 @@
                     <a:p>
                       <a:pPr algn="ctr"/>
                       <a:r>
-                        <a:rPr lang="de-DE" sz="1050" dirty="0" smtClean="0"/>
+                        <a:rPr lang="de-DE" sz="1050" dirty="0"/>
                         <a:t>X</a:t>
                       </a:r>
-                      <a:endParaRPr lang="de-DE" sz="1050" dirty="0"/>
                     </a:p>
                   </a:txBody>
                   <a:tcPr>
@@ -33352,7 +35879,7 @@
                 </a:tc>
                 <a:extLst>
                   <a:ext uri="{0D108BD9-81ED-4DB2-BD59-A6C34878D82A}">
-                    <a16:rowId xmlns:a16="http://schemas.microsoft.com/office/drawing/2014/main" xmlns="" val="3060382264"/>
+                    <a16:rowId xmlns:a16="http://schemas.microsoft.com/office/drawing/2014/main" val="3060382264"/>
                   </a:ext>
                 </a:extLst>
               </a:tr>
@@ -33410,10 +35937,9 @@
                     <a:p>
                       <a:pPr algn="ctr"/>
                       <a:r>
-                        <a:rPr lang="de-DE" sz="1050" dirty="0" smtClean="0"/>
+                        <a:rPr lang="de-DE" sz="1050" dirty="0"/>
                         <a:t>X</a:t>
                       </a:r>
-                      <a:endParaRPr lang="de-DE" sz="1050" dirty="0"/>
                     </a:p>
                   </a:txBody>
                   <a:tcPr>
@@ -33481,7 +36007,7 @@
                 </a:tc>
                 <a:extLst>
                   <a:ext uri="{0D108BD9-81ED-4DB2-BD59-A6C34878D82A}">
-                    <a16:rowId xmlns:a16="http://schemas.microsoft.com/office/drawing/2014/main" xmlns="" val="1899489058"/>
+                    <a16:rowId xmlns:a16="http://schemas.microsoft.com/office/drawing/2014/main" val="1899489058"/>
                   </a:ext>
                 </a:extLst>
               </a:tr>
@@ -33615,7 +36141,7 @@
                 </a:tc>
                 <a:extLst>
                   <a:ext uri="{0D108BD9-81ED-4DB2-BD59-A6C34878D82A}">
-                    <a16:rowId xmlns:a16="http://schemas.microsoft.com/office/drawing/2014/main" xmlns="" val="334072396"/>
+                    <a16:rowId xmlns:a16="http://schemas.microsoft.com/office/drawing/2014/main" val="334072396"/>
                   </a:ext>
                 </a:extLst>
               </a:tr>
@@ -33746,7 +36272,7 @@
                 </a:tc>
                 <a:extLst>
                   <a:ext uri="{0D108BD9-81ED-4DB2-BD59-A6C34878D82A}">
-                    <a16:rowId xmlns:a16="http://schemas.microsoft.com/office/drawing/2014/main" xmlns="" val="1220313647"/>
+                    <a16:rowId xmlns:a16="http://schemas.microsoft.com/office/drawing/2014/main" val="1220313647"/>
                   </a:ext>
                 </a:extLst>
               </a:tr>
@@ -33789,10 +36315,9 @@
                     <a:p>
                       <a:pPr algn="ctr"/>
                       <a:r>
-                        <a:rPr lang="de-DE" sz="1050" dirty="0" smtClean="0"/>
+                        <a:rPr lang="de-DE" sz="1050" dirty="0"/>
                         <a:t>X</a:t>
                       </a:r>
-                      <a:endParaRPr lang="de-DE" sz="1050" dirty="0"/>
                     </a:p>
                   </a:txBody>
                   <a:tcPr>
@@ -33826,10 +36351,9 @@
                     <a:p>
                       <a:pPr algn="ctr"/>
                       <a:r>
-                        <a:rPr lang="de-DE" sz="1050" dirty="0" smtClean="0"/>
+                        <a:rPr lang="de-DE" sz="1050" dirty="0"/>
                         <a:t>X</a:t>
                       </a:r>
-                      <a:endParaRPr lang="de-DE" sz="1050" dirty="0"/>
                     </a:p>
                   </a:txBody>
                   <a:tcPr>
@@ -33844,10 +36368,9 @@
                     <a:lstStyle/>
                     <a:p>
                       <a:r>
-                        <a:rPr lang="de-DE" sz="1050" dirty="0" smtClean="0"/>
+                        <a:rPr lang="de-DE" sz="1050" dirty="0"/>
                         <a:t>X</a:t>
                       </a:r>
-                      <a:endParaRPr lang="de-DE" sz="1050" dirty="0"/>
                     </a:p>
                   </a:txBody>
                   <a:tcPr>
@@ -33862,10 +36385,9 @@
                     <a:lstStyle/>
                     <a:p>
                       <a:r>
-                        <a:rPr lang="de-DE" sz="1050" dirty="0" smtClean="0"/>
+                        <a:rPr lang="de-DE" sz="1050" dirty="0"/>
                         <a:t>X</a:t>
                       </a:r>
-                      <a:endParaRPr lang="de-DE" sz="1050" dirty="0"/>
                     </a:p>
                   </a:txBody>
                   <a:tcPr>
@@ -33890,7 +36412,7 @@
                 </a:tc>
                 <a:extLst>
                   <a:ext uri="{0D108BD9-81ED-4DB2-BD59-A6C34878D82A}">
-                    <a16:rowId xmlns:a16="http://schemas.microsoft.com/office/drawing/2014/main" xmlns="" val="921945894"/>
+                    <a16:rowId xmlns:a16="http://schemas.microsoft.com/office/drawing/2014/main" val="921945894"/>
                   </a:ext>
                 </a:extLst>
               </a:tr>
@@ -40658,19 +43180,7 @@
           <a:p>
             <a:r>
               <a:rPr lang="de-DE" dirty="0"/>
-              <a:t>Einhaltung des </a:t>
-            </a:r>
-            <a:r>
-              <a:rPr lang="de-DE" dirty="0" smtClean="0"/>
-              <a:t>internen </a:t>
-            </a:r>
-            <a:r>
-              <a:rPr lang="de-DE" dirty="0"/>
-              <a:t>Standards für </a:t>
-            </a:r>
-            <a:r>
-              <a:rPr lang="de-DE" dirty="0" smtClean="0"/>
-              <a:t>Projektmanagements</a:t>
+              <a:t>Einhaltung des internen Standards für Projektmanagements</a:t>
             </a:r>
           </a:p>
         </p:txBody>
@@ -40748,7 +43258,7 @@
         </p:nvSpPr>
         <p:spPr>
           <a:xfrm>
-            <a:off x="3382117" y="3867912"/>
+            <a:off x="2396715" y="3867912"/>
             <a:ext cx="2995168" cy="2308324"/>
           </a:xfrm>
           <a:prstGeom prst="rect">
@@ -40767,10 +43277,10 @@
               <a:buChar char="•"/>
             </a:pPr>
             <a:r>
-              <a:rPr lang="de-DE" dirty="0" err="1" smtClean="0"/>
+              <a:rPr lang="de-DE" dirty="0" err="1"/>
               <a:t>Dokumentationsrichtlinen</a:t>
             </a:r>
-            <a:endParaRPr lang="de-DE" dirty="0" smtClean="0"/>
+            <a:endParaRPr lang="de-DE" dirty="0"/>
           </a:p>
           <a:p>
             <a:pPr marL="285750" indent="-285750">
@@ -40778,7 +43288,7 @@
               <a:buChar char="•"/>
             </a:pPr>
             <a:r>
-              <a:rPr lang="de-DE" dirty="0" smtClean="0"/>
+              <a:rPr lang="de-DE" dirty="0"/>
               <a:t>Kommunikationsstrategie</a:t>
             </a:r>
           </a:p>
@@ -40788,7 +43298,7 @@
               <a:buChar char="•"/>
             </a:pPr>
             <a:r>
-              <a:rPr lang="de-DE" dirty="0" smtClean="0"/>
+              <a:rPr lang="de-DE" dirty="0"/>
               <a:t>Phasenplan</a:t>
             </a:r>
           </a:p>
@@ -40798,7 +43308,7 @@
               <a:buChar char="•"/>
             </a:pPr>
             <a:r>
-              <a:rPr lang="de-DE" dirty="0" smtClean="0"/>
+              <a:rPr lang="de-DE" dirty="0"/>
               <a:t>Projektauftrag</a:t>
             </a:r>
           </a:p>
@@ -40808,7 +43318,7 @@
               <a:buChar char="•"/>
             </a:pPr>
             <a:r>
-              <a:rPr lang="de-DE" dirty="0" smtClean="0"/>
+              <a:rPr lang="de-DE" dirty="0"/>
               <a:t>Projektkennzahlen</a:t>
             </a:r>
           </a:p>
@@ -40818,7 +43328,7 @@
               <a:buChar char="•"/>
             </a:pPr>
             <a:r>
-              <a:rPr lang="de-DE" dirty="0" smtClean="0"/>
+              <a:rPr lang="de-DE" dirty="0"/>
               <a:t>Projektkosten</a:t>
             </a:r>
           </a:p>
@@ -40828,7 +43338,7 @@
               <a:buChar char="•"/>
             </a:pPr>
             <a:r>
-              <a:rPr lang="de-DE" dirty="0" smtClean="0"/>
+              <a:rPr lang="de-DE" dirty="0"/>
               <a:t>Risikovermeidung</a:t>
             </a:r>
           </a:p>
@@ -40838,10 +43348,9 @@
               <a:buChar char="•"/>
             </a:pPr>
             <a:r>
-              <a:rPr lang="de-DE" dirty="0" smtClean="0"/>
+              <a:rPr lang="de-DE" dirty="0"/>
               <a:t>Zieldefinition</a:t>
             </a:r>
-            <a:endParaRPr lang="de-DE" dirty="0"/>
           </a:p>
         </p:txBody>
       </p:sp>
@@ -40853,8 +43362,8 @@
         </p:nvSpPr>
         <p:spPr>
           <a:xfrm>
-            <a:off x="838200" y="3867912"/>
-            <a:ext cx="2098040" cy="1200329"/>
+            <a:off x="298675" y="3869218"/>
+            <a:ext cx="2098040" cy="2308324"/>
           </a:xfrm>
           <a:prstGeom prst="rect">
             <a:avLst/>
@@ -40872,7 +43381,7 @@
               <a:buChar char="•"/>
             </a:pPr>
             <a:r>
-              <a:rPr lang="de-DE" dirty="0" smtClean="0"/>
+              <a:rPr lang="de-DE" dirty="0"/>
               <a:t>Chancen/Risiko-Analyse</a:t>
             </a:r>
           </a:p>
@@ -40882,7 +43391,7 @@
               <a:buChar char="•"/>
             </a:pPr>
             <a:r>
-              <a:rPr lang="de-DE" dirty="0" smtClean="0"/>
+              <a:rPr lang="de-DE" dirty="0"/>
               <a:t>Projektsteckbrief</a:t>
             </a:r>
           </a:p>
@@ -40892,10 +43401,29 @@
               <a:buChar char="•"/>
             </a:pPr>
             <a:r>
-              <a:rPr lang="de-DE" dirty="0" smtClean="0"/>
+              <a:rPr lang="de-DE" dirty="0"/>
               <a:t>Umfeldanalyse</a:t>
             </a:r>
-            <a:endParaRPr lang="de-DE" dirty="0"/>
+          </a:p>
+          <a:p>
+            <a:pPr marL="285750" indent="-285750">
+              <a:buFont typeface="Arial" panose="020B0604020202020204" pitchFamily="34" charset="0"/>
+              <a:buChar char="•"/>
+            </a:pPr>
+            <a:r>
+              <a:rPr lang="de-DE" dirty="0"/>
+              <a:t>Unternehmens-analyse</a:t>
+            </a:r>
+          </a:p>
+          <a:p>
+            <a:pPr marL="285750" indent="-285750">
+              <a:buFont typeface="Arial" panose="020B0604020202020204" pitchFamily="34" charset="0"/>
+              <a:buChar char="•"/>
+            </a:pPr>
+            <a:r>
+              <a:rPr lang="de-DE" dirty="0"/>
+              <a:t>Stakeholder-analyse</a:t>
+            </a:r>
           </a:p>
         </p:txBody>
       </p:sp>
@@ -40907,7 +43435,7 @@
         </p:nvSpPr>
         <p:spPr>
           <a:xfrm>
-            <a:off x="6844531" y="3867912"/>
+            <a:off x="5277355" y="3867912"/>
             <a:ext cx="2082961" cy="923330"/>
           </a:xfrm>
           <a:prstGeom prst="rect">
@@ -40926,7 +43454,7 @@
               <a:buChar char="•"/>
             </a:pPr>
             <a:r>
-              <a:rPr lang="de-DE" dirty="0" smtClean="0"/>
+              <a:rPr lang="de-DE" dirty="0"/>
               <a:t>Arbeitspakete</a:t>
             </a:r>
           </a:p>
@@ -40936,7 +43464,7 @@
               <a:buChar char="•"/>
             </a:pPr>
             <a:r>
-              <a:rPr lang="de-DE" dirty="0" smtClean="0"/>
+              <a:rPr lang="de-DE" dirty="0"/>
               <a:t>Gantt-Diagramm</a:t>
             </a:r>
           </a:p>
@@ -40946,7 +43474,7 @@
               <a:buChar char="•"/>
             </a:pPr>
             <a:r>
-              <a:rPr lang="de-DE" dirty="0" smtClean="0"/>
+              <a:rPr lang="de-DE" dirty="0"/>
               <a:t>Systemübersicht</a:t>
             </a:r>
           </a:p>
@@ -40960,7 +43488,7 @@
         </p:nvSpPr>
         <p:spPr>
           <a:xfrm>
-            <a:off x="9394738" y="3867912"/>
+            <a:off x="7489923" y="3867912"/>
             <a:ext cx="1959062" cy="923330"/>
           </a:xfrm>
           <a:prstGeom prst="rect">
@@ -40979,7 +43507,7 @@
               <a:buChar char="•"/>
             </a:pPr>
             <a:r>
-              <a:rPr lang="de-DE" dirty="0" smtClean="0"/>
+              <a:rPr lang="de-DE" dirty="0"/>
               <a:t>Projektstatus-berichte</a:t>
             </a:r>
           </a:p>
@@ -40989,13 +43517,188 @@
               <a:buChar char="•"/>
             </a:pPr>
             <a:r>
-              <a:rPr lang="de-DE" dirty="0" smtClean="0"/>
+              <a:rPr lang="de-DE" dirty="0"/>
               <a:t>Qualitätskreisel</a:t>
             </a:r>
-            <a:endParaRPr lang="de-DE" dirty="0"/>
           </a:p>
         </p:txBody>
       </p:sp>
+      <p:sp>
+        <p:nvSpPr>
+          <p:cNvPr id="11" name="Textfeld 10"/>
+          <p:cNvSpPr txBox="1"/>
+          <p:nvPr/>
+        </p:nvSpPr>
+        <p:spPr>
+          <a:xfrm>
+            <a:off x="9600020" y="3867912"/>
+            <a:ext cx="1959062" cy="1200329"/>
+          </a:xfrm>
+          <a:prstGeom prst="rect">
+            <a:avLst/>
+          </a:prstGeom>
+          <a:noFill/>
+        </p:spPr>
+        <p:txBody>
+          <a:bodyPr wrap="square" rtlCol="0">
+            <a:spAutoFit/>
+          </a:bodyPr>
+          <a:lstStyle/>
+          <a:p>
+            <a:pPr marL="285750" indent="-285750">
+              <a:buFont typeface="Arial" panose="020B0604020202020204" pitchFamily="34" charset="0"/>
+              <a:buChar char="•"/>
+            </a:pPr>
+            <a:r>
+              <a:rPr lang="de-DE" dirty="0"/>
+              <a:t>Dokumentation</a:t>
+            </a:r>
+          </a:p>
+          <a:p>
+            <a:pPr marL="285750" indent="-285750">
+              <a:buFont typeface="Arial" panose="020B0604020202020204" pitchFamily="34" charset="0"/>
+              <a:buChar char="•"/>
+            </a:pPr>
+            <a:r>
+              <a:rPr lang="de-DE" dirty="0"/>
+              <a:t>Nachkalkulation</a:t>
+            </a:r>
+          </a:p>
+          <a:p>
+            <a:pPr marL="285750" indent="-285750">
+              <a:buFont typeface="Arial" panose="020B0604020202020204" pitchFamily="34" charset="0"/>
+              <a:buChar char="•"/>
+            </a:pPr>
+            <a:r>
+              <a:rPr lang="de-DE" dirty="0"/>
+              <a:t>Erfahrungs-sicherung</a:t>
+            </a:r>
+          </a:p>
+        </p:txBody>
+      </p:sp>
+      <p:pic>
+        <p:nvPicPr>
+          <p:cNvPr id="12" name="Picture 2" descr="http://www.gradient.de/sites/default/files/ok_haken_0.png"/>
+          <p:cNvPicPr>
+            <a:picLocks noChangeAspect="1" noChangeArrowheads="1"/>
+          </p:cNvPicPr>
+          <p:nvPr/>
+        </p:nvPicPr>
+        <p:blipFill>
+          <a:blip r:embed="rId8" cstate="print">
+            <a:extLst>
+              <a:ext uri="{28A0092B-C50C-407E-A947-70E740481C1C}">
+                <a14:useLocalDpi xmlns:a14="http://schemas.microsoft.com/office/drawing/2010/main" val="0"/>
+              </a:ext>
+            </a:extLst>
+          </a:blip>
+          <a:srcRect/>
+          <a:stretch>
+            <a:fillRect/>
+          </a:stretch>
+        </p:blipFill>
+        <p:spPr bwMode="auto">
+          <a:xfrm>
+            <a:off x="1413914" y="1464347"/>
+            <a:ext cx="2233999" cy="2233999"/>
+          </a:xfrm>
+          <a:prstGeom prst="rect">
+            <a:avLst/>
+          </a:prstGeom>
+          <a:noFill/>
+          <a:extLst>
+            <a:ext uri="{909E8E84-426E-40DD-AFC4-6F175D3DCCD1}">
+              <a14:hiddenFill xmlns:a14="http://schemas.microsoft.com/office/drawing/2010/main">
+                <a:solidFill>
+                  <a:srgbClr val="FFFFFF"/>
+                </a:solidFill>
+              </a14:hiddenFill>
+            </a:ext>
+          </a:extLst>
+        </p:spPr>
+      </p:pic>
+      <p:pic>
+        <p:nvPicPr>
+          <p:cNvPr id="13" name="Picture 2" descr="http://www.gradient.de/sites/default/files/ok_haken_0.png"/>
+          <p:cNvPicPr>
+            <a:picLocks noChangeAspect="1" noChangeArrowheads="1"/>
+          </p:cNvPicPr>
+          <p:nvPr/>
+        </p:nvPicPr>
+        <p:blipFill>
+          <a:blip r:embed="rId8" cstate="print">
+            <a:extLst>
+              <a:ext uri="{28A0092B-C50C-407E-A947-70E740481C1C}">
+                <a14:useLocalDpi xmlns:a14="http://schemas.microsoft.com/office/drawing/2010/main" val="0"/>
+              </a:ext>
+            </a:extLst>
+          </a:blip>
+          <a:srcRect/>
+          <a:stretch>
+            <a:fillRect/>
+          </a:stretch>
+        </p:blipFill>
+        <p:spPr bwMode="auto">
+          <a:xfrm>
+            <a:off x="3647913" y="1465653"/>
+            <a:ext cx="2233999" cy="2233999"/>
+          </a:xfrm>
+          <a:prstGeom prst="rect">
+            <a:avLst/>
+          </a:prstGeom>
+          <a:noFill/>
+          <a:extLst>
+            <a:ext uri="{909E8E84-426E-40DD-AFC4-6F175D3DCCD1}">
+              <a14:hiddenFill xmlns:a14="http://schemas.microsoft.com/office/drawing/2010/main">
+                <a:solidFill>
+                  <a:srgbClr val="FFFFFF"/>
+                </a:solidFill>
+              </a14:hiddenFill>
+            </a:ext>
+          </a:extLst>
+        </p:spPr>
+      </p:pic>
+      <p:pic>
+        <p:nvPicPr>
+          <p:cNvPr id="14" name="Picture 2" descr="http://www.gradient.de/sites/default/files/ok_haken_0.png"/>
+          <p:cNvPicPr>
+            <a:picLocks noChangeAspect="1" noChangeArrowheads="1"/>
+          </p:cNvPicPr>
+          <p:nvPr/>
+        </p:nvPicPr>
+        <p:blipFill>
+          <a:blip r:embed="rId8" cstate="print">
+            <a:extLst>
+              <a:ext uri="{28A0092B-C50C-407E-A947-70E740481C1C}">
+                <a14:useLocalDpi xmlns:a14="http://schemas.microsoft.com/office/drawing/2010/main" val="0"/>
+              </a:ext>
+            </a:extLst>
+          </a:blip>
+          <a:srcRect/>
+          <a:stretch>
+            <a:fillRect/>
+          </a:stretch>
+        </p:blipFill>
+        <p:spPr bwMode="auto">
+          <a:xfrm>
+            <a:off x="5889532" y="1435822"/>
+            <a:ext cx="2233999" cy="2233999"/>
+          </a:xfrm>
+          <a:prstGeom prst="rect">
+            <a:avLst/>
+          </a:prstGeom>
+          <a:noFill/>
+          <a:extLst>
+            <a:ext uri="{909E8E84-426E-40DD-AFC4-6F175D3DCCD1}">
+              <a14:hiddenFill xmlns:a14="http://schemas.microsoft.com/office/drawing/2010/main">
+                <a:solidFill>
+                  <a:srgbClr val="FFFFFF"/>
+                </a:solidFill>
+              </a14:hiddenFill>
+            </a:ext>
+          </a:extLst>
+        </p:spPr>
+      </p:pic>
     </p:spTree>
     <p:extLst>
       <p:ext uri="{BB962C8B-B14F-4D97-AF65-F5344CB8AC3E}">
